--- a/SLI-AL/Workshop 4/Workshop 4.pptx
+++ b/SLI-AL/Workshop 4/Workshop 4.pptx
@@ -4,11 +4,15 @@
   <p:sldMasterIdLst>
     <p:sldMasterId id="2147483648" r:id="rId1"/>
   </p:sldMasterIdLst>
+  <p:notesMasterIdLst>
+    <p:notesMasterId r:id="rId7"/>
+  </p:notesMasterIdLst>
   <p:sldIdLst>
     <p:sldId id="256" r:id="rId2"/>
     <p:sldId id="257" r:id="rId3"/>
     <p:sldId id="258" r:id="rId4"/>
-    <p:sldId id="259" r:id="rId5"/>
+    <p:sldId id="260" r:id="rId5"/>
+    <p:sldId id="261" r:id="rId6"/>
   </p:sldIdLst>
   <p:sldSz cx="12192000" cy="6858000"/>
   <p:notesSz cx="6858000" cy="9144000"/>
@@ -158,14 +162,14 @@
           <inkml:channelProperty channel="F" name="resolution" value="0" units="1/dev"/>
         </inkml:channelProperties>
       </inkml:inkSource>
-      <inkml:timestamp xml:id="ts0" timeString="2022-06-07T12:43:25.418"/>
+      <inkml:timestamp xml:id="ts0" timeString="2022-06-07T22:47:37.664"/>
     </inkml:context>
     <inkml:brush xml:id="br0">
       <inkml:brushProperty name="width" value="0.05" units="cm"/>
       <inkml:brushProperty name="height" value="0.05" units="cm"/>
     </inkml:brush>
   </inkml:definitions>
-  <inkml:trace contextRef="#ctx0" brushRef="#br0">672 2 24575,'-8'0'0,"-25"-1"0,1 1 0,0 2 0,0 1 0,0 1 0,-61 17 0,74-14 0,-1 0 0,2 1 0,-1 1 0,1 1 0,-17 13 0,25-15 0,1 0 0,0 0 0,0 1 0,1 0 0,0 1 0,1 0 0,0 0 0,1 0 0,-11 23 0,-136 321 0,147-340 0,0 0 0,0 1 0,2 0 0,-1-1 0,2 1 0,0 1 0,1-1 0,1 0 0,0 1 0,2 20 0,-1-34 0,0 0 0,1 0 0,-1 0 0,1 0 0,0 0 0,0 0 0,0-1 0,0 1 0,0 0 0,0 0 0,0 0 0,1-1 0,-1 1 0,0-1 0,1 1 0,0-1 0,-1 0 0,1 1 0,2 0 0,39 14 0,-4-1 0,145 90 0,-174-101 0,-1 0 0,1-1 0,0 0 0,0-1 0,0 0 0,1 0 0,-1-1 0,13-1 0,-8 1 0,1 0 0,24 6 0,-39-6 0,0-1 0,1 0 0,-1 0 0,0 0 0,0 1 0,1-1 0,-1 0 0,0-1 0,1 1 0,-1 0 0,0 0 0,0 0 0,1-1 0,-1 1 0,0-1 0,0 1 0,1-1 0,-1 1 0,0-1 0,0 0 0,0 0 0,1-1 0,0 0 0,0 0 0,0-1 0,0 1 0,0-1 0,0 0 0,-1 0 0,0 0 0,1 0 0,0-3 0,1-8 0,1 0 0,-2 0 0,1-17 0,-2 30 0,0-121-1365,-2 99-5461</inkml:trace>
+  <inkml:trace contextRef="#ctx0" brushRef="#br0">0 338 24575,'0'-18'0,"0"-10"0,0-5 0,0-1 0,0 0 0,0 3 0,5 5 0,0 3 0,1 2 0,-1-1 0,-2-1 0,-1-1 0,-1 3-8191</inkml:trace>
 </inkml:ink>
 </file>
 
@@ -185,14 +189,234 @@
           <inkml:channelProperty channel="F" name="resolution" value="0" units="1/dev"/>
         </inkml:channelProperties>
       </inkml:inkSource>
-      <inkml:timestamp xml:id="ts0" timeString="2022-06-07T12:43:26.548"/>
+      <inkml:timestamp xml:id="ts0" timeString="2022-06-07T22:47:39.070"/>
     </inkml:context>
     <inkml:brush xml:id="br0">
       <inkml:brushProperty name="width" value="0.05" units="cm"/>
       <inkml:brushProperty name="height" value="0.05" units="cm"/>
     </inkml:brush>
   </inkml:definitions>
-  <inkml:trace contextRef="#ctx0" brushRef="#br0">358 0 24575,'-4'0'0,"-6"4"0,-5 2 0,-4-1 0,-4 4 0,-5 4 0,1 4 0,2-1 0,-4-3 0,3 1 0,2-3 0,1-3 0,4 2 0,1-1 0,0-3 0,-1-1 0,1 2 0,5-1-8191</inkml:trace>
+  <inkml:trace contextRef="#ctx0" brushRef="#br0">0 1 24575,'31'13'0,"15"5"0,8-1 0,-4 0 0,-7-1 0,-6 0 0,-10 2 0,-4-2 0,-2-3 0,-5-5-8191</inkml:trace>
+</inkml:ink>
+</file>
+
+<file path=ppt/ink/ink12.xml><?xml version="1.0" encoding="utf-8"?>
+<inkml:ink xmlns:inkml="http://www.w3.org/2003/InkML">
+  <inkml:definitions>
+    <inkml:context xml:id="ctx0">
+      <inkml:inkSource xml:id="inkSrc0">
+        <inkml:traceFormat>
+          <inkml:channel name="X" type="integer" min="-2.14748E9" max="2.14748E9" units="cm"/>
+          <inkml:channel name="Y" type="integer" min="-2.14748E9" max="2.14748E9" units="cm"/>
+          <inkml:channel name="F" type="integer" max="32767" units="dev"/>
+        </inkml:traceFormat>
+        <inkml:channelProperties>
+          <inkml:channelProperty channel="X" name="resolution" value="1000" units="1/cm"/>
+          <inkml:channelProperty channel="Y" name="resolution" value="1000" units="1/cm"/>
+          <inkml:channelProperty channel="F" name="resolution" value="0" units="1/dev"/>
+        </inkml:channelProperties>
+      </inkml:inkSource>
+      <inkml:timestamp xml:id="ts0" timeString="2022-06-07T22:50:21.007"/>
+    </inkml:context>
+    <inkml:brush xml:id="br0">
+      <inkml:brushProperty name="width" value="0.05" units="cm"/>
+      <inkml:brushProperty name="height" value="0.05" units="cm"/>
+    </inkml:brush>
+  </inkml:definitions>
+  <inkml:trace contextRef="#ctx0" brushRef="#br0">1 3 24575,'176'-2'0,"256"9"0,-285 12 0,259 70 0,-294-61 0,-62-19 0,0-3 0,0-1 0,1-3 0,67-6 0,-7 2 0,-10 2-1365,-68 0-5461</inkml:trace>
+</inkml:ink>
+</file>
+
+<file path=ppt/ink/ink13.xml><?xml version="1.0" encoding="utf-8"?>
+<inkml:ink xmlns:inkml="http://www.w3.org/2003/InkML">
+  <inkml:definitions>
+    <inkml:context xml:id="ctx0">
+      <inkml:inkSource xml:id="inkSrc0">
+        <inkml:traceFormat>
+          <inkml:channel name="X" type="integer" min="-2.14748E9" max="2.14748E9" units="cm"/>
+          <inkml:channel name="Y" type="integer" min="-2.14748E9" max="2.14748E9" units="cm"/>
+          <inkml:channel name="F" type="integer" max="32767" units="dev"/>
+        </inkml:traceFormat>
+        <inkml:channelProperties>
+          <inkml:channelProperty channel="X" name="resolution" value="1000" units="1/cm"/>
+          <inkml:channelProperty channel="Y" name="resolution" value="1000" units="1/cm"/>
+          <inkml:channelProperty channel="F" name="resolution" value="0" units="1/dev"/>
+        </inkml:channelProperties>
+      </inkml:inkSource>
+      <inkml:timestamp xml:id="ts0" timeString="2022-06-07T22:50:22.861"/>
+    </inkml:context>
+    <inkml:brush xml:id="br0">
+      <inkml:brushProperty name="width" value="0.05" units="cm"/>
+      <inkml:brushProperty name="height" value="0.05" units="cm"/>
+    </inkml:brush>
+  </inkml:definitions>
+  <inkml:trace contextRef="#ctx0" brushRef="#br0">1 1 24575,'8'0'0,"0"1"0,-1 0 0,1 1 0,0 0 0,12 5 0,6 1 0,304 73 0,-174-36 0,-111-29 0,0-3 0,1-1 0,89 10 0,-28-16 0,396 13 0,-205-19-1365,-265 0-5461</inkml:trace>
+</inkml:ink>
+</file>
+
+<file path=ppt/ink/ink14.xml><?xml version="1.0" encoding="utf-8"?>
+<inkml:ink xmlns:inkml="http://www.w3.org/2003/InkML">
+  <inkml:definitions>
+    <inkml:context xml:id="ctx0">
+      <inkml:inkSource xml:id="inkSrc0">
+        <inkml:traceFormat>
+          <inkml:channel name="X" type="integer" min="-2.14748E9" max="2.14748E9" units="cm"/>
+          <inkml:channel name="Y" type="integer" min="-2.14748E9" max="2.14748E9" units="cm"/>
+          <inkml:channel name="F" type="integer" max="32767" units="dev"/>
+        </inkml:traceFormat>
+        <inkml:channelProperties>
+          <inkml:channelProperty channel="X" name="resolution" value="1000" units="1/cm"/>
+          <inkml:channelProperty channel="Y" name="resolution" value="1000" units="1/cm"/>
+          <inkml:channelProperty channel="F" name="resolution" value="0" units="1/dev"/>
+        </inkml:channelProperties>
+      </inkml:inkSource>
+      <inkml:timestamp xml:id="ts0" timeString="2022-06-07T22:26:11.125"/>
+    </inkml:context>
+    <inkml:brush xml:id="br0">
+      <inkml:brushProperty name="width" value="0.05" units="cm"/>
+      <inkml:brushProperty name="height" value="0.05" units="cm"/>
+      <inkml:brushProperty name="color" value="#66CC00"/>
+    </inkml:brush>
+  </inkml:definitions>
+  <inkml:trace contextRef="#ctx0" brushRef="#br0">2274 196 24575,'3'3'0,"-1"1"0,1 0 0,-1 0 0,0 0 0,0 0 0,0 1 0,0-1 0,-1 0 0,2 8 0,6 48 0,-5-32 0,9 127 0,-9-72 0,7 1 0,-6-54 0,2 51 0,-6-74 0,-1 0 0,-1 0 0,1 0 0,-1 0 0,0 0 0,-1 0 0,0 0 0,0-1 0,-5 11 0,5-13 0,-1 1 0,0-1 0,-1 0 0,1 0 0,-1-1 0,1 1 0,-1-1 0,0 0 0,-1 0 0,1 0 0,0 0 0,-1-1 0,1 1 0,-6 1 0,-2 0 0,0-1 0,-1 0 0,1-1 0,-1 0 0,1-1 0,-1 0 0,-13-1 0,15-1 0,-1 1 0,0 1 0,0 0 0,0 0 0,1 2 0,-1-1 0,1 1 0,-14 6 0,-4 2 0,-1-1 0,0-1 0,-1-2 0,-61 7 0,-188 16 0,158-20 0,-89 4 0,179-13 0,-45 9 0,-20 2 0,-199-11 0,153-2 0,113-1 0,0-2 0,1-1 0,-1-1 0,-30-11 0,18 6 0,20 4 0,0-1 0,-24-13 0,24 11 0,-38-13 0,49 19 0,-1-1 0,1 0 0,0-1 0,0 0 0,0-1 0,1 0 0,0-1 0,1 1 0,-1-2 0,1 0 0,1 0 0,0 0 0,0-1 0,-8-15 0,12 18 0,1 1 0,0-1 0,1 1 0,-1-1 0,1 0 0,1 0 0,-1 0 0,1 0 0,0-9 0,2-69 0,1 45 0,-1 19 0,-1-2 0,1 1 0,4-27 0,-3 41 0,0 0 0,1 0 0,-1 0 0,1 0 0,1 1 0,-1-1 0,2 1 0,-1 0 0,9-10 0,2 1 0,0 1 0,1 0 0,1 2 0,36-23 0,-34 24 0,-1 0 0,-1-1 0,0-1 0,29-30 0,-37 33 0,1 0 0,0 0 0,0 1 0,1 0 0,1 1 0,0 1 0,0 0 0,0 0 0,1 1 0,0 1 0,0 0 0,1 0 0,0 2 0,0 0 0,0 0 0,0 1 0,17-1 0,-15 3 0,1-2 0,-1 0 0,0-1 0,28-12 0,20-4 0,4 1 0,-38 10 0,1 1 0,40-5 0,-56 13 0,-1 1 0,1 0 0,-1 1 0,1 0 0,-1 1 0,27 9 0,28 6 0,-36-12 0,-4-2 0,0 1 0,53 19 0,-42-6 0,19 7 0,-9-10 0,-8-2 0,60 10 0,-71-16 0,-1 0 0,38 15 0,-46-13 0,2-2 0,-1 0 0,1-1 0,42 4 0,20-12 0,-66 0 0,1 1 0,0 1 0,-1 1 0,1 0 0,-1 2 0,26 6 0,87 46-1365,-117-50-5461</inkml:trace>
+</inkml:ink>
+</file>
+
+<file path=ppt/ink/ink15.xml><?xml version="1.0" encoding="utf-8"?>
+<inkml:ink xmlns:inkml="http://www.w3.org/2003/InkML">
+  <inkml:definitions>
+    <inkml:context xml:id="ctx0">
+      <inkml:inkSource xml:id="inkSrc0">
+        <inkml:traceFormat>
+          <inkml:channel name="X" type="integer" min="-2.14748E9" max="2.14748E9" units="cm"/>
+          <inkml:channel name="Y" type="integer" min="-2.14748E9" max="2.14748E9" units="cm"/>
+          <inkml:channel name="F" type="integer" max="32767" units="dev"/>
+        </inkml:traceFormat>
+        <inkml:channelProperties>
+          <inkml:channelProperty channel="X" name="resolution" value="1000" units="1/cm"/>
+          <inkml:channelProperty channel="Y" name="resolution" value="1000" units="1/cm"/>
+          <inkml:channelProperty channel="F" name="resolution" value="0" units="1/dev"/>
+        </inkml:channelProperties>
+      </inkml:inkSource>
+      <inkml:timestamp xml:id="ts0" timeString="2022-06-07T22:28:26.642"/>
+    </inkml:context>
+    <inkml:brush xml:id="br0">
+      <inkml:brushProperty name="width" value="0.05" units="cm"/>
+      <inkml:brushProperty name="height" value="0.05" units="cm"/>
+      <inkml:brushProperty name="color" value="#E71224"/>
+    </inkml:brush>
+  </inkml:definitions>
+  <inkml:trace contextRef="#ctx0" brushRef="#br0">812 120 24575,'0'-1'0,"-1"-1"0,1 1 0,-1 0 0,1-1 0,-1 1 0,1 0 0,-1-1 0,0 1 0,0 0 0,0 0 0,0 0 0,0-1 0,0 1 0,0 0 0,0 0 0,0 1 0,-1-1 0,-1-1 0,-29-15 0,28 15 0,-14-5 0,0 0 0,0 2 0,-1 0 0,0 0 0,0 2 0,-26-1 0,2 2 0,-77 8 0,98-3 0,1 2 0,0 1 0,0 1 0,0 0 0,1 2 0,0 0 0,-19 13 0,-5 1 0,37-20 0,1 1 0,0 1 0,1-1 0,-1 1 0,1 0 0,0 0 0,0 0 0,1 1 0,-8 11 0,-29 59 0,23-31 0,1 0 0,3 1 0,1 0 0,-11 86 0,15-84 0,5-31 0,1 1 0,0-1 0,1 0 0,1 22 0,2-34 0,-1 0 0,1 1 0,0-1 0,0 0 0,1 0 0,-1 0 0,1 0 0,0 0 0,1-1 0,-1 1 0,1-1 0,0 1 0,0-1 0,0 0 0,1 0 0,-1 0 0,1-1 0,6 6 0,5 1 0,1 0 0,-1-2 0,1 1 0,1-2 0,21 7 0,-1-3 0,53 10 0,-50-16 0,42 1 0,-57-6 0,-1 1 0,0 1 0,0 1 0,0 2 0,0 0 0,25 9 0,-27-6 0,0-2 0,0 0 0,26 2 0,-8-2 0,-35-5 0,1 0 0,0-1 0,0 0 0,0-1 0,-1 1 0,1-1 0,0 0 0,0-1 0,-1 1 0,1-1 0,-1 0 0,0 0 0,1-1 0,-1 0 0,0 0 0,8-6 0,-2 0 0,0-1 0,0 0 0,-1 0 0,0-1 0,14-21 0,-14 14 0,0 0 0,-2-1 0,0 0 0,-1 0 0,-1-1 0,-1 0 0,4-28 0,-3-20 0,-3-1 0,-5-68 0,-1 17 0,3 100 0,1 8 0,-1 1 0,0-1 0,-1 0 0,-3-16 0,3 25 0,0 1 0,0-1 0,0 1 0,0-1 0,0 1 0,0-1 0,0 1 0,-1-1 0,0 1 0,1 0 0,-1 0 0,0 0 0,0 0 0,0 0 0,0 0 0,0 1 0,0-1 0,-1 1 0,1-1 0,0 1 0,-1 0 0,1 0 0,-1 0 0,-3-1 0,-9 0 0,0 0 0,0 1 0,0 0 0,-29 4 0,-22-2 0,62-1 0,0-1 0,1 1 0,-1-1 0,0 0 0,0 0 0,1 0 0,-1-1 0,1 1 0,-1-1 0,1 0 0,0 0 0,-1 0 0,1 0 0,0 0 0,0-1 0,-3-3 0,-1-3 0,1 0 0,0 1 0,1-2 0,-7-12 0,-11-21 0,20 40-170,0-1-1,1 1 0,-1 0 1,-1 0-1,1 0 0,0 0 1,-7-3-1,-7-3-6655</inkml:trace>
+</inkml:ink>
+</file>
+
+<file path=ppt/ink/ink16.xml><?xml version="1.0" encoding="utf-8"?>
+<inkml:ink xmlns:inkml="http://www.w3.org/2003/InkML">
+  <inkml:definitions>
+    <inkml:context xml:id="ctx0">
+      <inkml:inkSource xml:id="inkSrc0">
+        <inkml:traceFormat>
+          <inkml:channel name="X" type="integer" min="-2.14748E9" max="2.14748E9" units="cm"/>
+          <inkml:channel name="Y" type="integer" min="-2.14748E9" max="2.14748E9" units="cm"/>
+          <inkml:channel name="F" type="integer" max="32767" units="dev"/>
+        </inkml:traceFormat>
+        <inkml:channelProperties>
+          <inkml:channelProperty channel="X" name="resolution" value="1000" units="1/cm"/>
+          <inkml:channelProperty channel="Y" name="resolution" value="1000" units="1/cm"/>
+          <inkml:channelProperty channel="F" name="resolution" value="0" units="1/dev"/>
+        </inkml:channelProperties>
+      </inkml:inkSource>
+      <inkml:timestamp xml:id="ts0" timeString="2022-06-07T22:28:33.904"/>
+    </inkml:context>
+    <inkml:brush xml:id="br0">
+      <inkml:brushProperty name="width" value="0.05" units="cm"/>
+      <inkml:brushProperty name="height" value="0.05" units="cm"/>
+    </inkml:brush>
+  </inkml:definitions>
+  <inkml:trace contextRef="#ctx0" brushRef="#br0">447 0 24575,'-6'0'0,"0"1"0,0-1 0,1 1 0,-1 0 0,0 1 0,0 0 0,1-1 0,-1 2 0,-9 4 0,-41 33 0,23-14 0,23-16 0,0 0 0,1 0 0,0 1 0,1 1 0,1-1 0,-1 1 0,-9 22 0,6-13 0,-133 261 0,133-253 0,2 1 0,1 0 0,1 1 0,1-1 0,-2 56 0,6-60 0,0-7 0,-1 6 0,1 1 0,3 40 0,-1-59 0,1-1 0,0 0 0,0 1 0,0-1 0,1 0 0,0 0 0,0 0 0,1 0 0,0 0 0,0-1 0,0 1 0,1-1 0,-1 0 0,1 0 0,8 8 0,139 106 0,-143-111 0,1 0 0,0-1 0,0 0 0,1-1 0,0 0 0,0 0 0,0-1 0,1 0 0,11 3 0,-21-8 0,1 0 0,-1 0 0,1 1 0,-1-1 0,1 0 0,-1 0 0,1-1 0,-1 1 0,1 0 0,-1 0 0,1-1 0,-1 1 0,1-1 0,-1 1 0,1-1 0,-1 0 0,0 1 0,1-1 0,-1 0 0,2-2 0,0 0 0,-1 1 0,1-1 0,-1 0 0,0 0 0,0 0 0,0-1 0,-1 1 0,3-6 0,0-5 0,0 0 0,-1-1 0,2-21 0,-3 20-170,-1 0-1,0-1 0,-2 1 1,0 0-1,-1 0 0,0 0 1,-10-31-1,7 30-6655</inkml:trace>
+</inkml:ink>
+</file>
+
+<file path=ppt/ink/ink17.xml><?xml version="1.0" encoding="utf-8"?>
+<inkml:ink xmlns:inkml="http://www.w3.org/2003/InkML">
+  <inkml:definitions>
+    <inkml:context xml:id="ctx0">
+      <inkml:inkSource xml:id="inkSrc0">
+        <inkml:traceFormat>
+          <inkml:channel name="X" type="integer" min="-2.14748E9" max="2.14748E9" units="cm"/>
+          <inkml:channel name="Y" type="integer" min="-2.14748E9" max="2.14748E9" units="cm"/>
+          <inkml:channel name="F" type="integer" max="32767" units="dev"/>
+        </inkml:traceFormat>
+        <inkml:channelProperties>
+          <inkml:channelProperty channel="X" name="resolution" value="1000" units="1/cm"/>
+          <inkml:channelProperty channel="Y" name="resolution" value="1000" units="1/cm"/>
+          <inkml:channelProperty channel="F" name="resolution" value="0" units="1/dev"/>
+        </inkml:channelProperties>
+      </inkml:inkSource>
+      <inkml:timestamp xml:id="ts0" timeString="2022-06-07T22:28:35.395"/>
+    </inkml:context>
+    <inkml:brush xml:id="br0">
+      <inkml:brushProperty name="width" value="0.05" units="cm"/>
+      <inkml:brushProperty name="height" value="0.05" units="cm"/>
+    </inkml:brush>
+  </inkml:definitions>
+  <inkml:trace contextRef="#ctx0" brushRef="#br0">337 1 24575,'-12'0'0,"-9"4"0,-5 2 0,-2-1 0,-1 3 0,1 1 0,5 2 0,2 0 0,0-2 0,5 1 0,0-1 0,-2 3 0,-1-2 0,2 3 0,0-1 0,3 1 0,3-1-8191</inkml:trace>
+</inkml:ink>
+</file>
+
+<file path=ppt/ink/ink18.xml><?xml version="1.0" encoding="utf-8"?>
+<inkml:ink xmlns:inkml="http://www.w3.org/2003/InkML">
+  <inkml:definitions>
+    <inkml:context xml:id="ctx0">
+      <inkml:inkSource xml:id="inkSrc0">
+        <inkml:traceFormat>
+          <inkml:channel name="X" type="integer" min="-2.14748E9" max="2.14748E9" units="cm"/>
+          <inkml:channel name="Y" type="integer" min="-2.14748E9" max="2.14748E9" units="cm"/>
+          <inkml:channel name="F" type="integer" max="32767" units="dev"/>
+        </inkml:traceFormat>
+        <inkml:channelProperties>
+          <inkml:channelProperty channel="X" name="resolution" value="1000" units="1/cm"/>
+          <inkml:channelProperty channel="Y" name="resolution" value="1000" units="1/cm"/>
+          <inkml:channelProperty channel="F" name="resolution" value="0" units="1/dev"/>
+        </inkml:channelProperties>
+      </inkml:inkSource>
+      <inkml:timestamp xml:id="ts0" timeString="2022-06-07T22:16:23.697"/>
+    </inkml:context>
+    <inkml:brush xml:id="br0">
+      <inkml:brushProperty name="width" value="0.05" units="cm"/>
+      <inkml:brushProperty name="height" value="0.05" units="cm"/>
+      <inkml:brushProperty name="color" value="#66CC00"/>
+    </inkml:brush>
+  </inkml:definitions>
+  <inkml:trace contextRef="#ctx0" brushRef="#br0">1529 2 24575,'-111'-2'0,"-122"4"0,214 1 0,0 0 0,1 2 0,-1 0 0,-34 15 0,32-12 0,-1 0 0,-40 8 0,-104 5 0,-79 16 0,199-26 0,8 0 0,-1-3 0,0-1 0,-71 4 0,105-11 0,-1 0 0,0 1 0,0 0 0,1 0 0,-1 0 0,1 1 0,-1 0 0,1 0 0,0 1 0,-9 4 0,-2 4 0,2 0 0,-15 13 0,-18 13 0,41-32 0,1 0 0,-1 0 0,1 0 0,0 1 0,0 0 0,1 0 0,0 0 0,0 0 0,0 1 0,1-1 0,0 1 0,0 0 0,1 0 0,-3 8 0,-1 14 0,1 0 0,-2 38 0,3-23 0,2-30 0,-1 4 0,1 0 0,1-1 0,2 32 0,0-43 0,0-1 0,1 1 0,-1 0 0,1-1 0,0 0 0,0 1 0,0-1 0,1 0 0,0 0 0,0-1 0,0 1 0,1 0 0,-1-1 0,1 0 0,8 6 0,-1 1 0,1-2 0,0 0 0,1 0 0,0-1 0,0 0 0,1-1 0,0-1 0,0 0 0,1-1 0,-1-1 0,1 0 0,0-1 0,0-1 0,1 0 0,28 0 0,152 0 0,-154 1 0,-1 1 0,70 18 0,-93-15 0,0 0 0,0 1 0,-1 1 0,0 0 0,31 24 0,24 13 0,-55-38 0,-1-1 0,1 0 0,0-1 0,25 4 0,73 9 0,-95-17 0,78 7 0,158-7 0,-124-4 0,-59 3 0,80-3 0,-147 1 0,0 0 0,-1 0 0,1-1 0,-1 1 0,1-1 0,-1-1 0,0 1 0,0-1 0,0 0 0,0 0 0,0 0 0,-1-1 0,1 1 0,-1-1 0,6-7 0,4-7 0,-1 1 0,20-37 0,1-1 0,-24 39 0,-2 0 0,0 0 0,-1-1 0,-1 0 0,0 0 0,-1-1 0,3-26 0,3-2 0,-6 25 0,-1 0 0,0 0 0,-2 0 0,-1-1 0,0 1 0,-1 0 0,-6-38 0,4 50 0,0-1 0,0 1 0,-1 0 0,0 1 0,-1-1 0,0 0 0,0 1 0,-1 0 0,0 0 0,0 0 0,-1 1 0,0 0 0,-1 0 0,1 0 0,-1 1 0,0 0 0,-1 0 0,0 0 0,-15-7 0,-199-95 0,220 106 0,-35-15 0,0 0 0,-61-16 0,68 24 0,0-2 0,-37-18 0,42 20 0,0 1 0,-39-8 0,50 13 0,-27-4-1365,21 5-5461</inkml:trace>
+</inkml:ink>
+</file>
+
+<file path=ppt/ink/ink19.xml><?xml version="1.0" encoding="utf-8"?>
+<inkml:ink xmlns:inkml="http://www.w3.org/2003/InkML">
+  <inkml:definitions>
+    <inkml:context xml:id="ctx0">
+      <inkml:inkSource xml:id="inkSrc0">
+        <inkml:traceFormat>
+          <inkml:channel name="X" type="integer" min="-2.14748E9" max="2.14748E9" units="cm"/>
+          <inkml:channel name="Y" type="integer" min="-2.14748E9" max="2.14748E9" units="cm"/>
+          <inkml:channel name="F" type="integer" max="32767" units="dev"/>
+        </inkml:traceFormat>
+        <inkml:channelProperties>
+          <inkml:channelProperty channel="X" name="resolution" value="1000" units="1/cm"/>
+          <inkml:channelProperty channel="Y" name="resolution" value="1000" units="1/cm"/>
+          <inkml:channelProperty channel="F" name="resolution" value="0" units="1/dev"/>
+        </inkml:channelProperties>
+      </inkml:inkSource>
+      <inkml:timestamp xml:id="ts0" timeString="2022-06-07T22:20:50.816"/>
+    </inkml:context>
+    <inkml:brush xml:id="br0">
+      <inkml:brushProperty name="width" value="0.05" units="cm"/>
+      <inkml:brushProperty name="height" value="0.05" units="cm"/>
+      <inkml:brushProperty name="color" value="#E71224"/>
+    </inkml:brush>
+  </inkml:definitions>
+  <inkml:trace contextRef="#ctx0" brushRef="#br0">100 718 24575,'6'0'0,"1"1"0,0 1 0,-1-1 0,0 1 0,12 5 0,8 3 0,30 6 0,-2 0 0,0-2 0,107 13 0,140-10 0,-233-11 0,-27-4 0,-1 2 0,57 14 0,-59-9 0,0-1 0,0-2 0,1-1 0,0-2 0,0-2 0,44-4 0,-71 2 0,0-1 0,0-1 0,0 0 0,0-1 0,0 0 0,-1 0 0,0-1 0,0-1 0,0 0 0,0-1 0,-1 0 0,0 0 0,-1-1 0,0 0 0,17-19 0,-17 15 0,0-1 0,-1 1 0,0-2 0,-1 1 0,0-1 0,-1 0 0,-1-1 0,0 1 0,-1-1 0,-1 0 0,0 0 0,1-24 0,-3 18 0,2-7 0,-2 0 0,-1 0 0,-1 0 0,-9-49 0,8 71 0,0 1 0,0-1 0,0 1 0,-1 0 0,0 0 0,0 0 0,0 0 0,-1 1 0,0-1 0,-7-6 0,-50-36 0,3 2 0,40 29 0,-2 0 0,1 1 0,-2 1 0,0 1 0,-1 1 0,0 1 0,0 1 0,-1 1 0,-47-12 0,16 6 0,-1 2 0,-1 2 0,0 3 0,-96-1 0,78 8 0,-85-12 0,57 4 0,-137 7 0,124 3 0,110-1 0,0 0 0,0 0 0,0 1 0,0-1 0,0 1 0,0 0 0,1 0 0,-1 1 0,0 0 0,1-1 0,-8 5 0,9-3 0,1-1 0,-1 1 0,0-1 0,0 1 0,1 0 0,0 0 0,0 1 0,-1-1 0,2 0 0,-1 1 0,0-1 0,1 1 0,0-1 0,-1 1 0,0 5 0,-11 44 0,3-20 0,2 0 0,2 0 0,-5 61 0,11-73 0,1 1 0,1 0 0,1 0 0,8 30 0,-4-4 0,-7-42 0,0 1 0,1-1 0,0 1 0,0-1 0,1 1 0,0-1 0,0 0 0,0 0 0,1 0 0,0 0 0,0 0 0,5 7 0,1-2-97,0 0-1,0-1 1,1 0-1,0-1 1,1 0-1,-1 0 1,2-1-1,-1-1 1,1 0-1,1 0 1,-1-2-1,1 1 0,22 5 1,-17-8-6729</inkml:trace>
 </inkml:ink>
 </file>
 
@@ -220,6 +444,90 @@
     </inkml:brush>
   </inkml:definitions>
   <inkml:trace contextRef="#ctx0" brushRef="#br0">1090 0 24575,'-7'17'0,"1"1"0,0 0 0,1 0 0,-3 28 0,-5 15 0,1-14 0,-5 22 0,-40 101 0,49-149 0,-2-1 0,0 0 0,-2-1 0,0 0 0,-1-1 0,0 0 0,-2-1 0,0-1 0,-20 17 0,3-4 0,2 1 0,-44 58 0,46-52 0,-2-2 0,-34 31 0,52-55 0,0 0 0,0-1 0,-1-1 0,-1 0 0,0 0 0,0-1 0,0-1 0,0-1 0,-28 8 0,9-7 0,-1 3 0,2 1 0,-55 23 0,-36 18 0,120-49 0,0-1 0,1 0 0,-1 1 0,1-1 0,-1 0 0,0-1 0,0 1 0,0 0 0,0-1 0,1 1 0,-1-1 0,0 0 0,0 0 0,0 0 0,0-1 0,0 1 0,0-1 0,0 1 0,1-1 0,-4-1 0,4 0 0,0 0 0,0 0 0,0 0 0,0 0 0,0 0 0,0-1 0,1 1 0,-1-1 0,1 1 0,0-1 0,0 0 0,0 1 0,0-1 0,0 0 0,0 0 0,1 1 0,-1-1 0,1 0 0,0 0 0,0-4 0,1-135 101,1 62-1567,-2 56-5360</inkml:trace>
+</inkml:ink>
+</file>
+
+<file path=ppt/ink/ink20.xml><?xml version="1.0" encoding="utf-8"?>
+<inkml:ink xmlns:inkml="http://www.w3.org/2003/InkML">
+  <inkml:definitions>
+    <inkml:context xml:id="ctx0">
+      <inkml:inkSource xml:id="inkSrc0">
+        <inkml:traceFormat>
+          <inkml:channel name="X" type="integer" min="-2.14748E9" max="2.14748E9" units="cm"/>
+          <inkml:channel name="Y" type="integer" min="-2.14748E9" max="2.14748E9" units="cm"/>
+          <inkml:channel name="F" type="integer" max="32767" units="dev"/>
+        </inkml:traceFormat>
+        <inkml:channelProperties>
+          <inkml:channelProperty channel="X" name="resolution" value="1000" units="1/cm"/>
+          <inkml:channelProperty channel="Y" name="resolution" value="1000" units="1/cm"/>
+          <inkml:channelProperty channel="F" name="resolution" value="0" units="1/dev"/>
+        </inkml:channelProperties>
+      </inkml:inkSource>
+      <inkml:timestamp xml:id="ts0" timeString="2022-06-07T22:21:06.119"/>
+    </inkml:context>
+    <inkml:brush xml:id="br0">
+      <inkml:brushProperty name="width" value="0.05" units="cm"/>
+      <inkml:brushProperty name="height" value="0.05" units="cm"/>
+      <inkml:brushProperty name="color" value="#E71224"/>
+    </inkml:brush>
+  </inkml:definitions>
+  <inkml:trace contextRef="#ctx0" brushRef="#br0">1631 252 24575,'18'39'0,"-1"5"0,-2 0 0,-1 1 0,-3 0 0,-2 1 0,-1 0 0,-3 1 0,0 73 0,-6-92 0,1-14 0,0 0 0,-1 0 0,-1-1 0,-5 25 0,5-34 0,1 0 0,-1 0 0,0 0 0,0 0 0,-1 0 0,1 0 0,-1 0 0,0-1 0,0 0 0,0 1 0,0-1 0,0 0 0,-1 0 0,0-1 0,1 1 0,-1-1 0,0 0 0,-8 4 0,-13 2 0,0-1 0,0-1 0,0-2 0,-42 4 0,-18 2 0,-45 21 0,64-14 0,-82 9 0,88-19 0,0-2 0,-106-6 0,56-2 0,-261 3 0,363 0 0,-1 0 0,0-1 0,0 0 0,1 0 0,-16-5 0,21 5 0,-1 0 0,1-1 0,0 0 0,-1 0 0,1 0 0,0 0 0,0 0 0,0-1 0,0 1 0,0-1 0,1 0 0,-1 0 0,1 0 0,0 0 0,-3-5 0,-4-5 0,0 1 0,-1 0 0,0 0 0,0 1 0,-20-15 0,-10-13 0,34 33 0,0 0 0,1 0 0,0 0 0,0 0 0,0-1 0,1 0 0,0 0 0,0 0 0,1-1 0,0 1 0,0-1 0,1 0 0,0 1 0,0-1 0,1 0 0,0 0 0,0-17 0,5-299 0,-3 307 0,2 0 0,0 1 0,1-1 0,1 0 0,0 1 0,1 0 0,1 1 0,0-1 0,1 1 0,1 1 0,12-17 0,-8 17 0,0 1 0,1 1 0,0 0 0,1 1 0,0 0 0,1 1 0,22-10 0,-25 14 0,1 0 0,-1 1 0,1 1 0,1 0 0,-1 1 0,0 1 0,20-2 0,106 5 0,-59 2 0,-69-3 0,12 1 0,-1-1 0,1-1 0,0-1 0,-1-1 0,1-1 0,-1-1 0,31-10 0,-33 8 0,1 2 0,-1 0 0,1 1 0,0 2 0,1 0 0,-1 1 0,36 4 0,-7-2 0,-36 0 0,0 1 0,0 0 0,19 6 0,35 5 0,-35-8 0,0 1 0,0 2 0,63 23 0,-52-15 0,-32-11 0,0 0 0,20 13 0,14 7 0,-43-23 2,1 1 0,-1 0 0,-1 0 1,1 1-1,0-1 0,-1 1 0,0 0 0,0 0 0,0 0 0,0 0 0,0 0 0,-1 1 0,0-1 0,0 1 0,0 0 0,-1-1 0,2 7 0,14 28-1404,-8-23-5424</inkml:trace>
+</inkml:ink>
+</file>
+
+<file path=ppt/ink/ink21.xml><?xml version="1.0" encoding="utf-8"?>
+<inkml:ink xmlns:inkml="http://www.w3.org/2003/InkML">
+  <inkml:definitions>
+    <inkml:context xml:id="ctx0">
+      <inkml:inkSource xml:id="inkSrc0">
+        <inkml:traceFormat>
+          <inkml:channel name="X" type="integer" min="-2.14748E9" max="2.14748E9" units="cm"/>
+          <inkml:channel name="Y" type="integer" min="-2.14748E9" max="2.14748E9" units="cm"/>
+          <inkml:channel name="F" type="integer" max="32767" units="dev"/>
+        </inkml:traceFormat>
+        <inkml:channelProperties>
+          <inkml:channelProperty channel="X" name="resolution" value="1000" units="1/cm"/>
+          <inkml:channelProperty channel="Y" name="resolution" value="1000" units="1/cm"/>
+          <inkml:channelProperty channel="F" name="resolution" value="0" units="1/dev"/>
+        </inkml:channelProperties>
+      </inkml:inkSource>
+      <inkml:timestamp xml:id="ts0" timeString="2022-06-07T22:21:33.957"/>
+    </inkml:context>
+    <inkml:brush xml:id="br0">
+      <inkml:brushProperty name="width" value="0.05" units="cm"/>
+      <inkml:brushProperty name="height" value="0.05" units="cm"/>
+      <inkml:brushProperty name="color" value="#E71224"/>
+    </inkml:brush>
+  </inkml:definitions>
+  <inkml:trace contextRef="#ctx0" brushRef="#br0">302 51 24575,'-10'0'0,"-1"0"0,1 1 0,-1 0 0,1 1 0,0 0 0,0 1 0,-13 4 0,18-4 0,-1 0 0,1 0 0,-1 0 0,1 1 0,0-1 0,1 1 0,-1 0 0,0 1 0,1-1 0,0 1 0,0 0 0,1 0 0,-6 9 0,-4 12 0,0 1 0,2 1 0,1-1 0,-6 32 0,-41 113 0,51-142 0,1 0 0,2 0 0,1 0 0,1 0 0,5 41 0,-2 9 0,-1-41 0,1 0 0,10 52 0,-6-49 0,-5-30 0,1-1 0,0 1 0,0 0 0,1-1 0,0 1 0,1-1 0,1 0 0,0 0 0,8 14 0,-8-18 0,1 1 0,0 0 0,0 0 0,1-1 0,11 11 0,-14-15 0,-1-1 0,2 0 0,-1 1 0,0-1 0,0-1 0,1 1 0,-1-1 0,1 1 0,-1-1 0,1-1 0,-1 1 0,8 0 0,21 1 0,0 3 0,0 1 0,43 13 0,-51-13 0,1-2 0,0 0 0,1-1 0,-1-2 0,0 0 0,39-5 0,-59 2 0,0 1 0,0-1 0,0-1 0,0 1 0,0-1 0,0 0 0,-1 0 0,0-1 0,1 1 0,-1-1 0,0-1 0,-1 1 0,1-1 0,-1 1 0,0-1 0,5-8 0,-2 3 0,0 0 0,-1-1 0,0 1 0,-1-2 0,0 1 0,-1 0 0,6-22 0,-6-6 0,-1-1 0,-2 0 0,-4-45 0,0-7 0,3 64 0,-2 1 0,-1 0 0,-1 0 0,-2 0 0,0 1 0,-2 0 0,0 0 0,-2 0 0,-17-31 0,-7-7 0,-44-62 0,71 117 0,-1 1 0,1 0 0,-1 0 0,-1 0 0,-11-7 0,11 9 0,0-1 0,1 0 0,0-1 0,0 0 0,-9-12 0,-4-7-341,-1 0 0,-2 1-1,-49-43 1,53 52-6485</inkml:trace>
+</inkml:ink>
+</file>
+
+<file path=ppt/ink/ink22.xml><?xml version="1.0" encoding="utf-8"?>
+<inkml:ink xmlns:inkml="http://www.w3.org/2003/InkML">
+  <inkml:definitions>
+    <inkml:context xml:id="ctx0">
+      <inkml:inkSource xml:id="inkSrc0">
+        <inkml:traceFormat>
+          <inkml:channel name="X" type="integer" min="-2.14748E9" max="2.14748E9" units="cm"/>
+          <inkml:channel name="Y" type="integer" min="-2.14748E9" max="2.14748E9" units="cm"/>
+          <inkml:channel name="F" type="integer" max="32767" units="dev"/>
+        </inkml:traceFormat>
+        <inkml:channelProperties>
+          <inkml:channelProperty channel="X" name="resolution" value="1000" units="1/cm"/>
+          <inkml:channelProperty channel="Y" name="resolution" value="1000" units="1/cm"/>
+          <inkml:channelProperty channel="F" name="resolution" value="0" units="1/dev"/>
+        </inkml:channelProperties>
+      </inkml:inkSource>
+      <inkml:timestamp xml:id="ts0" timeString="2022-06-07T22:52:26.255"/>
+    </inkml:context>
+    <inkml:brush xml:id="br0">
+      <inkml:brushProperty name="width" value="0.05" units="cm"/>
+      <inkml:brushProperty name="height" value="0.05" units="cm"/>
+      <inkml:brushProperty name="color" value="#66CC00"/>
+    </inkml:brush>
+  </inkml:definitions>
+  <inkml:trace contextRef="#ctx0" brushRef="#br0">83 159 24575,'0'2279'0,"-1"-2262"0,0-1 0,-2 0 0,-5 21 0,3-19 0,2 0 0,-2 22 0,1 80 0,-9 98 0,-13 27 0,17-158 0,4 0 0,7 89 0,0-55 0,-4 32 0,5 143 0,2-257 0,1 0 0,13 41 0,1 6 0,-14-67 0,0 0 0,1 0 0,1 0 0,21 33 0,-6-9 0,-12-20 0,0 1 0,-1 0 0,13 51 0,-19-60 0,0-1 0,2 1 0,0-1 0,0-1 0,2 1 0,-1-1 0,2 0 0,0-1 0,0 0 0,1 0 0,0-1 0,22 18 0,-25-25 0,0-1 0,0 1 0,0-1 0,0 0 0,1-1 0,-1 0 0,1 0 0,0-1 0,0 1 0,-1-2 0,13 1 0,35 6 0,-8 0 0,1-1 0,-1-2 0,93-6 0,-43 0 0,479 2 0,-550-1 0,0-2 0,30-6 0,-27 3 0,43-2 0,-58 8 0,-1 0 0,0-1 0,1-1 0,-1 0 0,0-1 0,0 0 0,-1-1 0,1-1 0,-1 0 0,0 0 0,14-9 0,-7 3 0,35-12 0,8-6 0,-46 22 0,1 0 0,21-7 0,-28 12 0,1-1 0,-1-1 0,0 0 0,0 0 0,-1-1 0,1-1 0,-1 1 0,0-2 0,9-7 0,-4 0 0,0-1 0,-1 0 0,13-21 0,-22 28 0,0 1 0,0-1 0,0 0 0,-1-1 0,0 1 0,-1 0 0,0-1 0,0 0 0,1-15 0,8-105 0,2-61 0,-13 130 0,14-93 0,-9 103 0,-2-85 0,0-12 0,10 75 0,-8 51 0,3-39 0,9-102 0,-9 100 0,-3 1 0,-6-111 0,-1 62 0,2-272 0,1 356 0,2 1 0,6-32 0,-4 29 0,3-44 0,-6-508 0,-4 281 0,2-635 0,-2 894 0,-9-54 0,-2-16 0,13 101 0,0 1 0,-1-1 0,0 1 0,-1 0 0,0 0 0,0-1 0,-5-9 0,6 15 0,-1 0 0,0 0 0,1 1 0,-2-1 0,1 1 0,0-1 0,0 1 0,-1 0 0,1 0 0,-1 0 0,0 0 0,1 0 0,-1 0 0,0 1 0,0 0 0,0-1 0,0 1 0,-1 0 0,1 0 0,0 1 0,-6-1 0,-23-2 0,-1 2 0,-57 5 0,6 0 0,32-3 0,-79-3 0,124 0 0,-1 0 0,1-1 0,-1 0 0,1 0 0,0 0 0,0-1 0,1 0 0,-1 0 0,1-1 0,-9-8 0,6 6 0,0 0 0,0 1 0,-1 0 0,-14-7 0,-3 5 0,0 1 0,0 0 0,-30-1 0,11 1 0,-10 0 0,-1 3 0,-60 4 0,52 0 0,-75-8 0,-8-4 0,-171 8 0,189 4 0,124 1 0,0-1 0,-1 1 0,1 0 0,0 1 0,0-1 0,0 1 0,0 1 0,0-1 0,1 1 0,-1 0 0,1 0 0,0 0 0,0 1 0,-6 5 0,-21 13 0,23-18 0,0 0 0,0-1 0,0 1 0,0-2 0,0 1 0,-1-1 0,-14 1 0,14-2 0,1 0 0,-1 1 0,0 0 0,1 1 0,-1 0 0,1 0 0,-14 8 0,16-7-227,0 1-1,1 0 1,0 0-1,0 1 1,-8 8-1,5-1-6598</inkml:trace>
 </inkml:ink>
 </file>
 
@@ -293,14 +601,14 @@
           <inkml:channelProperty channel="F" name="resolution" value="0" units="1/dev"/>
         </inkml:channelProperties>
       </inkml:inkSource>
-      <inkml:timestamp xml:id="ts0" timeString="2022-06-07T12:43:16.511"/>
+      <inkml:timestamp xml:id="ts0" timeString="2022-06-07T22:39:38.820"/>
     </inkml:context>
     <inkml:brush xml:id="br0">
       <inkml:brushProperty name="width" value="0.05" units="cm"/>
       <inkml:brushProperty name="height" value="0.05" units="cm"/>
     </inkml:brush>
   </inkml:definitions>
-  <inkml:trace contextRef="#ctx0" brushRef="#br0">784 0 24575,'-30'0'0,"-186"9"0,190-6 0,0 1 0,1 2 0,-1 0 0,1 2 0,1 1 0,-30 14 0,27-9 0,1 1 0,0 1 0,1 1 0,-35 31 0,50-38 0,0 0 0,1 0 0,1 1 0,-1 0 0,2 0 0,0 1 0,0 0 0,1 0 0,1 1 0,0 0 0,0 0 0,-3 19 0,-33 113 0,16-68 0,23-68 0,1-1 0,0 0 0,0 1 0,1-1 0,0 1 0,0-1 0,1 1 0,0-1 0,3 13 0,4 8 0,15 35 0,-22-59 0,5 11 0,1 0 0,0-1 0,1 0 0,12 16 0,-17-25 0,1-1 0,0-1 0,0 1 0,1-1 0,-1 1 0,1-1 0,0-1 0,0 1 0,1-1 0,-1 1 0,1-2 0,-1 1 0,1-1 0,9 3 0,4 1 0,-1 1 0,0 0 0,0 1 0,-1 1 0,26 18 0,-21-13 0,1 0 0,26 10 0,91 37 0,-130-55 17,-1 0 0,1 0-1,-1 1 1,0 0 0,-1 1 0,1 0-1,8 12 1,-7-9-392,0-1 0,0 0 1,21 15-1,-18-17-6451</inkml:trace>
+  <inkml:trace contextRef="#ctx0" brushRef="#br0">2148 211 24575,'11'0'0,"-1"1"0,1-1 0,0 2 0,-1 0 0,1 0 0,-1 1 0,14 5 0,-18-5 0,0 0 0,-1 0 0,1 0 0,-1 1 0,0 0 0,0 0 0,0 0 0,-1 0 0,1 1 0,-1 0 0,0 0 0,0 0 0,5 10 0,-5-6 0,-1-1 0,0 1 0,0 0 0,-1-1 0,0 1 0,-1 0 0,1 17 0,-4 70 0,-1-44 0,3-37 0,-2 0 0,0 0 0,0 0 0,-2 0 0,1-1 0,-2 1 0,0-1 0,-1 0 0,-8 15 0,-3-2 0,-1 0 0,0-1 0,-30 31 0,-132 128 0,164-173 0,0-1 0,-27 15 0,24-16 0,-34 26 0,40-26 0,0 0 0,-1-1 0,0-1 0,0-1 0,-1 0 0,0 0 0,-17 4 0,4-4 0,-1-1 0,0-1 0,-31 2 0,-64 3 0,-222 10 0,281-22 0,0-3 0,0-3 0,1-2 0,-99-29 0,81 19 0,-125-15 0,120 23 0,79 11 0,0-1 0,1 0 0,-1 0 0,1-1 0,-1 0 0,1-1 0,0 1 0,0-2 0,-12-8 0,0-3 0,-30-35 0,3 4 0,34 36 0,1 0 0,1-1 0,0 0 0,1-1 0,0 0 0,1-1 0,0 1 0,1-1 0,1-1 0,0 0 0,1 1 0,0-2 0,1 1 0,1 0 0,1-1 0,0 1 0,1-1 0,1 0 0,0 0 0,1 1 0,1-1 0,0 0 0,1 1 0,1 0 0,0-1 0,1 2 0,1-1 0,0 0 0,1 1 0,17-26 0,96-147 0,-114 176 0,0 1 0,1 0 0,0 0 0,1 1 0,0 0 0,0 0 0,1 1 0,0 0 0,1 1 0,0 0 0,0 0 0,0 1 0,14-6 0,25-10 0,32-12 0,7-1 0,-70 26 0,2 0 0,-1 2 0,1 0 0,0 1 0,29-4 0,21 6 0,89 6 0,-45 0 0,-71-4 0,54-9 0,35-3 0,-91 14 0,286 2 0,-284 3 0,1 3 0,80 24 0,-64-15 0,-37-9 0,-1 1 0,0 1 0,-1 1 0,0 1 0,-1 0 0,28 24 0,22 12 0,-8 3-1365,-46-38-5461</inkml:trace>
 </inkml:ink>
 </file>
 
@@ -320,14 +628,14 @@
           <inkml:channelProperty channel="F" name="resolution" value="0" units="1/dev"/>
         </inkml:channelProperties>
       </inkml:inkSource>
-      <inkml:timestamp xml:id="ts0" timeString="2022-06-07T12:43:17.255"/>
+      <inkml:timestamp xml:id="ts0" timeString="2022-06-07T22:39:43.788"/>
     </inkml:context>
     <inkml:brush xml:id="br0">
       <inkml:brushProperty name="width" value="0.05" units="cm"/>
       <inkml:brushProperty name="height" value="0.05" units="cm"/>
     </inkml:brush>
   </inkml:definitions>
-  <inkml:trace contextRef="#ctx0" brushRef="#br0">0 342 24575,'0'-17'0,"0"-9"0,0-5 0,0-2 0,0 2 0,0 1 0,0 1 0,0-2 0,0 0 0,0 1 0,0 1 0,0 5-8191</inkml:trace>
+  <inkml:trace contextRef="#ctx0" brushRef="#br0">7146 947 24575,'0'-2'0,"-1"0"0,0 1 0,0-1 0,0 0 0,0 0 0,0 1 0,-1-1 0,1 0 0,0 1 0,-1-1 0,0 1 0,1 0 0,-1 0 0,0-1 0,1 1 0,-3-1 0,-3-2 0,-76-60 0,24 17 0,-2 3 0,-2 2 0,-85-42 0,83 54 0,-1 4 0,-1 2 0,-1 4 0,-1 2 0,-1 3 0,-129-9 0,-323 20 0,284 6 0,-520-2 0,700 3 0,-1 2 0,-62 15 0,-30 4 0,-250 25 0,-14-43 0,239-8 0,47 2 0,-231-31 0,286 19 0,0-3 0,1-3 0,1-3 0,-121-54 0,85 21 0,-143-66 0,200 99 0,-1 2 0,-1 3 0,-59-10 0,-170-32 0,234 50 0,-84-2 0,2 1 0,35-8 0,59 9 0,-1 2 0,-43-2 0,0 9 0,47 1 0,0-2 0,0-2 0,-51-8 0,21 1-17,0 2 0,-1 3-1,-97 6 1,42 1-1279,96-3-5530</inkml:trace>
 </inkml:ink>
 </file>
 
@@ -347,14 +655,14 @@
           <inkml:channelProperty channel="F" name="resolution" value="0" units="1/dev"/>
         </inkml:channelProperties>
       </inkml:inkSource>
-      <inkml:timestamp xml:id="ts0" timeString="2022-06-07T12:43:18.050"/>
+      <inkml:timestamp xml:id="ts0" timeString="2022-06-07T22:47:27.385"/>
     </inkml:context>
     <inkml:brush xml:id="br0">
       <inkml:brushProperty name="width" value="0.05" units="cm"/>
       <inkml:brushProperty name="height" value="0.05" units="cm"/>
     </inkml:brush>
   </inkml:definitions>
-  <inkml:trace contextRef="#ctx0" brushRef="#br0">337 0 24575,'-4'0'0,"-6"0"0,-10 0 0,-9 0 0,-8 0 0,-3 0 0,-2 5 0,1 0 0,4 0 0,4 0 0,8 2 0,7 0-8191</inkml:trace>
+  <inkml:trace contextRef="#ctx0" brushRef="#br0">2035 1 24575,'-7'1'0,"1"1"0,0-1 0,0 1 0,0 1 0,0-1 0,0 1 0,1 0 0,-1 0 0,-5 5 0,-10 5 0,13-8 0,0 0 0,0 1 0,0 0 0,-8 10 0,9-9 0,0-1 0,0 0 0,-1 0 0,1 0 0,-11 4 0,-13 8 0,0 2 0,1 0 0,-29 27 0,24-18 0,-48 29 0,40-31 0,25-15 0,0-1 0,0 0 0,-1-2 0,-1 0 0,1-1 0,-40 10 0,-252 54 0,197-47 0,66-13 0,-1-2 0,0-3 0,-55 3 0,18-8 0,-100 18 0,170-18 0,1 2 0,0 0 0,0 1 0,1 0 0,-28 15 0,-61 46 0,72-44 0,-66 34 0,95-55 0,1 0 0,-1 0 0,0 0 0,0-1 0,1 1 0,-1-1 0,0 1 0,0-1 0,0 1 0,0-1 0,0 0 0,0 0 0,0 0 0,1 0 0,-1 0 0,0-1 0,0 1 0,0-1 0,0 1 0,0-1 0,1 1 0,-4-3 0,3 2 0,1-1 0,-1 0 0,0 1 0,1-1 0,-1 0 0,1 0 0,-1-1 0,1 1 0,0 0 0,0 0 0,0 0 0,0-1 0,1 1 0,-1-1 0,0-2 0,0-5 0,0 0 0,0-1 0,1 1 0,0 0 0,1-1 0,0 1 0,5-17 0,4-2 0,1-1 0,29-51 0,5-9 0,11-19 0,-51 100 0,4-10 12,-1 0-1,-1-1 1,0 0-1,5-31 0,4-10-1433,-8 33-5404</inkml:trace>
 </inkml:ink>
 </file>
 
@@ -374,14 +682,14 @@
           <inkml:channelProperty channel="F" name="resolution" value="0" units="1/dev"/>
         </inkml:channelProperties>
       </inkml:inkSource>
-      <inkml:timestamp xml:id="ts0" timeString="2022-06-07T12:43:20.225"/>
+      <inkml:timestamp xml:id="ts0" timeString="2022-06-07T22:47:28.891"/>
     </inkml:context>
     <inkml:brush xml:id="br0">
       <inkml:brushProperty name="width" value="0.05" units="cm"/>
       <inkml:brushProperty name="height" value="0.05" units="cm"/>
     </inkml:brush>
   </inkml:definitions>
-  <inkml:trace contextRef="#ctx0" brushRef="#br0">474 1 24575,'-6'1'0,"-1"-1"0,1 2 0,-1-1 0,1 1 0,0 0 0,0 0 0,-1 1 0,2 0 0,-1 0 0,0 0 0,1 1 0,-1-1 0,1 1 0,0 1 0,-8 8 0,-6 7 0,2 2 0,-21 31 0,-74 136 0,-6 11 0,108-185 0,1 0 0,0 1 0,1 1 0,1-1 0,-7 27 0,11-33 0,0 0 0,1 0 0,1 1 0,0-1 0,0 1 0,1-1 0,0 1 0,1-1 0,0 0 0,5 20 0,-2-21 0,-1-1 0,2 1 0,-1-1 0,1 0 0,0-1 0,1 1 0,0-1 0,12 12 0,59 46 0,-72-61 0,6 5 0,0-1 0,1 0 0,0-1 0,0 0 0,1-1 0,0 0 0,0-1 0,1 0 0,-1-1 0,26 3 0,-11-1 0,-18-3 0,0-1 0,1-1 0,-1 0 0,20 0 0,-28-1 0,0 0 0,0 0 0,0-1 0,0 1 0,0-1 0,0 1 0,0-1 0,0 0 0,-1 1 0,1-1 0,0 0 0,0-1 0,-1 1 0,1 0 0,-1 0 0,1-1 0,-1 1 0,1 0 0,-1-1 0,0 0 0,0 1 0,0-1 0,0 0 0,0 1 0,0-1 0,0 0 0,-1 0 0,1 0 0,0 0 0,0-3 0,1-18 0,0-1-1,-2 1 0,-3-41 0,0 12-1361,2 24-5464</inkml:trace>
+  <inkml:trace contextRef="#ctx0" brushRef="#br0">1 1 24575,'14'0'0,"0"1"0,-1 1 0,1 0 0,0 1 0,-1 1 0,0 0 0,19 8 0,7 7 0,39 26 0,-9-5 0,44 33 126,-40-23-1617,-53-37-5335</inkml:trace>
 </inkml:ink>
 </file>
 
@@ -401,15 +709,471 @@
           <inkml:channelProperty channel="F" name="resolution" value="0" units="1/dev"/>
         </inkml:channelProperties>
       </inkml:inkSource>
-      <inkml:timestamp xml:id="ts0" timeString="2022-06-07T12:43:22.434"/>
+      <inkml:timestamp xml:id="ts0" timeString="2022-06-07T22:47:36.246"/>
     </inkml:context>
     <inkml:brush xml:id="br0">
       <inkml:brushProperty name="width" value="0.05" units="cm"/>
       <inkml:brushProperty name="height" value="0.05" units="cm"/>
     </inkml:brush>
   </inkml:definitions>
-  <inkml:trace contextRef="#ctx0" brushRef="#br0">124 44 24575,'-22'0'0,"14"-1"0,0 0 0,1 1 0,-1 0 0,1 1 0,-1-1 0,0 2 0,1-1 0,-1 1 0,1 0 0,0 0 0,-10 5 0,17-7 0,0 0 0,0 0 0,0 0 0,0 0 0,0 0 0,0 0 0,0 0 0,0 0 0,0 0 0,0 0 0,0 0 0,-1 1 0,1-1 0,0 0 0,0 0 0,0 0 0,0 0 0,0 0 0,0 0 0,0 0 0,0 0 0,0 0 0,0 0 0,0 0 0,0 1 0,0-1 0,0 0 0,0 0 0,0 0 0,0 0 0,0 0 0,0 0 0,0 0 0,0 0 0,0 0 0,0 0 0,0 1 0,0-1 0,0 0 0,0 0 0,0 0 0,0 0 0,0 0 0,0 0 0,0 0 0,0 0 0,0 0 0,1 0 0,-1 0 0,0 0 0,0 1 0,0-1 0,0 0 0,0 0 0,0 0 0,0 0 0,0 0 0,0 0 0,0 0 0,0 0 0,1 0 0,-1 0 0,0 0 0,0 0 0,0 0 0,11 2 0,13-2 0,-10-4-17,0-1 0,-1 0-1,0-1 1,23-14 0,-7 4-1262,-12 8-5547</inkml:trace>
+  <inkml:trace contextRef="#ctx0" brushRef="#br0">76 2 24575,'38'-1'0,"-18"0"0,0 1 0,0 1 0,0 0 0,25 6 0,-40-6 0,0 1 0,0-1 0,0 1 0,0 0 0,0 0 0,-1 1 0,1-1 0,-1 1 0,1 0 0,-1 1 0,0-1 0,0 0 0,-1 1 0,1 0 0,-1 0 0,0 0 0,0 1 0,0-1 0,0 1 0,-1-1 0,3 7 0,38 135 0,-7-17 0,62 147 0,-91-252 0,-2 1 0,-1-1 0,-1 2 0,-1-1 0,-2 0 0,0 0 0,-4 26 0,4-46 0,-1 0 0,0 0 0,0 0 0,0-1 0,-1 1 0,1 0 0,-1-1 0,0 1 0,-1-1 0,1 0 0,-1 0 0,0 0 0,0 0 0,-4 5 0,1-4 0,0 0 0,0 0 0,0-1 0,-1 0 0,0 0 0,0 0 0,0-1 0,-9 3 0,-8 1 0,1-2 0,-1 0 0,0-2 0,-45 2 0,27-4 0,-73 13 0,37-5-1365,55-8-5461</inkml:trace>
 </inkml:ink>
+</file>
+
+<file path=ppt/notesMasters/notesMaster1.xml><?xml version="1.0" encoding="utf-8"?>
+<p:notesMaster xmlns:a="http://schemas.openxmlformats.org/drawingml/2006/main" xmlns:r="http://schemas.openxmlformats.org/officeDocument/2006/relationships" xmlns:p="http://schemas.openxmlformats.org/presentationml/2006/main">
+  <p:cSld>
+    <p:bg>
+      <p:bgRef idx="1001">
+        <a:schemeClr val="bg1"/>
+      </p:bgRef>
+    </p:bg>
+    <p:spTree>
+      <p:nvGrpSpPr>
+        <p:cNvPr id="1" name=""/>
+        <p:cNvGrpSpPr/>
+        <p:nvPr/>
+      </p:nvGrpSpPr>
+      <p:grpSpPr>
+        <a:xfrm>
+          <a:off x="0" y="0"/>
+          <a:ext cx="0" cy="0"/>
+          <a:chOff x="0" y="0"/>
+          <a:chExt cx="0" cy="0"/>
+        </a:xfrm>
+      </p:grpSpPr>
+      <p:sp>
+        <p:nvSpPr>
+          <p:cNvPr id="2" name="Pladsholder til sidehoved 1"/>
+          <p:cNvSpPr>
+            <a:spLocks noGrp="1"/>
+          </p:cNvSpPr>
+          <p:nvPr>
+            <p:ph type="hdr" sz="quarter"/>
+          </p:nvPr>
+        </p:nvSpPr>
+        <p:spPr>
+          <a:xfrm>
+            <a:off x="0" y="0"/>
+            <a:ext cx="2971800" cy="458788"/>
+          </a:xfrm>
+          <a:prstGeom prst="rect">
+            <a:avLst/>
+          </a:prstGeom>
+        </p:spPr>
+        <p:txBody>
+          <a:bodyPr vert="horz" lIns="91440" tIns="45720" rIns="91440" bIns="45720" rtlCol="0"/>
+          <a:lstStyle>
+            <a:lvl1pPr algn="l">
+              <a:defRPr sz="1200"/>
+            </a:lvl1pPr>
+          </a:lstStyle>
+          <a:p>
+            <a:endParaRPr lang="da-DK"/>
+          </a:p>
+        </p:txBody>
+      </p:sp>
+      <p:sp>
+        <p:nvSpPr>
+          <p:cNvPr id="3" name="Pladsholder til dato 2"/>
+          <p:cNvSpPr>
+            <a:spLocks noGrp="1"/>
+          </p:cNvSpPr>
+          <p:nvPr>
+            <p:ph type="dt" idx="1"/>
+          </p:nvPr>
+        </p:nvSpPr>
+        <p:spPr>
+          <a:xfrm>
+            <a:off x="3884613" y="0"/>
+            <a:ext cx="2971800" cy="458788"/>
+          </a:xfrm>
+          <a:prstGeom prst="rect">
+            <a:avLst/>
+          </a:prstGeom>
+        </p:spPr>
+        <p:txBody>
+          <a:bodyPr vert="horz" lIns="91440" tIns="45720" rIns="91440" bIns="45720" rtlCol="0"/>
+          <a:lstStyle>
+            <a:lvl1pPr algn="r">
+              <a:defRPr sz="1200"/>
+            </a:lvl1pPr>
+          </a:lstStyle>
+          <a:p>
+            <a:fld id="{2A6D0A9D-F9A3-4222-8CAC-A7227D9ABCE3}" type="datetimeFigureOut">
+              <a:rPr lang="da-DK" smtClean="0"/>
+              <a:t>08-06-2022</a:t>
+            </a:fld>
+            <a:endParaRPr lang="da-DK"/>
+          </a:p>
+        </p:txBody>
+      </p:sp>
+      <p:sp>
+        <p:nvSpPr>
+          <p:cNvPr id="4" name="Pladsholder til slidebillede 3"/>
+          <p:cNvSpPr>
+            <a:spLocks noGrp="1" noRot="1" noChangeAspect="1"/>
+          </p:cNvSpPr>
+          <p:nvPr>
+            <p:ph type="sldImg" idx="2"/>
+          </p:nvPr>
+        </p:nvSpPr>
+        <p:spPr>
+          <a:xfrm>
+            <a:off x="685800" y="1143000"/>
+            <a:ext cx="5486400" cy="3086100"/>
+          </a:xfrm>
+          <a:prstGeom prst="rect">
+            <a:avLst/>
+          </a:prstGeom>
+          <a:noFill/>
+          <a:ln w="12700">
+            <a:solidFill>
+              <a:prstClr val="black"/>
+            </a:solidFill>
+          </a:ln>
+        </p:spPr>
+        <p:txBody>
+          <a:bodyPr vert="horz" lIns="91440" tIns="45720" rIns="91440" bIns="45720" rtlCol="0" anchor="ctr"/>
+          <a:lstStyle/>
+          <a:p>
+            <a:endParaRPr lang="da-DK"/>
+          </a:p>
+        </p:txBody>
+      </p:sp>
+      <p:sp>
+        <p:nvSpPr>
+          <p:cNvPr id="5" name="Pladsholder til noter 4"/>
+          <p:cNvSpPr>
+            <a:spLocks noGrp="1"/>
+          </p:cNvSpPr>
+          <p:nvPr>
+            <p:ph type="body" sz="quarter" idx="3"/>
+          </p:nvPr>
+        </p:nvSpPr>
+        <p:spPr>
+          <a:xfrm>
+            <a:off x="685800" y="4400550"/>
+            <a:ext cx="5486400" cy="3600450"/>
+          </a:xfrm>
+          <a:prstGeom prst="rect">
+            <a:avLst/>
+          </a:prstGeom>
+        </p:spPr>
+        <p:txBody>
+          <a:bodyPr vert="horz" lIns="91440" tIns="45720" rIns="91440" bIns="45720" rtlCol="0"/>
+          <a:lstStyle/>
+          <a:p>
+            <a:pPr lvl="0"/>
+            <a:r>
+              <a:rPr lang="da-DK"/>
+              <a:t>Klik for at redigere teksttypografierne i masteren</a:t>
+            </a:r>
+          </a:p>
+          <a:p>
+            <a:pPr lvl="1"/>
+            <a:r>
+              <a:rPr lang="da-DK"/>
+              <a:t>Andet niveau</a:t>
+            </a:r>
+          </a:p>
+          <a:p>
+            <a:pPr lvl="2"/>
+            <a:r>
+              <a:rPr lang="da-DK"/>
+              <a:t>Tredje niveau</a:t>
+            </a:r>
+          </a:p>
+          <a:p>
+            <a:pPr lvl="3"/>
+            <a:r>
+              <a:rPr lang="da-DK"/>
+              <a:t>Fjerde niveau</a:t>
+            </a:r>
+          </a:p>
+          <a:p>
+            <a:pPr lvl="4"/>
+            <a:r>
+              <a:rPr lang="da-DK"/>
+              <a:t>Femte niveau</a:t>
+            </a:r>
+          </a:p>
+        </p:txBody>
+      </p:sp>
+      <p:sp>
+        <p:nvSpPr>
+          <p:cNvPr id="6" name="Pladsholder til sidefod 5"/>
+          <p:cNvSpPr>
+            <a:spLocks noGrp="1"/>
+          </p:cNvSpPr>
+          <p:nvPr>
+            <p:ph type="ftr" sz="quarter" idx="4"/>
+          </p:nvPr>
+        </p:nvSpPr>
+        <p:spPr>
+          <a:xfrm>
+            <a:off x="0" y="8685213"/>
+            <a:ext cx="2971800" cy="458787"/>
+          </a:xfrm>
+          <a:prstGeom prst="rect">
+            <a:avLst/>
+          </a:prstGeom>
+        </p:spPr>
+        <p:txBody>
+          <a:bodyPr vert="horz" lIns="91440" tIns="45720" rIns="91440" bIns="45720" rtlCol="0" anchor="b"/>
+          <a:lstStyle>
+            <a:lvl1pPr algn="l">
+              <a:defRPr sz="1200"/>
+            </a:lvl1pPr>
+          </a:lstStyle>
+          <a:p>
+            <a:endParaRPr lang="da-DK"/>
+          </a:p>
+        </p:txBody>
+      </p:sp>
+      <p:sp>
+        <p:nvSpPr>
+          <p:cNvPr id="7" name="Pladsholder til slidenummer 6"/>
+          <p:cNvSpPr>
+            <a:spLocks noGrp="1"/>
+          </p:cNvSpPr>
+          <p:nvPr>
+            <p:ph type="sldNum" sz="quarter" idx="5"/>
+          </p:nvPr>
+        </p:nvSpPr>
+        <p:spPr>
+          <a:xfrm>
+            <a:off x="3884613" y="8685213"/>
+            <a:ext cx="2971800" cy="458787"/>
+          </a:xfrm>
+          <a:prstGeom prst="rect">
+            <a:avLst/>
+          </a:prstGeom>
+        </p:spPr>
+        <p:txBody>
+          <a:bodyPr vert="horz" lIns="91440" tIns="45720" rIns="91440" bIns="45720" rtlCol="0" anchor="b"/>
+          <a:lstStyle>
+            <a:lvl1pPr algn="r">
+              <a:defRPr sz="1200"/>
+            </a:lvl1pPr>
+          </a:lstStyle>
+          <a:p>
+            <a:fld id="{C932259B-4CCB-4973-AE0D-20AC6CC53F34}" type="slidenum">
+              <a:rPr lang="da-DK" smtClean="0"/>
+              <a:t>‹nr.›</a:t>
+            </a:fld>
+            <a:endParaRPr lang="da-DK"/>
+          </a:p>
+        </p:txBody>
+      </p:sp>
+    </p:spTree>
+    <p:extLst>
+      <p:ext uri="{BB962C8B-B14F-4D97-AF65-F5344CB8AC3E}">
+        <p14:creationId xmlns:p14="http://schemas.microsoft.com/office/powerpoint/2010/main" val="3432530760"/>
+      </p:ext>
+    </p:extLst>
+  </p:cSld>
+  <p:clrMap bg1="lt1" tx1="dk1" bg2="lt2" tx2="dk2" accent1="accent1" accent2="accent2" accent3="accent3" accent4="accent4" accent5="accent5" accent6="accent6" hlink="hlink" folHlink="folHlink"/>
+  <p:notesStyle>
+    <a:lvl1pPr marL="0" algn="l" defTabSz="914400" rtl="0" eaLnBrk="1" latinLnBrk="0" hangingPunct="1">
+      <a:defRPr sz="1200" kern="1200">
+        <a:solidFill>
+          <a:schemeClr val="tx1"/>
+        </a:solidFill>
+        <a:latin typeface="+mn-lt"/>
+        <a:ea typeface="+mn-ea"/>
+        <a:cs typeface="+mn-cs"/>
+      </a:defRPr>
+    </a:lvl1pPr>
+    <a:lvl2pPr marL="457200" algn="l" defTabSz="914400" rtl="0" eaLnBrk="1" latinLnBrk="0" hangingPunct="1">
+      <a:defRPr sz="1200" kern="1200">
+        <a:solidFill>
+          <a:schemeClr val="tx1"/>
+        </a:solidFill>
+        <a:latin typeface="+mn-lt"/>
+        <a:ea typeface="+mn-ea"/>
+        <a:cs typeface="+mn-cs"/>
+      </a:defRPr>
+    </a:lvl2pPr>
+    <a:lvl3pPr marL="914400" algn="l" defTabSz="914400" rtl="0" eaLnBrk="1" latinLnBrk="0" hangingPunct="1">
+      <a:defRPr sz="1200" kern="1200">
+        <a:solidFill>
+          <a:schemeClr val="tx1"/>
+        </a:solidFill>
+        <a:latin typeface="+mn-lt"/>
+        <a:ea typeface="+mn-ea"/>
+        <a:cs typeface="+mn-cs"/>
+      </a:defRPr>
+    </a:lvl3pPr>
+    <a:lvl4pPr marL="1371600" algn="l" defTabSz="914400" rtl="0" eaLnBrk="1" latinLnBrk="0" hangingPunct="1">
+      <a:defRPr sz="1200" kern="1200">
+        <a:solidFill>
+          <a:schemeClr val="tx1"/>
+        </a:solidFill>
+        <a:latin typeface="+mn-lt"/>
+        <a:ea typeface="+mn-ea"/>
+        <a:cs typeface="+mn-cs"/>
+      </a:defRPr>
+    </a:lvl4pPr>
+    <a:lvl5pPr marL="1828800" algn="l" defTabSz="914400" rtl="0" eaLnBrk="1" latinLnBrk="0" hangingPunct="1">
+      <a:defRPr sz="1200" kern="1200">
+        <a:solidFill>
+          <a:schemeClr val="tx1"/>
+        </a:solidFill>
+        <a:latin typeface="+mn-lt"/>
+        <a:ea typeface="+mn-ea"/>
+        <a:cs typeface="+mn-cs"/>
+      </a:defRPr>
+    </a:lvl5pPr>
+    <a:lvl6pPr marL="2286000" algn="l" defTabSz="914400" rtl="0" eaLnBrk="1" latinLnBrk="0" hangingPunct="1">
+      <a:defRPr sz="1200" kern="1200">
+        <a:solidFill>
+          <a:schemeClr val="tx1"/>
+        </a:solidFill>
+        <a:latin typeface="+mn-lt"/>
+        <a:ea typeface="+mn-ea"/>
+        <a:cs typeface="+mn-cs"/>
+      </a:defRPr>
+    </a:lvl6pPr>
+    <a:lvl7pPr marL="2743200" algn="l" defTabSz="914400" rtl="0" eaLnBrk="1" latinLnBrk="0" hangingPunct="1">
+      <a:defRPr sz="1200" kern="1200">
+        <a:solidFill>
+          <a:schemeClr val="tx1"/>
+        </a:solidFill>
+        <a:latin typeface="+mn-lt"/>
+        <a:ea typeface="+mn-ea"/>
+        <a:cs typeface="+mn-cs"/>
+      </a:defRPr>
+    </a:lvl7pPr>
+    <a:lvl8pPr marL="3200400" algn="l" defTabSz="914400" rtl="0" eaLnBrk="1" latinLnBrk="0" hangingPunct="1">
+      <a:defRPr sz="1200" kern="1200">
+        <a:solidFill>
+          <a:schemeClr val="tx1"/>
+        </a:solidFill>
+        <a:latin typeface="+mn-lt"/>
+        <a:ea typeface="+mn-ea"/>
+        <a:cs typeface="+mn-cs"/>
+      </a:defRPr>
+    </a:lvl8pPr>
+    <a:lvl9pPr marL="3657600" algn="l" defTabSz="914400" rtl="0" eaLnBrk="1" latinLnBrk="0" hangingPunct="1">
+      <a:defRPr sz="1200" kern="1200">
+        <a:solidFill>
+          <a:schemeClr val="tx1"/>
+        </a:solidFill>
+        <a:latin typeface="+mn-lt"/>
+        <a:ea typeface="+mn-ea"/>
+        <a:cs typeface="+mn-cs"/>
+      </a:defRPr>
+    </a:lvl9pPr>
+  </p:notesStyle>
+</p:notesMaster>
+</file>
+
+<file path=ppt/notesSlides/notesSlide1.xml><?xml version="1.0" encoding="utf-8"?>
+<p:notes xmlns:a="http://schemas.openxmlformats.org/drawingml/2006/main" xmlns:r="http://schemas.openxmlformats.org/officeDocument/2006/relationships" xmlns:p="http://schemas.openxmlformats.org/presentationml/2006/main">
+  <p:cSld>
+    <p:spTree>
+      <p:nvGrpSpPr>
+        <p:cNvPr id="1" name=""/>
+        <p:cNvGrpSpPr/>
+        <p:nvPr/>
+      </p:nvGrpSpPr>
+      <p:grpSpPr>
+        <a:xfrm>
+          <a:off x="0" y="0"/>
+          <a:ext cx="0" cy="0"/>
+          <a:chOff x="0" y="0"/>
+          <a:chExt cx="0" cy="0"/>
+        </a:xfrm>
+      </p:grpSpPr>
+      <p:sp>
+        <p:nvSpPr>
+          <p:cNvPr id="2" name="Pladsholder til slidebillede 1"/>
+          <p:cNvSpPr>
+            <a:spLocks noGrp="1" noRot="1" noChangeAspect="1"/>
+          </p:cNvSpPr>
+          <p:nvPr>
+            <p:ph type="sldImg"/>
+          </p:nvPr>
+        </p:nvSpPr>
+        <p:spPr/>
+      </p:sp>
+      <p:sp>
+        <p:nvSpPr>
+          <p:cNvPr id="3" name="Pladsholder til noter 2"/>
+          <p:cNvSpPr>
+            <a:spLocks noGrp="1"/>
+          </p:cNvSpPr>
+          <p:nvPr>
+            <p:ph type="body" idx="1"/>
+          </p:nvPr>
+        </p:nvSpPr>
+        <p:spPr/>
+        <p:txBody>
+          <a:bodyPr/>
+          <a:lstStyle/>
+          <a:p>
+            <a:pPr marL="0" marR="0" lvl="0" indent="0" algn="l" defTabSz="914400" rtl="0" eaLnBrk="1" fontAlgn="auto" latinLnBrk="0" hangingPunct="1">
+              <a:lnSpc>
+                <a:spcPct val="100000"/>
+              </a:lnSpc>
+              <a:spcBef>
+                <a:spcPts val="0"/>
+              </a:spcBef>
+              <a:spcAft>
+                <a:spcPts val="0"/>
+              </a:spcAft>
+              <a:buClrTx/>
+              <a:buSzTx/>
+              <a:buFontTx/>
+              <a:buNone/>
+              <a:tabLst/>
+              <a:defRPr/>
+            </a:pPr>
+            <a:r>
+              <a:rPr lang="da-DK" sz="1200" dirty="0"/>
+              <a:t>Løse for en af x-værdier gør vi kan fastslå alle x &gt; 0</a:t>
+            </a:r>
+          </a:p>
+          <a:p>
+            <a:endParaRPr lang="da-DK" dirty="0"/>
+          </a:p>
+        </p:txBody>
+      </p:sp>
+      <p:sp>
+        <p:nvSpPr>
+          <p:cNvPr id="4" name="Pladsholder til slidenummer 3"/>
+          <p:cNvSpPr>
+            <a:spLocks noGrp="1"/>
+          </p:cNvSpPr>
+          <p:nvPr>
+            <p:ph type="sldNum" sz="quarter" idx="5"/>
+          </p:nvPr>
+        </p:nvSpPr>
+        <p:spPr/>
+        <p:txBody>
+          <a:bodyPr/>
+          <a:lstStyle/>
+          <a:p>
+            <a:fld id="{C932259B-4CCB-4973-AE0D-20AC6CC53F34}" type="slidenum">
+              <a:rPr lang="da-DK" smtClean="0"/>
+              <a:t>4</a:t>
+            </a:fld>
+            <a:endParaRPr lang="da-DK"/>
+          </a:p>
+        </p:txBody>
+      </p:sp>
+    </p:spTree>
+    <p:extLst>
+      <p:ext uri="{BB962C8B-B14F-4D97-AF65-F5344CB8AC3E}">
+        <p14:creationId xmlns:p14="http://schemas.microsoft.com/office/powerpoint/2010/main" val="718099015"/>
+      </p:ext>
+    </p:extLst>
+  </p:cSld>
+  <p:clrMapOvr>
+    <a:masterClrMapping/>
+  </p:clrMapOvr>
+</p:notes>
 </file>
 
 <file path=ppt/slideLayouts/slideLayout1.xml><?xml version="1.0" encoding="utf-8"?>
@@ -3980,6 +4744,66 @@
           </a:p>
         </p:txBody>
       </p:sp>
+      <p:pic>
+        <p:nvPicPr>
+          <p:cNvPr id="10" name="Billede 9">
+            <a:extLst>
+              <a:ext uri="{FF2B5EF4-FFF2-40B4-BE49-F238E27FC236}">
+                <a16:creationId xmlns:a16="http://schemas.microsoft.com/office/drawing/2014/main" id="{A1B87470-22D0-4A17-07D5-4C47ED35D21A}"/>
+              </a:ext>
+            </a:extLst>
+          </p:cNvPr>
+          <p:cNvPicPr>
+            <a:picLocks noChangeAspect="1"/>
+          </p:cNvPicPr>
+          <p:nvPr/>
+        </p:nvPicPr>
+        <p:blipFill>
+          <a:blip r:embed="rId7"/>
+          <a:stretch>
+            <a:fillRect/>
+          </a:stretch>
+        </p:blipFill>
+        <p:spPr>
+          <a:xfrm>
+            <a:off x="935855" y="5856812"/>
+            <a:ext cx="819719" cy="436302"/>
+          </a:xfrm>
+          <a:prstGeom prst="rect">
+            <a:avLst/>
+          </a:prstGeom>
+        </p:spPr>
+      </p:pic>
+      <p:pic>
+        <p:nvPicPr>
+          <p:cNvPr id="19" name="Billede 18">
+            <a:extLst>
+              <a:ext uri="{FF2B5EF4-FFF2-40B4-BE49-F238E27FC236}">
+                <a16:creationId xmlns:a16="http://schemas.microsoft.com/office/drawing/2014/main" id="{6DFC2211-46FB-3B9A-56FA-DAA54F4B9AB3}"/>
+              </a:ext>
+            </a:extLst>
+          </p:cNvPr>
+          <p:cNvPicPr>
+            <a:picLocks noChangeAspect="1"/>
+          </p:cNvPicPr>
+          <p:nvPr/>
+        </p:nvPicPr>
+        <p:blipFill>
+          <a:blip r:embed="rId8"/>
+          <a:stretch>
+            <a:fillRect/>
+          </a:stretch>
+        </p:blipFill>
+        <p:spPr>
+          <a:xfrm>
+            <a:off x="1755574" y="5842247"/>
+            <a:ext cx="1221908" cy="426247"/>
+          </a:xfrm>
+          <a:prstGeom prst="rect">
+            <a:avLst/>
+          </a:prstGeom>
+        </p:spPr>
+      </p:pic>
     </p:spTree>
     <p:extLst>
       <p:ext uri="{BB962C8B-B14F-4D97-AF65-F5344CB8AC3E}">
@@ -4277,6 +5101,78 @@
                       </p:childTnLst>
                     </p:cTn>
                   </p:par>
+                  <p:par>
+                    <p:cTn id="27" fill="hold">
+                      <p:stCondLst>
+                        <p:cond delay="indefinite"/>
+                      </p:stCondLst>
+                      <p:childTnLst>
+                        <p:par>
+                          <p:cTn id="28" fill="hold">
+                            <p:stCondLst>
+                              <p:cond delay="0"/>
+                            </p:stCondLst>
+                            <p:childTnLst>
+                              <p:par>
+                                <p:cTn id="29" presetID="1" presetClass="entr" presetSubtype="0" fill="hold" nodeType="clickEffect">
+                                  <p:stCondLst>
+                                    <p:cond delay="0"/>
+                                  </p:stCondLst>
+                                  <p:childTnLst>
+                                    <p:set>
+                                      <p:cBhvr>
+                                        <p:cTn id="30" dur="1" fill="hold">
+                                          <p:stCondLst>
+                                            <p:cond delay="0"/>
+                                          </p:stCondLst>
+                                        </p:cTn>
+                                        <p:tgtEl>
+                                          <p:spTgt spid="19"/>
+                                        </p:tgtEl>
+                                        <p:attrNameLst>
+                                          <p:attrName>style.visibility</p:attrName>
+                                        </p:attrNameLst>
+                                      </p:cBhvr>
+                                      <p:to>
+                                        <p:strVal val="visible"/>
+                                      </p:to>
+                                    </p:set>
+                                  </p:childTnLst>
+                                </p:cTn>
+                              </p:par>
+                              <p:par>
+                                <p:cTn id="31" presetID="1" presetClass="entr" presetSubtype="0" fill="hold" nodeType="withEffect">
+                                  <p:stCondLst>
+                                    <p:cond delay="0"/>
+                                  </p:stCondLst>
+                                  <p:childTnLst>
+                                    <p:set>
+                                      <p:cBhvr>
+                                        <p:cTn id="32" dur="1" fill="hold">
+                                          <p:stCondLst>
+                                            <p:cond delay="0"/>
+                                          </p:stCondLst>
+                                        </p:cTn>
+                                        <p:tgtEl>
+                                          <p:spTgt spid="10"/>
+                                        </p:tgtEl>
+                                        <p:attrNameLst>
+                                          <p:attrName>style.visibility</p:attrName>
+                                        </p:attrNameLst>
+                                      </p:cBhvr>
+                                      <p:to>
+                                        <p:strVal val="visible"/>
+                                      </p:to>
+                                    </p:set>
+                                  </p:childTnLst>
+                                </p:cTn>
+                              </p:par>
+                            </p:childTnLst>
+                          </p:cTn>
+                        </p:par>
+                      </p:childTnLst>
+                    </p:cTn>
+                  </p:par>
                 </p:childTnLst>
               </p:cTn>
               <p:prevCondLst>
@@ -4354,8 +5250,8 @@
           </a:prstGeom>
         </p:spPr>
       </p:pic>
-      <mc:AlternateContent xmlns:mc="http://schemas.openxmlformats.org/markup-compatibility/2006">
-        <mc:Choice xmlns:p14="http://schemas.microsoft.com/office/powerpoint/2010/main" Requires="p14">
+      <mc:AlternateContent xmlns:mc="http://schemas.openxmlformats.org/markup-compatibility/2006" xmlns:p14="http://schemas.microsoft.com/office/powerpoint/2010/main">
+        <mc:Choice Requires="p14">
           <p:contentPart p14:bwMode="auto" r:id="rId3">
             <p14:nvContentPartPr>
               <p14:cNvPr id="6" name="Håndskrift 5">
@@ -4374,7 +5270,7 @@
             </p14:xfrm>
           </p:contentPart>
         </mc:Choice>
-        <mc:Fallback>
+        <mc:Fallback xmlns="">
           <p:pic>
             <p:nvPicPr>
               <p:cNvPr id="6" name="Håndskrift 5">
@@ -4455,8 +5351,8 @@
             <a:chExt cx="392400" cy="464040"/>
           </a:xfrm>
         </p:grpSpPr>
-        <mc:AlternateContent xmlns:mc="http://schemas.openxmlformats.org/markup-compatibility/2006">
-          <mc:Choice xmlns:p14="http://schemas.microsoft.com/office/powerpoint/2010/main" Requires="p14">
+        <mc:AlternateContent xmlns:mc="http://schemas.openxmlformats.org/markup-compatibility/2006" xmlns:p14="http://schemas.microsoft.com/office/powerpoint/2010/main">
+          <mc:Choice Requires="p14">
             <p:contentPart p14:bwMode="auto" r:id="rId6">
               <p14:nvContentPartPr>
                 <p14:cNvPr id="9" name="Håndskrift 8">
@@ -4475,7 +5371,7 @@
               </p14:xfrm>
             </p:contentPart>
           </mc:Choice>
-          <mc:Fallback>
+          <mc:Fallback xmlns="">
             <p:pic>
               <p:nvPicPr>
                 <p:cNvPr id="9" name="Håndskrift 8">
@@ -4506,8 +5402,8 @@
             </p:pic>
           </mc:Fallback>
         </mc:AlternateContent>
-        <mc:AlternateContent xmlns:mc="http://schemas.openxmlformats.org/markup-compatibility/2006">
-          <mc:Choice xmlns:p14="http://schemas.microsoft.com/office/powerpoint/2010/main" Requires="p14">
+        <mc:AlternateContent xmlns:mc="http://schemas.openxmlformats.org/markup-compatibility/2006" xmlns:p14="http://schemas.microsoft.com/office/powerpoint/2010/main">
+          <mc:Choice Requires="p14">
             <p:contentPart p14:bwMode="auto" r:id="rId8">
               <p14:nvContentPartPr>
                 <p14:cNvPr id="10" name="Håndskrift 9">
@@ -4526,7 +5422,7 @@
               </p14:xfrm>
             </p:contentPart>
           </mc:Choice>
-          <mc:Fallback>
+          <mc:Fallback xmlns="">
             <p:pic>
               <p:nvPicPr>
                 <p:cNvPr id="10" name="Håndskrift 9">
@@ -4557,8 +5453,8 @@
             </p:pic>
           </mc:Fallback>
         </mc:AlternateContent>
-        <mc:AlternateContent xmlns:mc="http://schemas.openxmlformats.org/markup-compatibility/2006">
-          <mc:Choice xmlns:p14="http://schemas.microsoft.com/office/powerpoint/2010/main" Requires="p14">
+        <mc:AlternateContent xmlns:mc="http://schemas.openxmlformats.org/markup-compatibility/2006" xmlns:p14="http://schemas.microsoft.com/office/powerpoint/2010/main">
+          <mc:Choice Requires="p14">
             <p:contentPart p14:bwMode="auto" r:id="rId10">
               <p14:nvContentPartPr>
                 <p14:cNvPr id="12" name="Håndskrift 11">
@@ -4577,7 +5473,7 @@
               </p14:xfrm>
             </p:contentPart>
           </mc:Choice>
-          <mc:Fallback>
+          <mc:Fallback xmlns="">
             <p:pic>
               <p:nvPicPr>
                 <p:cNvPr id="12" name="Håndskrift 11">
@@ -4631,8 +5527,8 @@
         </p:blipFill>
         <p:spPr>
           <a:xfrm>
-            <a:off x="928502" y="2339172"/>
-            <a:ext cx="733425" cy="361950"/>
+            <a:off x="1693159" y="2486368"/>
+            <a:ext cx="1333270" cy="657977"/>
           </a:xfrm>
           <a:prstGeom prst="rect">
             <a:avLst/>
@@ -4661,8 +5557,8 @@
         </p:blipFill>
         <p:spPr>
           <a:xfrm>
-            <a:off x="928502" y="1941636"/>
-            <a:ext cx="658159" cy="335063"/>
+            <a:off x="1482656" y="2174157"/>
+            <a:ext cx="1017530" cy="518015"/>
           </a:xfrm>
           <a:prstGeom prst="rect">
             <a:avLst/>
@@ -4691,8 +5587,8 @@
         </p:blipFill>
         <p:spPr>
           <a:xfrm>
-            <a:off x="965029" y="2724169"/>
-            <a:ext cx="676275" cy="466725"/>
+            <a:off x="1793215" y="3076209"/>
+            <a:ext cx="1049594" cy="724368"/>
           </a:xfrm>
           <a:prstGeom prst="rect">
             <a:avLst/>
@@ -4721,8 +5617,230 @@
         </p:blipFill>
         <p:spPr>
           <a:xfrm>
-            <a:off x="995643" y="3249497"/>
-            <a:ext cx="523875" cy="523875"/>
+            <a:off x="1806241" y="3834805"/>
+            <a:ext cx="693945" cy="693945"/>
+          </a:xfrm>
+          <a:prstGeom prst="rect">
+            <a:avLst/>
+          </a:prstGeom>
+        </p:spPr>
+      </p:pic>
+      <p:pic>
+        <p:nvPicPr>
+          <p:cNvPr id="3" name="Billede 2">
+            <a:extLst>
+              <a:ext uri="{FF2B5EF4-FFF2-40B4-BE49-F238E27FC236}">
+                <a16:creationId xmlns:a16="http://schemas.microsoft.com/office/drawing/2014/main" id="{324B630C-F618-44E2-A647-FB2E84018C3B}"/>
+              </a:ext>
+            </a:extLst>
+          </p:cNvPr>
+          <p:cNvPicPr>
+            <a:picLocks noChangeAspect="1"/>
+          </p:cNvPicPr>
+          <p:nvPr/>
+        </p:nvPicPr>
+        <p:blipFill>
+          <a:blip r:embed="rId16"/>
+          <a:stretch>
+            <a:fillRect/>
+          </a:stretch>
+        </p:blipFill>
+        <p:spPr>
+          <a:xfrm>
+            <a:off x="4501479" y="1047984"/>
+            <a:ext cx="1990725" cy="981075"/>
+          </a:xfrm>
+          <a:prstGeom prst="rect">
+            <a:avLst/>
+          </a:prstGeom>
+        </p:spPr>
+      </p:pic>
+      <p:pic>
+        <p:nvPicPr>
+          <p:cNvPr id="14" name="Billede 13">
+            <a:extLst>
+              <a:ext uri="{FF2B5EF4-FFF2-40B4-BE49-F238E27FC236}">
+                <a16:creationId xmlns:a16="http://schemas.microsoft.com/office/drawing/2014/main" id="{9FD288DB-5F34-3223-3319-C19D72F2968D}"/>
+              </a:ext>
+            </a:extLst>
+          </p:cNvPr>
+          <p:cNvPicPr>
+            <a:picLocks noChangeAspect="1"/>
+          </p:cNvPicPr>
+          <p:nvPr/>
+        </p:nvPicPr>
+        <p:blipFill>
+          <a:blip r:embed="rId17"/>
+          <a:stretch>
+            <a:fillRect/>
+          </a:stretch>
+        </p:blipFill>
+        <p:spPr>
+          <a:xfrm>
+            <a:off x="4311984" y="1063720"/>
+            <a:ext cx="285750" cy="295275"/>
+          </a:xfrm>
+          <a:prstGeom prst="rect">
+            <a:avLst/>
+          </a:prstGeom>
+        </p:spPr>
+      </p:pic>
+      <mc:AlternateContent xmlns:mc="http://schemas.openxmlformats.org/markup-compatibility/2006">
+        <mc:Choice xmlns:p14="http://schemas.microsoft.com/office/powerpoint/2010/main" Requires="p14">
+          <p:contentPart p14:bwMode="auto" r:id="rId18">
+            <p14:nvContentPartPr>
+              <p14:cNvPr id="16" name="Håndskrift 15">
+                <a:extLst>
+                  <a:ext uri="{FF2B5EF4-FFF2-40B4-BE49-F238E27FC236}">
+                    <a16:creationId xmlns:a16="http://schemas.microsoft.com/office/drawing/2014/main" id="{43116A29-2424-33F0-2F51-0133CEA7E32B}"/>
+                  </a:ext>
+                </a:extLst>
+              </p14:cNvPr>
+              <p14:cNvContentPartPr/>
+              <p14:nvPr/>
+            </p14:nvContentPartPr>
+            <p14:xfrm>
+              <a:off x="5664912" y="1658372"/>
+              <a:ext cx="842400" cy="443880"/>
+            </p14:xfrm>
+          </p:contentPart>
+        </mc:Choice>
+        <mc:Fallback>
+          <p:pic>
+            <p:nvPicPr>
+              <p:cNvPr id="16" name="Håndskrift 15">
+                <a:extLst>
+                  <a:ext uri="{FF2B5EF4-FFF2-40B4-BE49-F238E27FC236}">
+                    <a16:creationId xmlns:a16="http://schemas.microsoft.com/office/drawing/2014/main" id="{43116A29-2424-33F0-2F51-0133CEA7E32B}"/>
+                  </a:ext>
+                </a:extLst>
+              </p:cNvPr>
+              <p:cNvPicPr/>
+              <p:nvPr/>
+            </p:nvPicPr>
+            <p:blipFill>
+              <a:blip r:embed="rId19"/>
+              <a:stretch>
+                <a:fillRect/>
+              </a:stretch>
+            </p:blipFill>
+            <p:spPr>
+              <a:xfrm>
+                <a:off x="5656272" y="1649732"/>
+                <a:ext cx="860040" cy="461520"/>
+              </a:xfrm>
+              <a:prstGeom prst="rect">
+                <a:avLst/>
+              </a:prstGeom>
+            </p:spPr>
+          </p:pic>
+        </mc:Fallback>
+      </mc:AlternateContent>
+      <mc:AlternateContent xmlns:mc="http://schemas.openxmlformats.org/markup-compatibility/2006">
+        <mc:Choice xmlns:p14="http://schemas.microsoft.com/office/powerpoint/2010/main" Requires="p14">
+          <p:contentPart p14:bwMode="auto" r:id="rId20">
+            <p14:nvContentPartPr>
+              <p14:cNvPr id="18" name="Håndskrift 17">
+                <a:extLst>
+                  <a:ext uri="{FF2B5EF4-FFF2-40B4-BE49-F238E27FC236}">
+                    <a16:creationId xmlns:a16="http://schemas.microsoft.com/office/drawing/2014/main" id="{EE7EF44D-5CF0-D589-03FB-CA18A571AD5A}"/>
+                  </a:ext>
+                </a:extLst>
+              </p14:cNvPr>
+              <p14:cNvContentPartPr/>
+              <p14:nvPr/>
+            </p14:nvContentPartPr>
+            <p14:xfrm>
+              <a:off x="3092712" y="1468652"/>
+              <a:ext cx="2572920" cy="341280"/>
+            </p14:xfrm>
+          </p:contentPart>
+        </mc:Choice>
+        <mc:Fallback>
+          <p:pic>
+            <p:nvPicPr>
+              <p:cNvPr id="18" name="Håndskrift 17">
+                <a:extLst>
+                  <a:ext uri="{FF2B5EF4-FFF2-40B4-BE49-F238E27FC236}">
+                    <a16:creationId xmlns:a16="http://schemas.microsoft.com/office/drawing/2014/main" id="{EE7EF44D-5CF0-D589-03FB-CA18A571AD5A}"/>
+                  </a:ext>
+                </a:extLst>
+              </p:cNvPr>
+              <p:cNvPicPr/>
+              <p:nvPr/>
+            </p:nvPicPr>
+            <p:blipFill>
+              <a:blip r:embed="rId21"/>
+              <a:stretch>
+                <a:fillRect/>
+              </a:stretch>
+            </p:blipFill>
+            <p:spPr>
+              <a:xfrm>
+                <a:off x="3083712" y="1459652"/>
+                <a:ext cx="2590560" cy="358920"/>
+              </a:xfrm>
+              <a:prstGeom prst="rect">
+                <a:avLst/>
+              </a:prstGeom>
+            </p:spPr>
+          </p:pic>
+        </mc:Fallback>
+      </mc:AlternateContent>
+      <p:pic>
+        <p:nvPicPr>
+          <p:cNvPr id="37" name="Billede 36">
+            <a:extLst>
+              <a:ext uri="{FF2B5EF4-FFF2-40B4-BE49-F238E27FC236}">
+                <a16:creationId xmlns:a16="http://schemas.microsoft.com/office/drawing/2014/main" id="{33CA1F50-9EAD-E7E1-9587-E7F0F3A7A1AA}"/>
+              </a:ext>
+            </a:extLst>
+          </p:cNvPr>
+          <p:cNvPicPr>
+            <a:picLocks noChangeAspect="1"/>
+          </p:cNvPicPr>
+          <p:nvPr/>
+        </p:nvPicPr>
+        <p:blipFill>
+          <a:blip r:embed="rId22"/>
+          <a:stretch>
+            <a:fillRect/>
+          </a:stretch>
+        </p:blipFill>
+        <p:spPr>
+          <a:xfrm>
+            <a:off x="3529587" y="2618308"/>
+            <a:ext cx="1299820" cy="453711"/>
+          </a:xfrm>
+          <a:prstGeom prst="rect">
+            <a:avLst/>
+          </a:prstGeom>
+        </p:spPr>
+      </p:pic>
+      <p:pic>
+        <p:nvPicPr>
+          <p:cNvPr id="39" name="Billede 38">
+            <a:extLst>
+              <a:ext uri="{FF2B5EF4-FFF2-40B4-BE49-F238E27FC236}">
+                <a16:creationId xmlns:a16="http://schemas.microsoft.com/office/drawing/2014/main" id="{2E30AB03-2492-B255-DF8C-131F15254D2E}"/>
+              </a:ext>
+            </a:extLst>
+          </p:cNvPr>
+          <p:cNvPicPr>
+            <a:picLocks noChangeAspect="1"/>
+          </p:cNvPicPr>
+          <p:nvPr/>
+        </p:nvPicPr>
+        <p:blipFill>
+          <a:blip r:embed="rId23"/>
+          <a:stretch>
+            <a:fillRect/>
+          </a:stretch>
+        </p:blipFill>
+        <p:spPr>
+          <a:xfrm>
+            <a:off x="3730351" y="3088468"/>
+            <a:ext cx="833560" cy="453710"/>
           </a:xfrm>
           <a:prstGeom prst="rect">
             <a:avLst/>
@@ -4731,10 +5849,10 @@
       </p:pic>
       <p:grpSp>
         <p:nvGrpSpPr>
-          <p:cNvPr id="30" name="Gruppe 29">
-            <a:extLst>
-              <a:ext uri="{FF2B5EF4-FFF2-40B4-BE49-F238E27FC236}">
-                <a16:creationId xmlns:a16="http://schemas.microsoft.com/office/drawing/2014/main" id="{623F90F0-955B-569D-C904-046F9DBE8D26}"/>
+          <p:cNvPr id="56" name="Gruppe 55">
+            <a:extLst>
+              <a:ext uri="{FF2B5EF4-FFF2-40B4-BE49-F238E27FC236}">
+                <a16:creationId xmlns:a16="http://schemas.microsoft.com/office/drawing/2014/main" id="{20D37853-4B50-E84B-ECB5-20A5C38B0C27}"/>
               </a:ext>
             </a:extLst>
           </p:cNvPr>
@@ -4743,20 +5861,20 @@
         </p:nvGrpSpPr>
         <p:grpSpPr>
           <a:xfrm>
-            <a:off x="649713" y="2103868"/>
-            <a:ext cx="308880" cy="1371240"/>
-            <a:chOff x="649713" y="2103868"/>
-            <a:chExt cx="308880" cy="1371240"/>
+            <a:off x="2944032" y="3166772"/>
+            <a:ext cx="732600" cy="370800"/>
+            <a:chOff x="2944032" y="3166772"/>
+            <a:chExt cx="732600" cy="370800"/>
           </a:xfrm>
         </p:grpSpPr>
         <mc:AlternateContent xmlns:mc="http://schemas.openxmlformats.org/markup-compatibility/2006">
           <mc:Choice xmlns:p14="http://schemas.microsoft.com/office/powerpoint/2010/main" Requires="p14">
-            <p:contentPart p14:bwMode="auto" r:id="rId16">
+            <p:contentPart p14:bwMode="auto" r:id="rId24">
               <p14:nvContentPartPr>
-                <p14:cNvPr id="22" name="Håndskrift 21">
+                <p14:cNvPr id="54" name="Håndskrift 53">
                   <a:extLst>
                     <a:ext uri="{FF2B5EF4-FFF2-40B4-BE49-F238E27FC236}">
-                      <a16:creationId xmlns:a16="http://schemas.microsoft.com/office/drawing/2014/main" id="{9A0AE17E-D081-5332-7E30-FBBC87063FD8}"/>
+                      <a16:creationId xmlns:a16="http://schemas.microsoft.com/office/drawing/2014/main" id="{6B258A4C-C193-9A86-50E0-049F3C9C6236}"/>
                     </a:ext>
                   </a:extLst>
                 </p14:cNvPr>
@@ -4764,222 +5882,18 @@
                 <p14:nvPr/>
               </p14:nvContentPartPr>
               <p14:xfrm>
-                <a:off x="649713" y="2103868"/>
-                <a:ext cx="282240" cy="441360"/>
+                <a:off x="2944032" y="3166772"/>
+                <a:ext cx="732600" cy="276120"/>
               </p14:xfrm>
             </p:contentPart>
           </mc:Choice>
           <mc:Fallback>
             <p:pic>
               <p:nvPicPr>
-                <p:cNvPr id="22" name="Håndskrift 21">
+                <p:cNvPr id="54" name="Håndskrift 53">
                   <a:extLst>
                     <a:ext uri="{FF2B5EF4-FFF2-40B4-BE49-F238E27FC236}">
-                      <a16:creationId xmlns:a16="http://schemas.microsoft.com/office/drawing/2014/main" id="{9A0AE17E-D081-5332-7E30-FBBC87063FD8}"/>
-                    </a:ext>
-                  </a:extLst>
-                </p:cNvPr>
-                <p:cNvPicPr/>
-                <p:nvPr/>
-              </p:nvPicPr>
-              <p:blipFill>
-                <a:blip r:embed="rId17"/>
-                <a:stretch>
-                  <a:fillRect/>
-                </a:stretch>
-              </p:blipFill>
-              <p:spPr>
-                <a:xfrm>
-                  <a:off x="641073" y="2094868"/>
-                  <a:ext cx="299880" cy="459000"/>
-                </a:xfrm>
-                <a:prstGeom prst="rect">
-                  <a:avLst/>
-                </a:prstGeom>
-              </p:spPr>
-            </p:pic>
-          </mc:Fallback>
-        </mc:AlternateContent>
-        <mc:AlternateContent xmlns:mc="http://schemas.openxmlformats.org/markup-compatibility/2006">
-          <mc:Choice xmlns:p14="http://schemas.microsoft.com/office/powerpoint/2010/main" Requires="p14">
-            <p:contentPart p14:bwMode="auto" r:id="rId18">
-              <p14:nvContentPartPr>
-                <p14:cNvPr id="23" name="Håndskrift 22">
-                  <a:extLst>
-                    <a:ext uri="{FF2B5EF4-FFF2-40B4-BE49-F238E27FC236}">
-                      <a16:creationId xmlns:a16="http://schemas.microsoft.com/office/drawing/2014/main" id="{88200133-4C4F-67AF-32FE-677C6C80A1FE}"/>
-                    </a:ext>
-                  </a:extLst>
-                </p14:cNvPr>
-                <p14:cNvContentPartPr/>
-                <p14:nvPr/>
-              </p14:nvContentPartPr>
-              <p14:xfrm>
-                <a:off x="905313" y="2424628"/>
-                <a:ext cx="360" cy="123480"/>
-              </p14:xfrm>
-            </p:contentPart>
-          </mc:Choice>
-          <mc:Fallback>
-            <p:pic>
-              <p:nvPicPr>
-                <p:cNvPr id="23" name="Håndskrift 22">
-                  <a:extLst>
-                    <a:ext uri="{FF2B5EF4-FFF2-40B4-BE49-F238E27FC236}">
-                      <a16:creationId xmlns:a16="http://schemas.microsoft.com/office/drawing/2014/main" id="{88200133-4C4F-67AF-32FE-677C6C80A1FE}"/>
-                    </a:ext>
-                  </a:extLst>
-                </p:cNvPr>
-                <p:cNvPicPr/>
-                <p:nvPr/>
-              </p:nvPicPr>
-              <p:blipFill>
-                <a:blip r:embed="rId19"/>
-                <a:stretch>
-                  <a:fillRect/>
-                </a:stretch>
-              </p:blipFill>
-              <p:spPr>
-                <a:xfrm>
-                  <a:off x="896313" y="2415628"/>
-                  <a:ext cx="18000" cy="141120"/>
-                </a:xfrm>
-                <a:prstGeom prst="rect">
-                  <a:avLst/>
-                </a:prstGeom>
-              </p:spPr>
-            </p:pic>
-          </mc:Fallback>
-        </mc:AlternateContent>
-        <mc:AlternateContent xmlns:mc="http://schemas.openxmlformats.org/markup-compatibility/2006">
-          <mc:Choice xmlns:p14="http://schemas.microsoft.com/office/powerpoint/2010/main" Requires="p14">
-            <p:contentPart p14:bwMode="auto" r:id="rId20">
-              <p14:nvContentPartPr>
-                <p14:cNvPr id="24" name="Håndskrift 23">
-                  <a:extLst>
-                    <a:ext uri="{FF2B5EF4-FFF2-40B4-BE49-F238E27FC236}">
-                      <a16:creationId xmlns:a16="http://schemas.microsoft.com/office/drawing/2014/main" id="{7E8C4E59-3386-FC01-E0EC-52F58B51DDDA}"/>
-                    </a:ext>
-                  </a:extLst>
-                </p14:cNvPr>
-                <p14:cNvContentPartPr/>
-                <p14:nvPr/>
-              </p14:nvContentPartPr>
-              <p14:xfrm>
-                <a:off x="775353" y="2556388"/>
-                <a:ext cx="121320" cy="12600"/>
-              </p14:xfrm>
-            </p:contentPart>
-          </mc:Choice>
-          <mc:Fallback>
-            <p:pic>
-              <p:nvPicPr>
-                <p:cNvPr id="24" name="Håndskrift 23">
-                  <a:extLst>
-                    <a:ext uri="{FF2B5EF4-FFF2-40B4-BE49-F238E27FC236}">
-                      <a16:creationId xmlns:a16="http://schemas.microsoft.com/office/drawing/2014/main" id="{7E8C4E59-3386-FC01-E0EC-52F58B51DDDA}"/>
-                    </a:ext>
-                  </a:extLst>
-                </p:cNvPr>
-                <p:cNvPicPr/>
-                <p:nvPr/>
-              </p:nvPicPr>
-              <p:blipFill>
-                <a:blip r:embed="rId21"/>
-                <a:stretch>
-                  <a:fillRect/>
-                </a:stretch>
-              </p:blipFill>
-              <p:spPr>
-                <a:xfrm>
-                  <a:off x="766713" y="2547388"/>
-                  <a:ext cx="138960" cy="30240"/>
-                </a:xfrm>
-                <a:prstGeom prst="rect">
-                  <a:avLst/>
-                </a:prstGeom>
-              </p:spPr>
-            </p:pic>
-          </mc:Fallback>
-        </mc:AlternateContent>
-        <mc:AlternateContent xmlns:mc="http://schemas.openxmlformats.org/markup-compatibility/2006">
-          <mc:Choice xmlns:p14="http://schemas.microsoft.com/office/powerpoint/2010/main" Requires="p14">
-            <p:contentPart p14:bwMode="auto" r:id="rId22">
-              <p14:nvContentPartPr>
-                <p14:cNvPr id="25" name="Håndskrift 24">
-                  <a:extLst>
-                    <a:ext uri="{FF2B5EF4-FFF2-40B4-BE49-F238E27FC236}">
-                      <a16:creationId xmlns:a16="http://schemas.microsoft.com/office/drawing/2014/main" id="{12E8097B-73DA-C56E-AB74-505B2E1B2208}"/>
-                    </a:ext>
-                  </a:extLst>
-                </p14:cNvPr>
-                <p14:cNvContentPartPr/>
-                <p14:nvPr/>
-              </p14:nvContentPartPr>
-              <p14:xfrm>
-                <a:off x="752313" y="2618308"/>
-                <a:ext cx="171000" cy="370440"/>
-              </p14:xfrm>
-            </p:contentPart>
-          </mc:Choice>
-          <mc:Fallback>
-            <p:pic>
-              <p:nvPicPr>
-                <p:cNvPr id="25" name="Håndskrift 24">
-                  <a:extLst>
-                    <a:ext uri="{FF2B5EF4-FFF2-40B4-BE49-F238E27FC236}">
-                      <a16:creationId xmlns:a16="http://schemas.microsoft.com/office/drawing/2014/main" id="{12E8097B-73DA-C56E-AB74-505B2E1B2208}"/>
-                    </a:ext>
-                  </a:extLst>
-                </p:cNvPr>
-                <p:cNvPicPr/>
-                <p:nvPr/>
-              </p:nvPicPr>
-              <p:blipFill>
-                <a:blip r:embed="rId23"/>
-                <a:stretch>
-                  <a:fillRect/>
-                </a:stretch>
-              </p:blipFill>
-              <p:spPr>
-                <a:xfrm>
-                  <a:off x="743313" y="2609668"/>
-                  <a:ext cx="188640" cy="388080"/>
-                </a:xfrm>
-                <a:prstGeom prst="rect">
-                  <a:avLst/>
-                </a:prstGeom>
-              </p:spPr>
-            </p:pic>
-          </mc:Fallback>
-        </mc:AlternateContent>
-        <mc:AlternateContent xmlns:mc="http://schemas.openxmlformats.org/markup-compatibility/2006">
-          <mc:Choice xmlns:p14="http://schemas.microsoft.com/office/powerpoint/2010/main" Requires="p14">
-            <p:contentPart p14:bwMode="auto" r:id="rId24">
-              <p14:nvContentPartPr>
-                <p14:cNvPr id="26" name="Håndskrift 25">
-                  <a:extLst>
-                    <a:ext uri="{FF2B5EF4-FFF2-40B4-BE49-F238E27FC236}">
-                      <a16:creationId xmlns:a16="http://schemas.microsoft.com/office/drawing/2014/main" id="{29BE6DC0-CDAC-29DE-8048-FE3F0BDDF128}"/>
-                    </a:ext>
-                  </a:extLst>
-                </p14:cNvPr>
-                <p14:cNvContentPartPr/>
-                <p14:nvPr/>
-              </p14:nvContentPartPr>
-              <p14:xfrm>
-                <a:off x="852033" y="3002428"/>
-                <a:ext cx="62640" cy="23400"/>
-              </p14:xfrm>
-            </p:contentPart>
-          </mc:Choice>
-          <mc:Fallback>
-            <p:pic>
-              <p:nvPicPr>
-                <p:cNvPr id="26" name="Håndskrift 25">
-                  <a:extLst>
-                    <a:ext uri="{FF2B5EF4-FFF2-40B4-BE49-F238E27FC236}">
-                      <a16:creationId xmlns:a16="http://schemas.microsoft.com/office/drawing/2014/main" id="{29BE6DC0-CDAC-29DE-8048-FE3F0BDDF128}"/>
+                      <a16:creationId xmlns:a16="http://schemas.microsoft.com/office/drawing/2014/main" id="{6B258A4C-C193-9A86-50E0-049F3C9C6236}"/>
                     </a:ext>
                   </a:extLst>
                 </p:cNvPr>
@@ -4994,8 +5908,8 @@
               </p:blipFill>
               <p:spPr>
                 <a:xfrm>
-                  <a:off x="843393" y="2993788"/>
-                  <a:ext cx="80280" cy="41040"/>
+                  <a:off x="2935392" y="3158132"/>
+                  <a:ext cx="750240" cy="293760"/>
                 </a:xfrm>
                 <a:prstGeom prst="rect">
                   <a:avLst/>
@@ -5008,10 +5922,10 @@
           <mc:Choice xmlns:p14="http://schemas.microsoft.com/office/powerpoint/2010/main" Requires="p14">
             <p:contentPart p14:bwMode="auto" r:id="rId26">
               <p14:nvContentPartPr>
-                <p14:cNvPr id="28" name="Håndskrift 27">
+                <p14:cNvPr id="55" name="Håndskrift 54">
                   <a:extLst>
                     <a:ext uri="{FF2B5EF4-FFF2-40B4-BE49-F238E27FC236}">
-                      <a16:creationId xmlns:a16="http://schemas.microsoft.com/office/drawing/2014/main" id="{51A36C19-5649-5C55-D853-8E67282E3403}"/>
+                      <a16:creationId xmlns:a16="http://schemas.microsoft.com/office/drawing/2014/main" id="{846AF20D-6738-D141-CF28-F93AC7662A49}"/>
                     </a:ext>
                   </a:extLst>
                 </p14:cNvPr>
@@ -5019,18 +5933,18 @@
                 <p14:nvPr/>
               </p14:nvContentPartPr>
               <p14:xfrm>
-                <a:off x="716673" y="3088468"/>
-                <a:ext cx="241920" cy="342720"/>
+                <a:off x="2959512" y="3440372"/>
+                <a:ext cx="187200" cy="97200"/>
               </p14:xfrm>
             </p:contentPart>
           </mc:Choice>
           <mc:Fallback>
             <p:pic>
               <p:nvPicPr>
-                <p:cNvPr id="28" name="Håndskrift 27">
+                <p:cNvPr id="55" name="Håndskrift 54">
                   <a:extLst>
                     <a:ext uri="{FF2B5EF4-FFF2-40B4-BE49-F238E27FC236}">
-                      <a16:creationId xmlns:a16="http://schemas.microsoft.com/office/drawing/2014/main" id="{51A36C19-5649-5C55-D853-8E67282E3403}"/>
+                      <a16:creationId xmlns:a16="http://schemas.microsoft.com/office/drawing/2014/main" id="{846AF20D-6738-D141-CF28-F93AC7662A49}"/>
                     </a:ext>
                   </a:extLst>
                 </p:cNvPr>
@@ -5045,8 +5959,8 @@
               </p:blipFill>
               <p:spPr>
                 <a:xfrm>
-                  <a:off x="708033" y="3079828"/>
-                  <a:ext cx="259560" cy="360360"/>
+                  <a:off x="2950872" y="3431732"/>
+                  <a:ext cx="204840" cy="114840"/>
                 </a:xfrm>
                 <a:prstGeom prst="rect">
                   <a:avLst/>
@@ -5055,14 +5969,35 @@
             </p:pic>
           </mc:Fallback>
         </mc:AlternateContent>
+      </p:grpSp>
+      <p:grpSp>
+        <p:nvGrpSpPr>
+          <p:cNvPr id="60" name="Gruppe 59">
+            <a:extLst>
+              <a:ext uri="{FF2B5EF4-FFF2-40B4-BE49-F238E27FC236}">
+                <a16:creationId xmlns:a16="http://schemas.microsoft.com/office/drawing/2014/main" id="{E2904F2C-566B-3334-28D9-52F1B6E2B725}"/>
+              </a:ext>
+            </a:extLst>
+          </p:cNvPr>
+          <p:cNvGrpSpPr/>
+          <p:nvPr/>
+        </p:nvGrpSpPr>
+        <p:grpSpPr>
+          <a:xfrm>
+            <a:off x="2582592" y="3656732"/>
+            <a:ext cx="200160" cy="432720"/>
+            <a:chOff x="2582592" y="3656732"/>
+            <a:chExt cx="200160" cy="432720"/>
+          </a:xfrm>
+        </p:grpSpPr>
         <mc:AlternateContent xmlns:mc="http://schemas.openxmlformats.org/markup-compatibility/2006">
           <mc:Choice xmlns:p14="http://schemas.microsoft.com/office/powerpoint/2010/main" Requires="p14">
             <p:contentPart p14:bwMode="auto" r:id="rId28">
               <p14:nvContentPartPr>
-                <p14:cNvPr id="29" name="Håndskrift 28">
+                <p14:cNvPr id="57" name="Håndskrift 56">
                   <a:extLst>
                     <a:ext uri="{FF2B5EF4-FFF2-40B4-BE49-F238E27FC236}">
-                      <a16:creationId xmlns:a16="http://schemas.microsoft.com/office/drawing/2014/main" id="{806C14F1-18C6-0B7D-2C8B-034A8FDBEE2D}"/>
+                      <a16:creationId xmlns:a16="http://schemas.microsoft.com/office/drawing/2014/main" id="{C5456BEE-C9A1-ACAD-DCA7-0776C7789A7B}"/>
                     </a:ext>
                   </a:extLst>
                 </p14:cNvPr>
@@ -5070,18 +6005,18 @@
                 <p14:nvPr/>
               </p14:nvContentPartPr>
               <p14:xfrm>
-                <a:off x="776433" y="3417508"/>
-                <a:ext cx="129240" cy="57600"/>
+                <a:off x="2593032" y="3656732"/>
+                <a:ext cx="189720" cy="368640"/>
               </p14:xfrm>
             </p:contentPart>
           </mc:Choice>
           <mc:Fallback>
             <p:pic>
               <p:nvPicPr>
-                <p:cNvPr id="29" name="Håndskrift 28">
+                <p:cNvPr id="57" name="Håndskrift 56">
                   <a:extLst>
                     <a:ext uri="{FF2B5EF4-FFF2-40B4-BE49-F238E27FC236}">
-                      <a16:creationId xmlns:a16="http://schemas.microsoft.com/office/drawing/2014/main" id="{806C14F1-18C6-0B7D-2C8B-034A8FDBEE2D}"/>
+                      <a16:creationId xmlns:a16="http://schemas.microsoft.com/office/drawing/2014/main" id="{C5456BEE-C9A1-ACAD-DCA7-0776C7789A7B}"/>
                     </a:ext>
                   </a:extLst>
                 </p:cNvPr>
@@ -5096,8 +6031,110 @@
               </p:blipFill>
               <p:spPr>
                 <a:xfrm>
-                  <a:off x="767433" y="3408508"/>
-                  <a:ext cx="146880" cy="75240"/>
+                  <a:off x="2584032" y="3647732"/>
+                  <a:ext cx="207360" cy="386280"/>
+                </a:xfrm>
+                <a:prstGeom prst="rect">
+                  <a:avLst/>
+                </a:prstGeom>
+              </p:spPr>
+            </p:pic>
+          </mc:Fallback>
+        </mc:AlternateContent>
+        <mc:AlternateContent xmlns:mc="http://schemas.openxmlformats.org/markup-compatibility/2006">
+          <mc:Choice xmlns:p14="http://schemas.microsoft.com/office/powerpoint/2010/main" Requires="p14">
+            <p:contentPart p14:bwMode="auto" r:id="rId30">
+              <p14:nvContentPartPr>
+                <p14:cNvPr id="58" name="Håndskrift 57">
+                  <a:extLst>
+                    <a:ext uri="{FF2B5EF4-FFF2-40B4-BE49-F238E27FC236}">
+                      <a16:creationId xmlns:a16="http://schemas.microsoft.com/office/drawing/2014/main" id="{2E9463FF-E604-4518-AFCA-330ABB6F91B2}"/>
+                    </a:ext>
+                  </a:extLst>
+                </p14:cNvPr>
+                <p14:cNvContentPartPr/>
+                <p14:nvPr/>
+              </p14:nvContentPartPr>
+              <p14:xfrm>
+                <a:off x="2582592" y="3903332"/>
+                <a:ext cx="10080" cy="121680"/>
+              </p14:xfrm>
+            </p:contentPart>
+          </mc:Choice>
+          <mc:Fallback>
+            <p:pic>
+              <p:nvPicPr>
+                <p:cNvPr id="58" name="Håndskrift 57">
+                  <a:extLst>
+                    <a:ext uri="{FF2B5EF4-FFF2-40B4-BE49-F238E27FC236}">
+                      <a16:creationId xmlns:a16="http://schemas.microsoft.com/office/drawing/2014/main" id="{2E9463FF-E604-4518-AFCA-330ABB6F91B2}"/>
+                    </a:ext>
+                  </a:extLst>
+                </p:cNvPr>
+                <p:cNvPicPr/>
+                <p:nvPr/>
+              </p:nvPicPr>
+              <p:blipFill>
+                <a:blip r:embed="rId31"/>
+                <a:stretch>
+                  <a:fillRect/>
+                </a:stretch>
+              </p:blipFill>
+              <p:spPr>
+                <a:xfrm>
+                  <a:off x="2573592" y="3894332"/>
+                  <a:ext cx="27720" cy="139320"/>
+                </a:xfrm>
+                <a:prstGeom prst="rect">
+                  <a:avLst/>
+                </a:prstGeom>
+              </p:spPr>
+            </p:pic>
+          </mc:Fallback>
+        </mc:AlternateContent>
+        <mc:AlternateContent xmlns:mc="http://schemas.openxmlformats.org/markup-compatibility/2006">
+          <mc:Choice xmlns:p14="http://schemas.microsoft.com/office/powerpoint/2010/main" Requires="p14">
+            <p:contentPart p14:bwMode="auto" r:id="rId32">
+              <p14:nvContentPartPr>
+                <p14:cNvPr id="59" name="Håndskrift 58">
+                  <a:extLst>
+                    <a:ext uri="{FF2B5EF4-FFF2-40B4-BE49-F238E27FC236}">
+                      <a16:creationId xmlns:a16="http://schemas.microsoft.com/office/drawing/2014/main" id="{9B3A0F83-4A59-71EE-635F-5154E8AC7AFA}"/>
+                    </a:ext>
+                  </a:extLst>
+                </p14:cNvPr>
+                <p14:cNvContentPartPr/>
+                <p14:nvPr/>
+              </p14:nvContentPartPr>
+              <p14:xfrm>
+                <a:off x="2611032" y="4034372"/>
+                <a:ext cx="125640" cy="55080"/>
+              </p14:xfrm>
+            </p:contentPart>
+          </mc:Choice>
+          <mc:Fallback>
+            <p:pic>
+              <p:nvPicPr>
+                <p:cNvPr id="59" name="Håndskrift 58">
+                  <a:extLst>
+                    <a:ext uri="{FF2B5EF4-FFF2-40B4-BE49-F238E27FC236}">
+                      <a16:creationId xmlns:a16="http://schemas.microsoft.com/office/drawing/2014/main" id="{9B3A0F83-4A59-71EE-635F-5154E8AC7AFA}"/>
+                    </a:ext>
+                  </a:extLst>
+                </p:cNvPr>
+                <p:cNvPicPr/>
+                <p:nvPr/>
+              </p:nvPicPr>
+              <p:blipFill>
+                <a:blip r:embed="rId33"/>
+                <a:stretch>
+                  <a:fillRect/>
+                </a:stretch>
+              </p:blipFill>
+              <p:spPr>
+                <a:xfrm>
+                  <a:off x="2602032" y="4025732"/>
+                  <a:ext cx="143280" cy="72720"/>
                 </a:xfrm>
                 <a:prstGeom prst="rect">
                   <a:avLst/>
@@ -5107,36 +6144,129 @@
           </mc:Fallback>
         </mc:AlternateContent>
       </p:grpSp>
-      <p:pic>
-        <p:nvPicPr>
-          <p:cNvPr id="33" name="Billede 32">
-            <a:extLst>
-              <a:ext uri="{FF2B5EF4-FFF2-40B4-BE49-F238E27FC236}">
-                <a16:creationId xmlns:a16="http://schemas.microsoft.com/office/drawing/2014/main" id="{6EED82DC-8761-8DED-9C60-508B50A59421}"/>
-              </a:ext>
-            </a:extLst>
-          </p:cNvPr>
-          <p:cNvPicPr>
-            <a:picLocks noChangeAspect="1"/>
-          </p:cNvPicPr>
+      <p:grpSp>
+        <p:nvGrpSpPr>
+          <p:cNvPr id="67" name="Gruppe 66">
+            <a:extLst>
+              <a:ext uri="{FF2B5EF4-FFF2-40B4-BE49-F238E27FC236}">
+                <a16:creationId xmlns:a16="http://schemas.microsoft.com/office/drawing/2014/main" id="{C94A56EE-4239-7ABB-9DE3-019B603791B1}"/>
+              </a:ext>
+            </a:extLst>
+          </p:cNvPr>
+          <p:cNvGrpSpPr/>
           <p:nvPr/>
-        </p:nvPicPr>
-        <p:blipFill>
-          <a:blip r:embed="rId30"/>
-          <a:stretch>
-            <a:fillRect/>
-          </a:stretch>
-        </p:blipFill>
-        <p:spPr>
+        </p:nvGrpSpPr>
+        <p:grpSpPr>
           <a:xfrm>
-            <a:off x="2238791" y="2673528"/>
-            <a:ext cx="9401175" cy="2076450"/>
+            <a:off x="1837752" y="4448372"/>
+            <a:ext cx="661680" cy="142200"/>
+            <a:chOff x="1837752" y="4448372"/>
+            <a:chExt cx="661680" cy="142200"/>
           </a:xfrm>
-          <a:prstGeom prst="rect">
-            <a:avLst/>
-          </a:prstGeom>
-        </p:spPr>
-      </p:pic>
+        </p:grpSpPr>
+        <mc:AlternateContent xmlns:mc="http://schemas.openxmlformats.org/markup-compatibility/2006">
+          <mc:Choice xmlns:p14="http://schemas.microsoft.com/office/powerpoint/2010/main" Requires="p14">
+            <p:contentPart p14:bwMode="auto" r:id="rId34">
+              <p14:nvContentPartPr>
+                <p14:cNvPr id="65" name="Håndskrift 64">
+                  <a:extLst>
+                    <a:ext uri="{FF2B5EF4-FFF2-40B4-BE49-F238E27FC236}">
+                      <a16:creationId xmlns:a16="http://schemas.microsoft.com/office/drawing/2014/main" id="{65100EDD-DE84-BAC5-B68E-5A73C6D2207A}"/>
+                    </a:ext>
+                  </a:extLst>
+                </p14:cNvPr>
+                <p14:cNvContentPartPr/>
+                <p14:nvPr/>
+              </p14:nvContentPartPr>
+              <p14:xfrm>
+                <a:off x="1837752" y="4448372"/>
+                <a:ext cx="661680" cy="59760"/>
+              </p14:xfrm>
+            </p:contentPart>
+          </mc:Choice>
+          <mc:Fallback>
+            <p:pic>
+              <p:nvPicPr>
+                <p:cNvPr id="65" name="Håndskrift 64">
+                  <a:extLst>
+                    <a:ext uri="{FF2B5EF4-FFF2-40B4-BE49-F238E27FC236}">
+                      <a16:creationId xmlns:a16="http://schemas.microsoft.com/office/drawing/2014/main" id="{65100EDD-DE84-BAC5-B68E-5A73C6D2207A}"/>
+                    </a:ext>
+                  </a:extLst>
+                </p:cNvPr>
+                <p:cNvPicPr/>
+                <p:nvPr/>
+              </p:nvPicPr>
+              <p:blipFill>
+                <a:blip r:embed="rId35"/>
+                <a:stretch>
+                  <a:fillRect/>
+                </a:stretch>
+              </p:blipFill>
+              <p:spPr>
+                <a:xfrm>
+                  <a:off x="1829112" y="4439732"/>
+                  <a:ext cx="679320" cy="77400"/>
+                </a:xfrm>
+                <a:prstGeom prst="rect">
+                  <a:avLst/>
+                </a:prstGeom>
+              </p:spPr>
+            </p:pic>
+          </mc:Fallback>
+        </mc:AlternateContent>
+        <mc:AlternateContent xmlns:mc="http://schemas.openxmlformats.org/markup-compatibility/2006">
+          <mc:Choice xmlns:p14="http://schemas.microsoft.com/office/powerpoint/2010/main" Requires="p14">
+            <p:contentPart p14:bwMode="auto" r:id="rId36">
+              <p14:nvContentPartPr>
+                <p14:cNvPr id="66" name="Håndskrift 65">
+                  <a:extLst>
+                    <a:ext uri="{FF2B5EF4-FFF2-40B4-BE49-F238E27FC236}">
+                      <a16:creationId xmlns:a16="http://schemas.microsoft.com/office/drawing/2014/main" id="{66A6A020-9D61-0A35-5171-7B432E43D7F9}"/>
+                    </a:ext>
+                  </a:extLst>
+                </p14:cNvPr>
+                <p14:cNvContentPartPr/>
+                <p14:nvPr/>
+              </p14:nvContentPartPr>
+              <p14:xfrm>
+                <a:off x="1837752" y="4505612"/>
+                <a:ext cx="642240" cy="84960"/>
+              </p14:xfrm>
+            </p:contentPart>
+          </mc:Choice>
+          <mc:Fallback>
+            <p:pic>
+              <p:nvPicPr>
+                <p:cNvPr id="66" name="Håndskrift 65">
+                  <a:extLst>
+                    <a:ext uri="{FF2B5EF4-FFF2-40B4-BE49-F238E27FC236}">
+                      <a16:creationId xmlns:a16="http://schemas.microsoft.com/office/drawing/2014/main" id="{66A6A020-9D61-0A35-5171-7B432E43D7F9}"/>
+                    </a:ext>
+                  </a:extLst>
+                </p:cNvPr>
+                <p:cNvPicPr/>
+                <p:nvPr/>
+              </p:nvPicPr>
+              <p:blipFill>
+                <a:blip r:embed="rId37"/>
+                <a:stretch>
+                  <a:fillRect/>
+                </a:stretch>
+              </p:blipFill>
+              <p:spPr>
+                <a:xfrm>
+                  <a:off x="1829112" y="4496972"/>
+                  <a:ext cx="659880" cy="102600"/>
+                </a:xfrm>
+                <a:prstGeom prst="rect">
+                  <a:avLst/>
+                </a:prstGeom>
+              </p:spPr>
+            </p:pic>
+          </mc:Fallback>
+        </mc:AlternateContent>
+      </p:grpSp>
     </p:spTree>
     <p:extLst>
       <p:ext uri="{BB962C8B-B14F-4D97-AF65-F5344CB8AC3E}">
@@ -5181,7 +6311,7 @@
                                           </p:stCondLst>
                                         </p:cTn>
                                         <p:tgtEl>
-                                          <p:spTgt spid="8"/>
+                                          <p:spTgt spid="6"/>
                                         </p:tgtEl>
                                         <p:attrNameLst>
                                           <p:attrName>style.visibility</p:attrName>
@@ -5208,34 +6338,7 @@
                                           </p:stCondLst>
                                         </p:cTn>
                                         <p:tgtEl>
-                                          <p:spTgt spid="13"/>
-                                        </p:tgtEl>
-                                        <p:attrNameLst>
-                                          <p:attrName>style.visibility</p:attrName>
-                                        </p:attrNameLst>
-                                      </p:cBhvr>
-                                      <p:to>
-                                        <p:strVal val="visible"/>
-                                      </p:to>
-                                    </p:set>
-                                  </p:childTnLst>
-                                </p:cTn>
-                              </p:par>
-                              <p:par>
-                                <p:cTn id="9" presetID="1" presetClass="entr" presetSubtype="0" fill="hold" nodeType="withEffect">
-                                  <p:stCondLst>
-                                    <p:cond delay="0"/>
-                                  </p:stCondLst>
-                                  <p:childTnLst>
-                                    <p:set>
-                                      <p:cBhvr>
-                                        <p:cTn id="10" dur="1" fill="hold">
-                                          <p:stCondLst>
-                                            <p:cond delay="0"/>
-                                          </p:stCondLst>
-                                        </p:cTn>
-                                        <p:tgtEl>
-                                          <p:spTgt spid="6"/>
+                                          <p:spTgt spid="16"/>
                                         </p:tgtEl>
                                         <p:attrNameLst>
                                           <p:attrName>style.visibility</p:attrName>
@@ -5255,19 +6358,46 @@
                     </p:cTn>
                   </p:par>
                   <p:par>
-                    <p:cTn id="11" fill="hold">
+                    <p:cTn id="9" fill="hold">
                       <p:stCondLst>
                         <p:cond delay="indefinite"/>
                       </p:stCondLst>
                       <p:childTnLst>
                         <p:par>
-                          <p:cTn id="12" fill="hold">
+                          <p:cTn id="10" fill="hold">
                             <p:stCondLst>
                               <p:cond delay="0"/>
                             </p:stCondLst>
                             <p:childTnLst>
                               <p:par>
-                                <p:cTn id="13" presetID="1" presetClass="entr" presetSubtype="0" fill="hold" nodeType="clickEffect">
+                                <p:cTn id="11" presetID="1" presetClass="entr" presetSubtype="0" fill="hold" nodeType="clickEffect">
+                                  <p:stCondLst>
+                                    <p:cond delay="0"/>
+                                  </p:stCondLst>
+                                  <p:childTnLst>
+                                    <p:set>
+                                      <p:cBhvr>
+                                        <p:cTn id="12" dur="1" fill="hold">
+                                          <p:stCondLst>
+                                            <p:cond delay="0"/>
+                                          </p:stCondLst>
+                                        </p:cTn>
+                                        <p:tgtEl>
+                                          <p:spTgt spid="13"/>
+                                        </p:tgtEl>
+                                        <p:attrNameLst>
+                                          <p:attrName>style.visibility</p:attrName>
+                                        </p:attrNameLst>
+                                      </p:cBhvr>
+                                      <p:to>
+                                        <p:strVal val="visible"/>
+                                      </p:to>
+                                    </p:set>
+                                  </p:childTnLst>
+                                </p:cTn>
+                              </p:par>
+                              <p:par>
+                                <p:cTn id="13" presetID="1" presetClass="entr" presetSubtype="0" fill="hold" nodeType="withEffect">
                                   <p:stCondLst>
                                     <p:cond delay="0"/>
                                   </p:stCondLst>
@@ -5275,6 +6405,78 @@
                                     <p:set>
                                       <p:cBhvr>
                                         <p:cTn id="14" dur="1" fill="hold">
+                                          <p:stCondLst>
+                                            <p:cond delay="0"/>
+                                          </p:stCondLst>
+                                        </p:cTn>
+                                        <p:tgtEl>
+                                          <p:spTgt spid="18"/>
+                                        </p:tgtEl>
+                                        <p:attrNameLst>
+                                          <p:attrName>style.visibility</p:attrName>
+                                        </p:attrNameLst>
+                                      </p:cBhvr>
+                                      <p:to>
+                                        <p:strVal val="visible"/>
+                                      </p:to>
+                                    </p:set>
+                                  </p:childTnLst>
+                                </p:cTn>
+                              </p:par>
+                              <p:par>
+                                <p:cTn id="15" presetID="1" presetClass="entr" presetSubtype="0" fill="hold" nodeType="withEffect">
+                                  <p:stCondLst>
+                                    <p:cond delay="0"/>
+                                  </p:stCondLst>
+                                  <p:childTnLst>
+                                    <p:set>
+                                      <p:cBhvr>
+                                        <p:cTn id="16" dur="1" fill="hold">
+                                          <p:stCondLst>
+                                            <p:cond delay="0"/>
+                                          </p:stCondLst>
+                                        </p:cTn>
+                                        <p:tgtEl>
+                                          <p:spTgt spid="8"/>
+                                        </p:tgtEl>
+                                        <p:attrNameLst>
+                                          <p:attrName>style.visibility</p:attrName>
+                                        </p:attrNameLst>
+                                      </p:cBhvr>
+                                      <p:to>
+                                        <p:strVal val="visible"/>
+                                      </p:to>
+                                    </p:set>
+                                  </p:childTnLst>
+                                </p:cTn>
+                              </p:par>
+                            </p:childTnLst>
+                          </p:cTn>
+                        </p:par>
+                      </p:childTnLst>
+                    </p:cTn>
+                  </p:par>
+                  <p:par>
+                    <p:cTn id="17" fill="hold">
+                      <p:stCondLst>
+                        <p:cond delay="indefinite"/>
+                      </p:stCondLst>
+                      <p:childTnLst>
+                        <p:par>
+                          <p:cTn id="18" fill="hold">
+                            <p:stCondLst>
+                              <p:cond delay="0"/>
+                            </p:stCondLst>
+                            <p:childTnLst>
+                              <p:par>
+                                <p:cTn id="19" presetID="1" presetClass="entr" presetSubtype="0" fill="hold" nodeType="clickEffect">
+                                  <p:stCondLst>
+                                    <p:cond delay="0"/>
+                                  </p:stCondLst>
+                                  <p:childTnLst>
+                                    <p:set>
+                                      <p:cBhvr>
+                                        <p:cTn id="20" dur="1" fill="hold">
                                           <p:stCondLst>
                                             <p:cond delay="0"/>
                                           </p:stCondLst>
@@ -5300,26 +6502,26 @@
                     </p:cTn>
                   </p:par>
                   <p:par>
-                    <p:cTn id="15" fill="hold">
+                    <p:cTn id="21" fill="hold">
                       <p:stCondLst>
                         <p:cond delay="indefinite"/>
                       </p:stCondLst>
                       <p:childTnLst>
                         <p:par>
-                          <p:cTn id="16" fill="hold">
+                          <p:cTn id="22" fill="hold">
                             <p:stCondLst>
                               <p:cond delay="0"/>
                             </p:stCondLst>
                             <p:childTnLst>
                               <p:par>
-                                <p:cTn id="17" presetID="1" presetClass="entr" presetSubtype="0" fill="hold" nodeType="clickEffect">
+                                <p:cTn id="23" presetID="1" presetClass="entr" presetSubtype="0" fill="hold" nodeType="clickEffect">
                                   <p:stCondLst>
                                     <p:cond delay="0"/>
                                   </p:stCondLst>
                                   <p:childTnLst>
                                     <p:set>
                                       <p:cBhvr>
-                                        <p:cTn id="18" dur="1" fill="hold">
+                                        <p:cTn id="24" dur="1" fill="hold">
                                           <p:stCondLst>
                                             <p:cond delay="0"/>
                                           </p:stCondLst>
@@ -5338,21 +6540,39 @@
                                   </p:childTnLst>
                                 </p:cTn>
                               </p:par>
+                            </p:childTnLst>
+                          </p:cTn>
+                        </p:par>
+                      </p:childTnLst>
+                    </p:cTn>
+                  </p:par>
+                  <p:par>
+                    <p:cTn id="25" fill="hold">
+                      <p:stCondLst>
+                        <p:cond delay="indefinite"/>
+                      </p:stCondLst>
+                      <p:childTnLst>
+                        <p:par>
+                          <p:cTn id="26" fill="hold">
+                            <p:stCondLst>
+                              <p:cond delay="0"/>
+                            </p:stCondLst>
+                            <p:childTnLst>
                               <p:par>
-                                <p:cTn id="19" presetID="1" presetClass="entr" presetSubtype="0" fill="hold" nodeType="withEffect">
+                                <p:cTn id="27" presetID="1" presetClass="entr" presetSubtype="0" fill="hold" nodeType="clickEffect">
                                   <p:stCondLst>
                                     <p:cond delay="0"/>
                                   </p:stCondLst>
                                   <p:childTnLst>
                                     <p:set>
                                       <p:cBhvr>
-                                        <p:cTn id="20" dur="1" fill="hold">
+                                        <p:cTn id="28" dur="1" fill="hold">
                                           <p:stCondLst>
                                             <p:cond delay="0"/>
                                           </p:stCondLst>
                                         </p:cTn>
                                         <p:tgtEl>
-                                          <p:spTgt spid="30"/>
+                                          <p:spTgt spid="37"/>
                                         </p:tgtEl>
                                         <p:attrNameLst>
                                           <p:attrName>style.visibility</p:attrName>
@@ -5366,14 +6586,86 @@
                                 </p:cTn>
                               </p:par>
                               <p:par>
-                                <p:cTn id="21" presetID="1" presetClass="entr" presetSubtype="0" fill="hold" nodeType="withEffect">
+                                <p:cTn id="29" presetID="1" presetClass="entr" presetSubtype="0" fill="hold" nodeType="withEffect">
                                   <p:stCondLst>
                                     <p:cond delay="0"/>
                                   </p:stCondLst>
                                   <p:childTnLst>
                                     <p:set>
                                       <p:cBhvr>
-                                        <p:cTn id="22" dur="1" fill="hold">
+                                        <p:cTn id="30" dur="1" fill="hold">
+                                          <p:stCondLst>
+                                            <p:cond delay="0"/>
+                                          </p:stCondLst>
+                                        </p:cTn>
+                                        <p:tgtEl>
+                                          <p:spTgt spid="39"/>
+                                        </p:tgtEl>
+                                        <p:attrNameLst>
+                                          <p:attrName>style.visibility</p:attrName>
+                                        </p:attrNameLst>
+                                      </p:cBhvr>
+                                      <p:to>
+                                        <p:strVal val="visible"/>
+                                      </p:to>
+                                    </p:set>
+                                  </p:childTnLst>
+                                </p:cTn>
+                              </p:par>
+                            </p:childTnLst>
+                          </p:cTn>
+                        </p:par>
+                      </p:childTnLst>
+                    </p:cTn>
+                  </p:par>
+                  <p:par>
+                    <p:cTn id="31" fill="hold">
+                      <p:stCondLst>
+                        <p:cond delay="indefinite"/>
+                      </p:stCondLst>
+                      <p:childTnLst>
+                        <p:par>
+                          <p:cTn id="32" fill="hold">
+                            <p:stCondLst>
+                              <p:cond delay="0"/>
+                            </p:stCondLst>
+                            <p:childTnLst>
+                              <p:par>
+                                <p:cTn id="33" presetID="1" presetClass="entr" presetSubtype="0" fill="hold" nodeType="clickEffect">
+                                  <p:stCondLst>
+                                    <p:cond delay="0"/>
+                                  </p:stCondLst>
+                                  <p:childTnLst>
+                                    <p:set>
+                                      <p:cBhvr>
+                                        <p:cTn id="34" dur="1" fill="hold">
+                                          <p:stCondLst>
+                                            <p:cond delay="0"/>
+                                          </p:stCondLst>
+                                        </p:cTn>
+                                        <p:tgtEl>
+                                          <p:spTgt spid="56"/>
+                                        </p:tgtEl>
+                                        <p:attrNameLst>
+                                          <p:attrName>style.visibility</p:attrName>
+                                        </p:attrNameLst>
+                                      </p:cBhvr>
+                                      <p:to>
+                                        <p:strVal val="visible"/>
+                                      </p:to>
+                                    </p:set>
+                                  </p:childTnLst>
+                                </p:cTn>
+                              </p:par>
+                              <p:par>
+                                <p:cTn id="35" presetID="1" presetClass="entr" presetSubtype="0" fill="hold" nodeType="withEffect">
+                                  <p:stCondLst>
+                                    <p:cond delay="0"/>
+                                  </p:stCondLst>
+                                  <p:childTnLst>
+                                    <p:set>
+                                      <p:cBhvr>
+                                        <p:cTn id="36" dur="1" fill="hold">
                                           <p:stCondLst>
                                             <p:cond delay="0"/>
                                           </p:stCondLst>
@@ -5392,21 +6684,93 @@
                                   </p:childTnLst>
                                 </p:cTn>
                               </p:par>
+                            </p:childTnLst>
+                          </p:cTn>
+                        </p:par>
+                      </p:childTnLst>
+                    </p:cTn>
+                  </p:par>
+                  <p:par>
+                    <p:cTn id="37" fill="hold">
+                      <p:stCondLst>
+                        <p:cond delay="indefinite"/>
+                      </p:stCondLst>
+                      <p:childTnLst>
+                        <p:par>
+                          <p:cTn id="38" fill="hold">
+                            <p:stCondLst>
+                              <p:cond delay="0"/>
+                            </p:stCondLst>
+                            <p:childTnLst>
                               <p:par>
-                                <p:cTn id="23" presetID="1" presetClass="entr" presetSubtype="0" fill="hold" nodeType="withEffect">
+                                <p:cTn id="39" presetID="1" presetClass="entr" presetSubtype="0" fill="hold" nodeType="clickEffect">
                                   <p:stCondLst>
                                     <p:cond delay="0"/>
                                   </p:stCondLst>
                                   <p:childTnLst>
                                     <p:set>
                                       <p:cBhvr>
-                                        <p:cTn id="24" dur="1" fill="hold">
+                                        <p:cTn id="40" dur="1" fill="hold">
+                                          <p:stCondLst>
+                                            <p:cond delay="0"/>
+                                          </p:stCondLst>
+                                        </p:cTn>
+                                        <p:tgtEl>
+                                          <p:spTgt spid="67"/>
+                                        </p:tgtEl>
+                                        <p:attrNameLst>
+                                          <p:attrName>style.visibility</p:attrName>
+                                        </p:attrNameLst>
+                                      </p:cBhvr>
+                                      <p:to>
+                                        <p:strVal val="visible"/>
+                                      </p:to>
+                                    </p:set>
+                                  </p:childTnLst>
+                                </p:cTn>
+                              </p:par>
+                              <p:par>
+                                <p:cTn id="41" presetID="1" presetClass="entr" presetSubtype="0" fill="hold" nodeType="withEffect">
+                                  <p:stCondLst>
+                                    <p:cond delay="0"/>
+                                  </p:stCondLst>
+                                  <p:childTnLst>
+                                    <p:set>
+                                      <p:cBhvr>
+                                        <p:cTn id="42" dur="1" fill="hold">
                                           <p:stCondLst>
                                             <p:cond delay="0"/>
                                           </p:stCondLst>
                                         </p:cTn>
                                         <p:tgtEl>
                                           <p:spTgt spid="21"/>
+                                        </p:tgtEl>
+                                        <p:attrNameLst>
+                                          <p:attrName>style.visibility</p:attrName>
+                                        </p:attrNameLst>
+                                      </p:cBhvr>
+                                      <p:to>
+                                        <p:strVal val="visible"/>
+                                      </p:to>
+                                    </p:set>
+                                  </p:childTnLst>
+                                </p:cTn>
+                              </p:par>
+                              <p:par>
+                                <p:cTn id="43" presetID="1" presetClass="entr" presetSubtype="0" fill="hold" nodeType="withEffect">
+                                  <p:stCondLst>
+                                    <p:cond delay="0"/>
+                                  </p:stCondLst>
+                                  <p:childTnLst>
+                                    <p:set>
+                                      <p:cBhvr>
+                                        <p:cTn id="44" dur="1" fill="hold">
+                                          <p:stCondLst>
+                                            <p:cond delay="0"/>
+                                          </p:stCondLst>
+                                        </p:cTn>
+                                        <p:tgtEl>
+                                          <p:spTgt spid="60"/>
                                         </p:tgtEl>
                                         <p:attrNameLst>
                                           <p:attrName>style.visibility</p:attrName>
@@ -5467,12 +6831,1083 @@
           <a:chExt cx="0" cy="0"/>
         </a:xfrm>
       </p:grpSpPr>
+      <p:pic>
+        <p:nvPicPr>
+          <p:cNvPr id="5" name="Billede 4">
+            <a:extLst>
+              <a:ext uri="{FF2B5EF4-FFF2-40B4-BE49-F238E27FC236}">
+                <a16:creationId xmlns:a16="http://schemas.microsoft.com/office/drawing/2014/main" id="{F90EDE39-B829-93C6-39BA-096F70718CB8}"/>
+              </a:ext>
+            </a:extLst>
+          </p:cNvPr>
+          <p:cNvPicPr>
+            <a:picLocks noChangeAspect="1"/>
+          </p:cNvPicPr>
+          <p:nvPr/>
+        </p:nvPicPr>
+        <p:blipFill>
+          <a:blip r:embed="rId3"/>
+          <a:stretch>
+            <a:fillRect/>
+          </a:stretch>
+        </p:blipFill>
+        <p:spPr>
+          <a:xfrm>
+            <a:off x="368236" y="167778"/>
+            <a:ext cx="10405923" cy="1244630"/>
+          </a:xfrm>
+          <a:prstGeom prst="rect">
+            <a:avLst/>
+          </a:prstGeom>
+        </p:spPr>
+      </p:pic>
+      <p:pic>
+        <p:nvPicPr>
+          <p:cNvPr id="7" name="Billede 6">
+            <a:extLst>
+              <a:ext uri="{FF2B5EF4-FFF2-40B4-BE49-F238E27FC236}">
+                <a16:creationId xmlns:a16="http://schemas.microsoft.com/office/drawing/2014/main" id="{321759FC-3F98-FCBC-33BC-106C264FD361}"/>
+              </a:ext>
+            </a:extLst>
+          </p:cNvPr>
+          <p:cNvPicPr>
+            <a:picLocks noChangeAspect="1"/>
+          </p:cNvPicPr>
+          <p:nvPr/>
+        </p:nvPicPr>
+        <p:blipFill>
+          <a:blip r:embed="rId4"/>
+          <a:stretch>
+            <a:fillRect/>
+          </a:stretch>
+        </p:blipFill>
+        <p:spPr>
+          <a:xfrm>
+            <a:off x="4338220" y="1088257"/>
+            <a:ext cx="5686425" cy="981075"/>
+          </a:xfrm>
+          <a:prstGeom prst="rect">
+            <a:avLst/>
+          </a:prstGeom>
+        </p:spPr>
+      </p:pic>
+      <p:pic>
+        <p:nvPicPr>
+          <p:cNvPr id="9" name="Billede 8">
+            <a:extLst>
+              <a:ext uri="{FF2B5EF4-FFF2-40B4-BE49-F238E27FC236}">
+                <a16:creationId xmlns:a16="http://schemas.microsoft.com/office/drawing/2014/main" id="{90CDE536-BE4C-6B94-F5C4-8034394DD000}"/>
+              </a:ext>
+            </a:extLst>
+          </p:cNvPr>
+          <p:cNvPicPr>
+            <a:picLocks noChangeAspect="1"/>
+          </p:cNvPicPr>
+          <p:nvPr/>
+        </p:nvPicPr>
+        <p:blipFill>
+          <a:blip r:embed="rId5"/>
+          <a:stretch>
+            <a:fillRect/>
+          </a:stretch>
+        </p:blipFill>
+        <p:spPr>
+          <a:xfrm>
+            <a:off x="4383512" y="1945189"/>
+            <a:ext cx="1419225" cy="409575"/>
+          </a:xfrm>
+          <a:prstGeom prst="rect">
+            <a:avLst/>
+          </a:prstGeom>
+        </p:spPr>
+      </p:pic>
+      <p:pic>
+        <p:nvPicPr>
+          <p:cNvPr id="13" name="Billede 12">
+            <a:extLst>
+              <a:ext uri="{FF2B5EF4-FFF2-40B4-BE49-F238E27FC236}">
+                <a16:creationId xmlns:a16="http://schemas.microsoft.com/office/drawing/2014/main" id="{D20A7C8C-758C-744C-ADEF-E89CEAB9CB7E}"/>
+              </a:ext>
+            </a:extLst>
+          </p:cNvPr>
+          <p:cNvPicPr>
+            <a:picLocks noChangeAspect="1"/>
+          </p:cNvPicPr>
+          <p:nvPr/>
+        </p:nvPicPr>
+        <p:blipFill>
+          <a:blip r:embed="rId6"/>
+          <a:stretch>
+            <a:fillRect/>
+          </a:stretch>
+        </p:blipFill>
+        <p:spPr>
+          <a:xfrm>
+            <a:off x="5961379" y="2079372"/>
+            <a:ext cx="2283920" cy="244405"/>
+          </a:xfrm>
+          <a:prstGeom prst="rect">
+            <a:avLst/>
+          </a:prstGeom>
+        </p:spPr>
+      </p:pic>
+      <p:pic>
+        <p:nvPicPr>
+          <p:cNvPr id="15" name="Billede 14">
+            <a:extLst>
+              <a:ext uri="{FF2B5EF4-FFF2-40B4-BE49-F238E27FC236}">
+                <a16:creationId xmlns:a16="http://schemas.microsoft.com/office/drawing/2014/main" id="{E6511CF7-B9B6-D758-ECC3-729BD2E821C1}"/>
+              </a:ext>
+            </a:extLst>
+          </p:cNvPr>
+          <p:cNvPicPr>
+            <a:picLocks noChangeAspect="1"/>
+          </p:cNvPicPr>
+          <p:nvPr/>
+        </p:nvPicPr>
+        <p:blipFill>
+          <a:blip r:embed="rId7"/>
+          <a:stretch>
+            <a:fillRect/>
+          </a:stretch>
+        </p:blipFill>
+        <p:spPr>
+          <a:xfrm>
+            <a:off x="781587" y="1420879"/>
+            <a:ext cx="1905000" cy="1381125"/>
+          </a:xfrm>
+          <a:prstGeom prst="rect">
+            <a:avLst/>
+          </a:prstGeom>
+        </p:spPr>
+      </p:pic>
+      <p:pic>
+        <p:nvPicPr>
+          <p:cNvPr id="17" name="Billede 16">
+            <a:extLst>
+              <a:ext uri="{FF2B5EF4-FFF2-40B4-BE49-F238E27FC236}">
+                <a16:creationId xmlns:a16="http://schemas.microsoft.com/office/drawing/2014/main" id="{8BB02928-24D3-2CD2-B0F6-C0D7DFB566C9}"/>
+              </a:ext>
+            </a:extLst>
+          </p:cNvPr>
+          <p:cNvPicPr>
+            <a:picLocks noChangeAspect="1"/>
+          </p:cNvPicPr>
+          <p:nvPr/>
+        </p:nvPicPr>
+        <p:blipFill>
+          <a:blip r:embed="rId8"/>
+          <a:stretch>
+            <a:fillRect/>
+          </a:stretch>
+        </p:blipFill>
+        <p:spPr>
+          <a:xfrm>
+            <a:off x="885710" y="3091156"/>
+            <a:ext cx="3371850" cy="333375"/>
+          </a:xfrm>
+          <a:prstGeom prst="rect">
+            <a:avLst/>
+          </a:prstGeom>
+        </p:spPr>
+      </p:pic>
+      <p:pic>
+        <p:nvPicPr>
+          <p:cNvPr id="19" name="Billede 18">
+            <a:extLst>
+              <a:ext uri="{FF2B5EF4-FFF2-40B4-BE49-F238E27FC236}">
+                <a16:creationId xmlns:a16="http://schemas.microsoft.com/office/drawing/2014/main" id="{A5AF482E-CD97-E673-56E6-2EE59583FF52}"/>
+              </a:ext>
+            </a:extLst>
+          </p:cNvPr>
+          <p:cNvPicPr>
+            <a:picLocks noChangeAspect="1"/>
+          </p:cNvPicPr>
+          <p:nvPr/>
+        </p:nvPicPr>
+        <p:blipFill>
+          <a:blip r:embed="rId9"/>
+          <a:stretch>
+            <a:fillRect/>
+          </a:stretch>
+        </p:blipFill>
+        <p:spPr>
+          <a:xfrm>
+            <a:off x="781587" y="3438076"/>
+            <a:ext cx="1562100" cy="1409700"/>
+          </a:xfrm>
+          <a:prstGeom prst="rect">
+            <a:avLst/>
+          </a:prstGeom>
+        </p:spPr>
+      </p:pic>
+      <p:pic>
+        <p:nvPicPr>
+          <p:cNvPr id="24" name="Billede 23">
+            <a:extLst>
+              <a:ext uri="{FF2B5EF4-FFF2-40B4-BE49-F238E27FC236}">
+                <a16:creationId xmlns:a16="http://schemas.microsoft.com/office/drawing/2014/main" id="{F4B3D34B-9FA8-1246-D854-EC159ABD0F5C}"/>
+              </a:ext>
+            </a:extLst>
+          </p:cNvPr>
+          <p:cNvPicPr>
+            <a:picLocks noChangeAspect="1"/>
+          </p:cNvPicPr>
+          <p:nvPr/>
+        </p:nvPicPr>
+        <p:blipFill>
+          <a:blip r:embed="rId10"/>
+          <a:stretch>
+            <a:fillRect/>
+          </a:stretch>
+        </p:blipFill>
+        <p:spPr>
+          <a:xfrm>
+            <a:off x="720523" y="4822750"/>
+            <a:ext cx="6181725" cy="400050"/>
+          </a:xfrm>
+          <a:prstGeom prst="rect">
+            <a:avLst/>
+          </a:prstGeom>
+        </p:spPr>
+      </p:pic>
+      <p:pic>
+        <p:nvPicPr>
+          <p:cNvPr id="26" name="Billede 25">
+            <a:extLst>
+              <a:ext uri="{FF2B5EF4-FFF2-40B4-BE49-F238E27FC236}">
+                <a16:creationId xmlns:a16="http://schemas.microsoft.com/office/drawing/2014/main" id="{AC09E10F-0AC5-6DF4-3BAA-2A3B40868543}"/>
+              </a:ext>
+            </a:extLst>
+          </p:cNvPr>
+          <p:cNvPicPr>
+            <a:picLocks noChangeAspect="1"/>
+          </p:cNvPicPr>
+          <p:nvPr/>
+        </p:nvPicPr>
+        <p:blipFill>
+          <a:blip r:embed="rId11"/>
+          <a:stretch>
+            <a:fillRect/>
+          </a:stretch>
+        </p:blipFill>
+        <p:spPr>
+          <a:xfrm>
+            <a:off x="653986" y="5349741"/>
+            <a:ext cx="4352925" cy="742950"/>
+          </a:xfrm>
+          <a:prstGeom prst="rect">
+            <a:avLst/>
+          </a:prstGeom>
+        </p:spPr>
+      </p:pic>
+      <p:pic>
+        <p:nvPicPr>
+          <p:cNvPr id="28" name="Billede 27">
+            <a:extLst>
+              <a:ext uri="{FF2B5EF4-FFF2-40B4-BE49-F238E27FC236}">
+                <a16:creationId xmlns:a16="http://schemas.microsoft.com/office/drawing/2014/main" id="{2DBFDA59-725C-13C9-F6A8-38F861D4C01B}"/>
+              </a:ext>
+            </a:extLst>
+          </p:cNvPr>
+          <p:cNvPicPr>
+            <a:picLocks noChangeAspect="1"/>
+          </p:cNvPicPr>
+          <p:nvPr/>
+        </p:nvPicPr>
+        <p:blipFill>
+          <a:blip r:embed="rId12"/>
+          <a:stretch>
+            <a:fillRect/>
+          </a:stretch>
+        </p:blipFill>
+        <p:spPr>
+          <a:xfrm>
+            <a:off x="6963312" y="3527350"/>
+            <a:ext cx="990600" cy="2990850"/>
+          </a:xfrm>
+          <a:prstGeom prst="rect">
+            <a:avLst/>
+          </a:prstGeom>
+        </p:spPr>
+      </p:pic>
+      <p:pic>
+        <p:nvPicPr>
+          <p:cNvPr id="30" name="Billede 29">
+            <a:extLst>
+              <a:ext uri="{FF2B5EF4-FFF2-40B4-BE49-F238E27FC236}">
+                <a16:creationId xmlns:a16="http://schemas.microsoft.com/office/drawing/2014/main" id="{78A85D46-7F05-6428-B4A9-38C9CEEC600A}"/>
+              </a:ext>
+            </a:extLst>
+          </p:cNvPr>
+          <p:cNvPicPr>
+            <a:picLocks noChangeAspect="1"/>
+          </p:cNvPicPr>
+          <p:nvPr/>
+        </p:nvPicPr>
+        <p:blipFill>
+          <a:blip r:embed="rId13"/>
+          <a:stretch>
+            <a:fillRect/>
+          </a:stretch>
+        </p:blipFill>
+        <p:spPr>
+          <a:xfrm>
+            <a:off x="8245299" y="4693837"/>
+            <a:ext cx="1019175" cy="790575"/>
+          </a:xfrm>
+          <a:prstGeom prst="rect">
+            <a:avLst/>
+          </a:prstGeom>
+        </p:spPr>
+      </p:pic>
+      <p:pic>
+        <p:nvPicPr>
+          <p:cNvPr id="32" name="Billede 31">
+            <a:extLst>
+              <a:ext uri="{FF2B5EF4-FFF2-40B4-BE49-F238E27FC236}">
+                <a16:creationId xmlns:a16="http://schemas.microsoft.com/office/drawing/2014/main" id="{DB1AD1D5-23D1-2D65-E457-544DFF61E3B3}"/>
+              </a:ext>
+            </a:extLst>
+          </p:cNvPr>
+          <p:cNvPicPr>
+            <a:picLocks noChangeAspect="1"/>
+          </p:cNvPicPr>
+          <p:nvPr/>
+        </p:nvPicPr>
+        <p:blipFill>
+          <a:blip r:embed="rId14"/>
+          <a:stretch>
+            <a:fillRect/>
+          </a:stretch>
+        </p:blipFill>
+        <p:spPr>
+          <a:xfrm>
+            <a:off x="9515057" y="4198536"/>
+            <a:ext cx="1019175" cy="1781175"/>
+          </a:xfrm>
+          <a:prstGeom prst="rect">
+            <a:avLst/>
+          </a:prstGeom>
+        </p:spPr>
+      </p:pic>
+      <p:pic>
+        <p:nvPicPr>
+          <p:cNvPr id="34" name="Billede 33">
+            <a:extLst>
+              <a:ext uri="{FF2B5EF4-FFF2-40B4-BE49-F238E27FC236}">
+                <a16:creationId xmlns:a16="http://schemas.microsoft.com/office/drawing/2014/main" id="{ABE9A64C-4869-480E-15E6-E463DA3E8DC6}"/>
+              </a:ext>
+            </a:extLst>
+          </p:cNvPr>
+          <p:cNvPicPr>
+            <a:picLocks noChangeAspect="1"/>
+          </p:cNvPicPr>
+          <p:nvPr/>
+        </p:nvPicPr>
+        <p:blipFill>
+          <a:blip r:embed="rId15"/>
+          <a:stretch>
+            <a:fillRect/>
+          </a:stretch>
+        </p:blipFill>
+        <p:spPr>
+          <a:xfrm>
+            <a:off x="482536" y="1578794"/>
+            <a:ext cx="342900" cy="409575"/>
+          </a:xfrm>
+          <a:prstGeom prst="rect">
+            <a:avLst/>
+          </a:prstGeom>
+        </p:spPr>
+      </p:pic>
+      <mc:AlternateContent xmlns:mc="http://schemas.openxmlformats.org/markup-compatibility/2006">
+        <mc:Choice xmlns:p14="http://schemas.microsoft.com/office/powerpoint/2010/main" Requires="p14">
+          <p:contentPart p14:bwMode="auto" r:id="rId16">
+            <p14:nvContentPartPr>
+              <p14:cNvPr id="35" name="Håndskrift 34">
+                <a:extLst>
+                  <a:ext uri="{FF2B5EF4-FFF2-40B4-BE49-F238E27FC236}">
+                    <a16:creationId xmlns:a16="http://schemas.microsoft.com/office/drawing/2014/main" id="{17566D18-935D-A0C2-CD02-F02E11ACC232}"/>
+                  </a:ext>
+                </a:extLst>
+              </p14:cNvPr>
+              <p14:cNvContentPartPr/>
+              <p14:nvPr/>
+            </p14:nvContentPartPr>
+            <p14:xfrm>
+              <a:off x="1808913" y="2077588"/>
+              <a:ext cx="846000" cy="381960"/>
+            </p14:xfrm>
+          </p:contentPart>
+        </mc:Choice>
+        <mc:Fallback>
+          <p:pic>
+            <p:nvPicPr>
+              <p:cNvPr id="35" name="Håndskrift 34">
+                <a:extLst>
+                  <a:ext uri="{FF2B5EF4-FFF2-40B4-BE49-F238E27FC236}">
+                    <a16:creationId xmlns:a16="http://schemas.microsoft.com/office/drawing/2014/main" id="{17566D18-935D-A0C2-CD02-F02E11ACC232}"/>
+                  </a:ext>
+                </a:extLst>
+              </p:cNvPr>
+              <p:cNvPicPr/>
+              <p:nvPr/>
+            </p:nvPicPr>
+            <p:blipFill>
+              <a:blip r:embed="rId17"/>
+              <a:stretch>
+                <a:fillRect/>
+              </a:stretch>
+            </p:blipFill>
+            <p:spPr>
+              <a:xfrm>
+                <a:off x="1800273" y="2068588"/>
+                <a:ext cx="863640" cy="399600"/>
+              </a:xfrm>
+              <a:prstGeom prst="rect">
+                <a:avLst/>
+              </a:prstGeom>
+            </p:spPr>
+          </p:pic>
+        </mc:Fallback>
+      </mc:AlternateContent>
+      <mc:AlternateContent xmlns:mc="http://schemas.openxmlformats.org/markup-compatibility/2006">
+        <mc:Choice xmlns:p14="http://schemas.microsoft.com/office/powerpoint/2010/main" Requires="p14">
+          <p:contentPart p14:bwMode="auto" r:id="rId18">
+            <p14:nvContentPartPr>
+              <p14:cNvPr id="37" name="Håndskrift 36">
+                <a:extLst>
+                  <a:ext uri="{FF2B5EF4-FFF2-40B4-BE49-F238E27FC236}">
+                    <a16:creationId xmlns:a16="http://schemas.microsoft.com/office/drawing/2014/main" id="{5AE47AFB-D2FF-99B7-7ED6-2441A82E0E5F}"/>
+                  </a:ext>
+                </a:extLst>
+              </p14:cNvPr>
+              <p14:cNvContentPartPr/>
+              <p14:nvPr/>
+            </p14:nvContentPartPr>
+            <p14:xfrm>
+              <a:off x="701913" y="4830508"/>
+              <a:ext cx="365400" cy="360360"/>
+            </p14:xfrm>
+          </p:contentPart>
+        </mc:Choice>
+        <mc:Fallback>
+          <p:pic>
+            <p:nvPicPr>
+              <p:cNvPr id="37" name="Håndskrift 36">
+                <a:extLst>
+                  <a:ext uri="{FF2B5EF4-FFF2-40B4-BE49-F238E27FC236}">
+                    <a16:creationId xmlns:a16="http://schemas.microsoft.com/office/drawing/2014/main" id="{5AE47AFB-D2FF-99B7-7ED6-2441A82E0E5F}"/>
+                  </a:ext>
+                </a:extLst>
+              </p:cNvPr>
+              <p:cNvPicPr/>
+              <p:nvPr/>
+            </p:nvPicPr>
+            <p:blipFill>
+              <a:blip r:embed="rId19"/>
+              <a:stretch>
+                <a:fillRect/>
+              </a:stretch>
+            </p:blipFill>
+            <p:spPr>
+              <a:xfrm>
+                <a:off x="692913" y="4821868"/>
+                <a:ext cx="383040" cy="378000"/>
+              </a:xfrm>
+              <a:prstGeom prst="rect">
+                <a:avLst/>
+              </a:prstGeom>
+            </p:spPr>
+          </p:pic>
+        </mc:Fallback>
+      </mc:AlternateContent>
+      <p:grpSp>
+        <p:nvGrpSpPr>
+          <p:cNvPr id="40" name="Gruppe 39">
+            <a:extLst>
+              <a:ext uri="{FF2B5EF4-FFF2-40B4-BE49-F238E27FC236}">
+                <a16:creationId xmlns:a16="http://schemas.microsoft.com/office/drawing/2014/main" id="{A61E57FB-67A2-9D1A-71A7-F5646217F64D}"/>
+              </a:ext>
+            </a:extLst>
+          </p:cNvPr>
+          <p:cNvGrpSpPr/>
+          <p:nvPr/>
+        </p:nvGrpSpPr>
+        <p:grpSpPr>
+          <a:xfrm>
+            <a:off x="548913" y="5157748"/>
+            <a:ext cx="161280" cy="464040"/>
+            <a:chOff x="548913" y="5157748"/>
+            <a:chExt cx="161280" cy="464040"/>
+          </a:xfrm>
+        </p:grpSpPr>
+        <mc:AlternateContent xmlns:mc="http://schemas.openxmlformats.org/markup-compatibility/2006">
+          <mc:Choice xmlns:p14="http://schemas.microsoft.com/office/powerpoint/2010/main" Requires="p14">
+            <p:contentPart p14:bwMode="auto" r:id="rId20">
+              <p14:nvContentPartPr>
+                <p14:cNvPr id="38" name="Håndskrift 37">
+                  <a:extLst>
+                    <a:ext uri="{FF2B5EF4-FFF2-40B4-BE49-F238E27FC236}">
+                      <a16:creationId xmlns:a16="http://schemas.microsoft.com/office/drawing/2014/main" id="{765771FA-D85B-EAC8-EDD5-5C13FA5B5737}"/>
+                    </a:ext>
+                  </a:extLst>
+                </p14:cNvPr>
+                <p14:cNvContentPartPr/>
+                <p14:nvPr/>
+              </p14:nvContentPartPr>
+              <p14:xfrm>
+                <a:off x="548913" y="5157748"/>
+                <a:ext cx="161280" cy="425880"/>
+              </p14:xfrm>
+            </p:contentPart>
+          </mc:Choice>
+          <mc:Fallback>
+            <p:pic>
+              <p:nvPicPr>
+                <p:cNvPr id="38" name="Håndskrift 37">
+                  <a:extLst>
+                    <a:ext uri="{FF2B5EF4-FFF2-40B4-BE49-F238E27FC236}">
+                      <a16:creationId xmlns:a16="http://schemas.microsoft.com/office/drawing/2014/main" id="{765771FA-D85B-EAC8-EDD5-5C13FA5B5737}"/>
+                    </a:ext>
+                  </a:extLst>
+                </p:cNvPr>
+                <p:cNvPicPr/>
+                <p:nvPr/>
+              </p:nvPicPr>
+              <p:blipFill>
+                <a:blip r:embed="rId21"/>
+                <a:stretch>
+                  <a:fillRect/>
+                </a:stretch>
+              </p:blipFill>
+              <p:spPr>
+                <a:xfrm>
+                  <a:off x="539913" y="5148748"/>
+                  <a:ext cx="178920" cy="443520"/>
+                </a:xfrm>
+                <a:prstGeom prst="rect">
+                  <a:avLst/>
+                </a:prstGeom>
+              </p:spPr>
+            </p:pic>
+          </mc:Fallback>
+        </mc:AlternateContent>
+        <mc:AlternateContent xmlns:mc="http://schemas.openxmlformats.org/markup-compatibility/2006">
+          <mc:Choice xmlns:p14="http://schemas.microsoft.com/office/powerpoint/2010/main" Requires="p14">
+            <p:contentPart p14:bwMode="auto" r:id="rId22">
+              <p14:nvContentPartPr>
+                <p14:cNvPr id="39" name="Håndskrift 38">
+                  <a:extLst>
+                    <a:ext uri="{FF2B5EF4-FFF2-40B4-BE49-F238E27FC236}">
+                      <a16:creationId xmlns:a16="http://schemas.microsoft.com/office/drawing/2014/main" id="{A0D3C94D-3BC1-6A31-B84B-49E60719D4EA}"/>
+                    </a:ext>
+                  </a:extLst>
+                </p14:cNvPr>
+                <p14:cNvContentPartPr/>
+                <p14:nvPr/>
+              </p14:nvContentPartPr>
+              <p14:xfrm>
+                <a:off x="553233" y="5565988"/>
+                <a:ext cx="121680" cy="55800"/>
+              </p14:xfrm>
+            </p:contentPart>
+          </mc:Choice>
+          <mc:Fallback>
+            <p:pic>
+              <p:nvPicPr>
+                <p:cNvPr id="39" name="Håndskrift 38">
+                  <a:extLst>
+                    <a:ext uri="{FF2B5EF4-FFF2-40B4-BE49-F238E27FC236}">
+                      <a16:creationId xmlns:a16="http://schemas.microsoft.com/office/drawing/2014/main" id="{A0D3C94D-3BC1-6A31-B84B-49E60719D4EA}"/>
+                    </a:ext>
+                  </a:extLst>
+                </p:cNvPr>
+                <p:cNvPicPr/>
+                <p:nvPr/>
+              </p:nvPicPr>
+              <p:blipFill>
+                <a:blip r:embed="rId23"/>
+                <a:stretch>
+                  <a:fillRect/>
+                </a:stretch>
+              </p:blipFill>
+              <p:spPr>
+                <a:xfrm>
+                  <a:off x="544233" y="5557348"/>
+                  <a:ext cx="139320" cy="73440"/>
+                </a:xfrm>
+                <a:prstGeom prst="rect">
+                  <a:avLst/>
+                </a:prstGeom>
+              </p:spPr>
+            </p:pic>
+          </mc:Fallback>
+        </mc:AlternateContent>
+      </p:grpSp>
+    </p:spTree>
+    <p:extLst>
+      <p:ext uri="{BB962C8B-B14F-4D97-AF65-F5344CB8AC3E}">
+        <p14:creationId xmlns:p14="http://schemas.microsoft.com/office/powerpoint/2010/main" val="2218653605"/>
+      </p:ext>
+    </p:extLst>
+  </p:cSld>
+  <p:clrMapOvr>
+    <a:masterClrMapping/>
+  </p:clrMapOvr>
+  <p:timing>
+    <p:tnLst>
+      <p:par>
+        <p:cTn id="1" dur="indefinite" restart="never" nodeType="tmRoot">
+          <p:childTnLst>
+            <p:seq concurrent="1" nextAc="seek">
+              <p:cTn id="2" dur="indefinite" nodeType="mainSeq">
+                <p:childTnLst>
+                  <p:par>
+                    <p:cTn id="3" fill="hold">
+                      <p:stCondLst>
+                        <p:cond delay="indefinite"/>
+                      </p:stCondLst>
+                      <p:childTnLst>
+                        <p:par>
+                          <p:cTn id="4" fill="hold">
+                            <p:stCondLst>
+                              <p:cond delay="0"/>
+                            </p:stCondLst>
+                            <p:childTnLst>
+                              <p:par>
+                                <p:cTn id="5" presetID="1" presetClass="entr" presetSubtype="0" fill="hold" nodeType="clickEffect">
+                                  <p:stCondLst>
+                                    <p:cond delay="0"/>
+                                  </p:stCondLst>
+                                  <p:childTnLst>
+                                    <p:set>
+                                      <p:cBhvr>
+                                        <p:cTn id="6" dur="1" fill="hold">
+                                          <p:stCondLst>
+                                            <p:cond delay="0"/>
+                                          </p:stCondLst>
+                                        </p:cTn>
+                                        <p:tgtEl>
+                                          <p:spTgt spid="17"/>
+                                        </p:tgtEl>
+                                        <p:attrNameLst>
+                                          <p:attrName>style.visibility</p:attrName>
+                                        </p:attrNameLst>
+                                      </p:cBhvr>
+                                      <p:to>
+                                        <p:strVal val="visible"/>
+                                      </p:to>
+                                    </p:set>
+                                  </p:childTnLst>
+                                </p:cTn>
+                              </p:par>
+                              <p:par>
+                                <p:cTn id="7" presetID="1" presetClass="entr" presetSubtype="0" fill="hold" nodeType="withEffect">
+                                  <p:stCondLst>
+                                    <p:cond delay="0"/>
+                                  </p:stCondLst>
+                                  <p:childTnLst>
+                                    <p:set>
+                                      <p:cBhvr>
+                                        <p:cTn id="8" dur="1" fill="hold">
+                                          <p:stCondLst>
+                                            <p:cond delay="0"/>
+                                          </p:stCondLst>
+                                        </p:cTn>
+                                        <p:tgtEl>
+                                          <p:spTgt spid="19"/>
+                                        </p:tgtEl>
+                                        <p:attrNameLst>
+                                          <p:attrName>style.visibility</p:attrName>
+                                        </p:attrNameLst>
+                                      </p:cBhvr>
+                                      <p:to>
+                                        <p:strVal val="visible"/>
+                                      </p:to>
+                                    </p:set>
+                                  </p:childTnLst>
+                                </p:cTn>
+                              </p:par>
+                            </p:childTnLst>
+                          </p:cTn>
+                        </p:par>
+                      </p:childTnLst>
+                    </p:cTn>
+                  </p:par>
+                  <p:par>
+                    <p:cTn id="9" fill="hold">
+                      <p:stCondLst>
+                        <p:cond delay="indefinite"/>
+                      </p:stCondLst>
+                      <p:childTnLst>
+                        <p:par>
+                          <p:cTn id="10" fill="hold">
+                            <p:stCondLst>
+                              <p:cond delay="0"/>
+                            </p:stCondLst>
+                            <p:childTnLst>
+                              <p:par>
+                                <p:cTn id="11" presetID="1" presetClass="entr" presetSubtype="0" fill="hold" nodeType="clickEffect">
+                                  <p:stCondLst>
+                                    <p:cond delay="0"/>
+                                  </p:stCondLst>
+                                  <p:childTnLst>
+                                    <p:set>
+                                      <p:cBhvr>
+                                        <p:cTn id="12" dur="1" fill="hold">
+                                          <p:stCondLst>
+                                            <p:cond delay="0"/>
+                                          </p:stCondLst>
+                                        </p:cTn>
+                                        <p:tgtEl>
+                                          <p:spTgt spid="35"/>
+                                        </p:tgtEl>
+                                        <p:attrNameLst>
+                                          <p:attrName>style.visibility</p:attrName>
+                                        </p:attrNameLst>
+                                      </p:cBhvr>
+                                      <p:to>
+                                        <p:strVal val="visible"/>
+                                      </p:to>
+                                    </p:set>
+                                  </p:childTnLst>
+                                </p:cTn>
+                              </p:par>
+                            </p:childTnLst>
+                          </p:cTn>
+                        </p:par>
+                      </p:childTnLst>
+                    </p:cTn>
+                  </p:par>
+                  <p:par>
+                    <p:cTn id="13" fill="hold">
+                      <p:stCondLst>
+                        <p:cond delay="indefinite"/>
+                      </p:stCondLst>
+                      <p:childTnLst>
+                        <p:par>
+                          <p:cTn id="14" fill="hold">
+                            <p:stCondLst>
+                              <p:cond delay="0"/>
+                            </p:stCondLst>
+                            <p:childTnLst>
+                              <p:par>
+                                <p:cTn id="15" presetID="1" presetClass="entr" presetSubtype="0" fill="hold" nodeType="clickEffect">
+                                  <p:stCondLst>
+                                    <p:cond delay="0"/>
+                                  </p:stCondLst>
+                                  <p:childTnLst>
+                                    <p:set>
+                                      <p:cBhvr>
+                                        <p:cTn id="16" dur="1" fill="hold">
+                                          <p:stCondLst>
+                                            <p:cond delay="0"/>
+                                          </p:stCondLst>
+                                        </p:cTn>
+                                        <p:tgtEl>
+                                          <p:spTgt spid="24"/>
+                                        </p:tgtEl>
+                                        <p:attrNameLst>
+                                          <p:attrName>style.visibility</p:attrName>
+                                        </p:attrNameLst>
+                                      </p:cBhvr>
+                                      <p:to>
+                                        <p:strVal val="visible"/>
+                                      </p:to>
+                                    </p:set>
+                                  </p:childTnLst>
+                                </p:cTn>
+                              </p:par>
+                            </p:childTnLst>
+                          </p:cTn>
+                        </p:par>
+                      </p:childTnLst>
+                    </p:cTn>
+                  </p:par>
+                  <p:par>
+                    <p:cTn id="17" fill="hold">
+                      <p:stCondLst>
+                        <p:cond delay="indefinite"/>
+                      </p:stCondLst>
+                      <p:childTnLst>
+                        <p:par>
+                          <p:cTn id="18" fill="hold">
+                            <p:stCondLst>
+                              <p:cond delay="0"/>
+                            </p:stCondLst>
+                            <p:childTnLst>
+                              <p:par>
+                                <p:cTn id="19" presetID="1" presetClass="entr" presetSubtype="0" fill="hold" nodeType="clickEffect">
+                                  <p:stCondLst>
+                                    <p:cond delay="0"/>
+                                  </p:stCondLst>
+                                  <p:childTnLst>
+                                    <p:set>
+                                      <p:cBhvr>
+                                        <p:cTn id="20" dur="1" fill="hold">
+                                          <p:stCondLst>
+                                            <p:cond delay="0"/>
+                                          </p:stCondLst>
+                                        </p:cTn>
+                                        <p:tgtEl>
+                                          <p:spTgt spid="37"/>
+                                        </p:tgtEl>
+                                        <p:attrNameLst>
+                                          <p:attrName>style.visibility</p:attrName>
+                                        </p:attrNameLst>
+                                      </p:cBhvr>
+                                      <p:to>
+                                        <p:strVal val="visible"/>
+                                      </p:to>
+                                    </p:set>
+                                  </p:childTnLst>
+                                </p:cTn>
+                              </p:par>
+                            </p:childTnLst>
+                          </p:cTn>
+                        </p:par>
+                      </p:childTnLst>
+                    </p:cTn>
+                  </p:par>
+                  <p:par>
+                    <p:cTn id="21" fill="hold">
+                      <p:stCondLst>
+                        <p:cond delay="indefinite"/>
+                      </p:stCondLst>
+                      <p:childTnLst>
+                        <p:par>
+                          <p:cTn id="22" fill="hold">
+                            <p:stCondLst>
+                              <p:cond delay="0"/>
+                            </p:stCondLst>
+                            <p:childTnLst>
+                              <p:par>
+                                <p:cTn id="23" presetID="1" presetClass="entr" presetSubtype="0" fill="hold" nodeType="clickEffect">
+                                  <p:stCondLst>
+                                    <p:cond delay="0"/>
+                                  </p:stCondLst>
+                                  <p:childTnLst>
+                                    <p:set>
+                                      <p:cBhvr>
+                                        <p:cTn id="24" dur="1" fill="hold">
+                                          <p:stCondLst>
+                                            <p:cond delay="0"/>
+                                          </p:stCondLst>
+                                        </p:cTn>
+                                        <p:tgtEl>
+                                          <p:spTgt spid="40"/>
+                                        </p:tgtEl>
+                                        <p:attrNameLst>
+                                          <p:attrName>style.visibility</p:attrName>
+                                        </p:attrNameLst>
+                                      </p:cBhvr>
+                                      <p:to>
+                                        <p:strVal val="visible"/>
+                                      </p:to>
+                                    </p:set>
+                                  </p:childTnLst>
+                                </p:cTn>
+                              </p:par>
+                              <p:par>
+                                <p:cTn id="25" presetID="1" presetClass="entr" presetSubtype="0" fill="hold" nodeType="withEffect">
+                                  <p:stCondLst>
+                                    <p:cond delay="0"/>
+                                  </p:stCondLst>
+                                  <p:childTnLst>
+                                    <p:set>
+                                      <p:cBhvr>
+                                        <p:cTn id="26" dur="1" fill="hold">
+                                          <p:stCondLst>
+                                            <p:cond delay="0"/>
+                                          </p:stCondLst>
+                                        </p:cTn>
+                                        <p:tgtEl>
+                                          <p:spTgt spid="26"/>
+                                        </p:tgtEl>
+                                        <p:attrNameLst>
+                                          <p:attrName>style.visibility</p:attrName>
+                                        </p:attrNameLst>
+                                      </p:cBhvr>
+                                      <p:to>
+                                        <p:strVal val="visible"/>
+                                      </p:to>
+                                    </p:set>
+                                  </p:childTnLst>
+                                </p:cTn>
+                              </p:par>
+                            </p:childTnLst>
+                          </p:cTn>
+                        </p:par>
+                      </p:childTnLst>
+                    </p:cTn>
+                  </p:par>
+                  <p:par>
+                    <p:cTn id="27" fill="hold">
+                      <p:stCondLst>
+                        <p:cond delay="indefinite"/>
+                      </p:stCondLst>
+                      <p:childTnLst>
+                        <p:par>
+                          <p:cTn id="28" fill="hold">
+                            <p:stCondLst>
+                              <p:cond delay="0"/>
+                            </p:stCondLst>
+                            <p:childTnLst>
+                              <p:par>
+                                <p:cTn id="29" presetID="1" presetClass="entr" presetSubtype="0" fill="hold" nodeType="clickEffect">
+                                  <p:stCondLst>
+                                    <p:cond delay="0"/>
+                                  </p:stCondLst>
+                                  <p:childTnLst>
+                                    <p:set>
+                                      <p:cBhvr>
+                                        <p:cTn id="30" dur="1" fill="hold">
+                                          <p:stCondLst>
+                                            <p:cond delay="0"/>
+                                          </p:stCondLst>
+                                        </p:cTn>
+                                        <p:tgtEl>
+                                          <p:spTgt spid="28"/>
+                                        </p:tgtEl>
+                                        <p:attrNameLst>
+                                          <p:attrName>style.visibility</p:attrName>
+                                        </p:attrNameLst>
+                                      </p:cBhvr>
+                                      <p:to>
+                                        <p:strVal val="visible"/>
+                                      </p:to>
+                                    </p:set>
+                                  </p:childTnLst>
+                                </p:cTn>
+                              </p:par>
+                            </p:childTnLst>
+                          </p:cTn>
+                        </p:par>
+                      </p:childTnLst>
+                    </p:cTn>
+                  </p:par>
+                  <p:par>
+                    <p:cTn id="31" fill="hold">
+                      <p:stCondLst>
+                        <p:cond delay="indefinite"/>
+                      </p:stCondLst>
+                      <p:childTnLst>
+                        <p:par>
+                          <p:cTn id="32" fill="hold">
+                            <p:stCondLst>
+                              <p:cond delay="0"/>
+                            </p:stCondLst>
+                            <p:childTnLst>
+                              <p:par>
+                                <p:cTn id="33" presetID="1" presetClass="entr" presetSubtype="0" fill="hold" nodeType="clickEffect">
+                                  <p:stCondLst>
+                                    <p:cond delay="0"/>
+                                  </p:stCondLst>
+                                  <p:childTnLst>
+                                    <p:set>
+                                      <p:cBhvr>
+                                        <p:cTn id="34" dur="1" fill="hold">
+                                          <p:stCondLst>
+                                            <p:cond delay="0"/>
+                                          </p:stCondLst>
+                                        </p:cTn>
+                                        <p:tgtEl>
+                                          <p:spTgt spid="30"/>
+                                        </p:tgtEl>
+                                        <p:attrNameLst>
+                                          <p:attrName>style.visibility</p:attrName>
+                                        </p:attrNameLst>
+                                      </p:cBhvr>
+                                      <p:to>
+                                        <p:strVal val="visible"/>
+                                      </p:to>
+                                    </p:set>
+                                  </p:childTnLst>
+                                </p:cTn>
+                              </p:par>
+                              <p:par>
+                                <p:cTn id="35" presetID="1" presetClass="entr" presetSubtype="0" fill="hold" nodeType="withEffect">
+                                  <p:stCondLst>
+                                    <p:cond delay="0"/>
+                                  </p:stCondLst>
+                                  <p:childTnLst>
+                                    <p:set>
+                                      <p:cBhvr>
+                                        <p:cTn id="36" dur="1" fill="hold">
+                                          <p:stCondLst>
+                                            <p:cond delay="0"/>
+                                          </p:stCondLst>
+                                        </p:cTn>
+                                        <p:tgtEl>
+                                          <p:spTgt spid="32"/>
+                                        </p:tgtEl>
+                                        <p:attrNameLst>
+                                          <p:attrName>style.visibility</p:attrName>
+                                        </p:attrNameLst>
+                                      </p:cBhvr>
+                                      <p:to>
+                                        <p:strVal val="visible"/>
+                                      </p:to>
+                                    </p:set>
+                                  </p:childTnLst>
+                                </p:cTn>
+                              </p:par>
+                            </p:childTnLst>
+                          </p:cTn>
+                        </p:par>
+                      </p:childTnLst>
+                    </p:cTn>
+                  </p:par>
+                </p:childTnLst>
+              </p:cTn>
+              <p:prevCondLst>
+                <p:cond evt="onPrev" delay="0">
+                  <p:tgtEl>
+                    <p:sldTgt/>
+                  </p:tgtEl>
+                </p:cond>
+              </p:prevCondLst>
+              <p:nextCondLst>
+                <p:cond evt="onNext" delay="0">
+                  <p:tgtEl>
+                    <p:sldTgt/>
+                  </p:tgtEl>
+                </p:cond>
+              </p:nextCondLst>
+            </p:seq>
+          </p:childTnLst>
+        </p:cTn>
+      </p:par>
+    </p:tnLst>
+  </p:timing>
+</p:sld>
+</file>
+
+<file path=ppt/slides/slide5.xml><?xml version="1.0" encoding="utf-8"?>
+<p:sld xmlns:a="http://schemas.openxmlformats.org/drawingml/2006/main" xmlns:r="http://schemas.openxmlformats.org/officeDocument/2006/relationships" xmlns:p="http://schemas.openxmlformats.org/presentationml/2006/main">
+  <p:cSld>
+    <p:spTree>
+      <p:nvGrpSpPr>
+        <p:cNvPr id="1" name=""/>
+        <p:cNvGrpSpPr/>
+        <p:nvPr/>
+      </p:nvGrpSpPr>
+      <p:grpSpPr>
+        <a:xfrm>
+          <a:off x="0" y="0"/>
+          <a:ext cx="0" cy="0"/>
+          <a:chOff x="0" y="0"/>
+          <a:chExt cx="0" cy="0"/>
+        </a:xfrm>
+      </p:grpSpPr>
       <p:sp>
         <p:nvSpPr>
           <p:cNvPr id="2" name="Titel 1">
             <a:extLst>
               <a:ext uri="{FF2B5EF4-FFF2-40B4-BE49-F238E27FC236}">
-                <a16:creationId xmlns:a16="http://schemas.microsoft.com/office/drawing/2014/main" id="{1C9E5E19-C738-D1A4-B56E-B3DB8BAA6DF5}"/>
+                <a16:creationId xmlns:a16="http://schemas.microsoft.com/office/drawing/2014/main" id="{E6D9B750-FE56-F0FB-F276-0C1D247DFB48}"/>
               </a:ext>
             </a:extLst>
           </p:cNvPr>
@@ -5488,45 +7923,871 @@
           <a:bodyPr/>
           <a:lstStyle/>
           <a:p>
-            <a:endParaRPr lang="da-DK"/>
+            <a:r>
+              <a:rPr lang="da-DK" dirty="0"/>
+              <a:t>3. fortsat</a:t>
+            </a:r>
           </a:p>
         </p:txBody>
       </p:sp>
+      <p:pic>
+        <p:nvPicPr>
+          <p:cNvPr id="5" name="Billede 4">
+            <a:extLst>
+              <a:ext uri="{FF2B5EF4-FFF2-40B4-BE49-F238E27FC236}">
+                <a16:creationId xmlns:a16="http://schemas.microsoft.com/office/drawing/2014/main" id="{387382DA-CAEF-9D5F-0D5F-FBC029B2FB66}"/>
+              </a:ext>
+            </a:extLst>
+          </p:cNvPr>
+          <p:cNvPicPr>
+            <a:picLocks noChangeAspect="1"/>
+          </p:cNvPicPr>
+          <p:nvPr/>
+        </p:nvPicPr>
+        <p:blipFill>
+          <a:blip r:embed="rId2"/>
+          <a:stretch>
+            <a:fillRect/>
+          </a:stretch>
+        </p:blipFill>
+        <p:spPr>
+          <a:xfrm>
+            <a:off x="838200" y="1690688"/>
+            <a:ext cx="4956787" cy="518049"/>
+          </a:xfrm>
+          <a:prstGeom prst="rect">
+            <a:avLst/>
+          </a:prstGeom>
+        </p:spPr>
+      </p:pic>
       <p:sp>
         <p:nvSpPr>
-          <p:cNvPr id="3" name="Pladsholder til indhold 2">
-            <a:extLst>
-              <a:ext uri="{FF2B5EF4-FFF2-40B4-BE49-F238E27FC236}">
-                <a16:creationId xmlns:a16="http://schemas.microsoft.com/office/drawing/2014/main" id="{81668026-6197-C76B-5860-33E829B91E7F}"/>
-              </a:ext>
-            </a:extLst>
-          </p:cNvPr>
-          <p:cNvSpPr>
-            <a:spLocks noGrp="1"/>
-          </p:cNvSpPr>
-          <p:nvPr>
-            <p:ph idx="1"/>
-          </p:nvPr>
+          <p:cNvPr id="8" name="Tekstfelt 7">
+            <a:extLst>
+              <a:ext uri="{FF2B5EF4-FFF2-40B4-BE49-F238E27FC236}">
+                <a16:creationId xmlns:a16="http://schemas.microsoft.com/office/drawing/2014/main" id="{595E7D35-D8BF-E19B-8A99-791E0E928465}"/>
+              </a:ext>
+            </a:extLst>
+          </p:cNvPr>
+          <p:cNvSpPr txBox="1"/>
+          <p:nvPr/>
         </p:nvSpPr>
-        <p:spPr/>
+        <p:spPr>
+          <a:xfrm>
+            <a:off x="2660723" y="2516096"/>
+            <a:ext cx="2953822" cy="369332"/>
+          </a:xfrm>
+          <a:prstGeom prst="rect">
+            <a:avLst/>
+          </a:prstGeom>
+          <a:noFill/>
+        </p:spPr>
         <p:txBody>
-          <a:bodyPr/>
+          <a:bodyPr wrap="none" rtlCol="0">
+            <a:spAutoFit/>
+          </a:bodyPr>
           <a:lstStyle/>
           <a:p>
-            <a:endParaRPr lang="da-DK"/>
+            <a:r>
+              <a:rPr lang="da-DK" sz="1600" dirty="0" err="1"/>
+              <a:t>We</a:t>
+            </a:r>
+            <a:r>
+              <a:rPr lang="da-DK" sz="1600" dirty="0"/>
+              <a:t> </a:t>
+            </a:r>
+            <a:r>
+              <a:rPr lang="da-DK" sz="1600" dirty="0" err="1"/>
+              <a:t>want</a:t>
+            </a:r>
+            <a:r>
+              <a:rPr lang="da-DK" sz="1600" dirty="0"/>
+              <a:t> the 5 </a:t>
+            </a:r>
+            <a:r>
+              <a:rPr lang="da-DK" sz="1600" dirty="0" err="1"/>
+              <a:t>feasible</a:t>
+            </a:r>
+            <a:r>
+              <a:rPr lang="da-DK" sz="1600" dirty="0"/>
+              <a:t> solutions</a:t>
+            </a:r>
+            <a:r>
+              <a:rPr lang="da-DK" u="sng" dirty="0"/>
+              <a:t>:</a:t>
+            </a:r>
           </a:p>
         </p:txBody>
       </p:sp>
+      <p:pic>
+        <p:nvPicPr>
+          <p:cNvPr id="9" name="Billede 8">
+            <a:extLst>
+              <a:ext uri="{FF2B5EF4-FFF2-40B4-BE49-F238E27FC236}">
+                <a16:creationId xmlns:a16="http://schemas.microsoft.com/office/drawing/2014/main" id="{445D58BA-F411-B445-5CB6-481731988534}"/>
+              </a:ext>
+            </a:extLst>
+          </p:cNvPr>
+          <p:cNvPicPr>
+            <a:picLocks noChangeAspect="1"/>
+          </p:cNvPicPr>
+          <p:nvPr/>
+        </p:nvPicPr>
+        <p:blipFill>
+          <a:blip r:embed="rId3"/>
+          <a:stretch>
+            <a:fillRect/>
+          </a:stretch>
+        </p:blipFill>
+        <p:spPr>
+          <a:xfrm>
+            <a:off x="2965882" y="2948494"/>
+            <a:ext cx="1905000" cy="1381125"/>
+          </a:xfrm>
+          <a:prstGeom prst="rect">
+            <a:avLst/>
+          </a:prstGeom>
+        </p:spPr>
+      </p:pic>
+      <p:pic>
+        <p:nvPicPr>
+          <p:cNvPr id="11" name="Billede 10">
+            <a:extLst>
+              <a:ext uri="{FF2B5EF4-FFF2-40B4-BE49-F238E27FC236}">
+                <a16:creationId xmlns:a16="http://schemas.microsoft.com/office/drawing/2014/main" id="{F59722C8-E623-2F88-7926-5A70B661512C}"/>
+              </a:ext>
+            </a:extLst>
+          </p:cNvPr>
+          <p:cNvPicPr>
+            <a:picLocks noChangeAspect="1"/>
+          </p:cNvPicPr>
+          <p:nvPr/>
+        </p:nvPicPr>
+        <p:blipFill>
+          <a:blip r:embed="rId4"/>
+          <a:stretch>
+            <a:fillRect/>
+          </a:stretch>
+        </p:blipFill>
+        <p:spPr>
+          <a:xfrm>
+            <a:off x="926977" y="2319615"/>
+            <a:ext cx="1076325" cy="3505200"/>
+          </a:xfrm>
+          <a:prstGeom prst="rect">
+            <a:avLst/>
+          </a:prstGeom>
+        </p:spPr>
+      </p:pic>
+      <mc:AlternateContent xmlns:mc="http://schemas.openxmlformats.org/markup-compatibility/2006">
+        <mc:Choice xmlns:p14="http://schemas.microsoft.com/office/powerpoint/2010/main" Requires="p14">
+          <p:contentPart p14:bwMode="auto" r:id="rId5">
+            <p14:nvContentPartPr>
+              <p14:cNvPr id="12" name="Håndskrift 11">
+                <a:extLst>
+                  <a:ext uri="{FF2B5EF4-FFF2-40B4-BE49-F238E27FC236}">
+                    <a16:creationId xmlns:a16="http://schemas.microsoft.com/office/drawing/2014/main" id="{E9A5E744-252F-D57F-5A4E-2408EFC7E223}"/>
+                  </a:ext>
+                </a:extLst>
+              </p14:cNvPr>
+              <p14:cNvContentPartPr/>
+              <p14:nvPr/>
+            </p14:nvContentPartPr>
+            <p14:xfrm>
+              <a:off x="4002888" y="3926840"/>
+              <a:ext cx="763560" cy="383400"/>
+            </p14:xfrm>
+          </p:contentPart>
+        </mc:Choice>
+        <mc:Fallback>
+          <p:pic>
+            <p:nvPicPr>
+              <p:cNvPr id="12" name="Håndskrift 11">
+                <a:extLst>
+                  <a:ext uri="{FF2B5EF4-FFF2-40B4-BE49-F238E27FC236}">
+                    <a16:creationId xmlns:a16="http://schemas.microsoft.com/office/drawing/2014/main" id="{E9A5E744-252F-D57F-5A4E-2408EFC7E223}"/>
+                  </a:ext>
+                </a:extLst>
+              </p:cNvPr>
+              <p:cNvPicPr/>
+              <p:nvPr/>
+            </p:nvPicPr>
+            <p:blipFill>
+              <a:blip r:embed="rId6"/>
+              <a:stretch>
+                <a:fillRect/>
+              </a:stretch>
+            </p:blipFill>
+            <p:spPr>
+              <a:xfrm>
+                <a:off x="3993888" y="3917840"/>
+                <a:ext cx="781200" cy="401040"/>
+              </a:xfrm>
+              <a:prstGeom prst="rect">
+                <a:avLst/>
+              </a:prstGeom>
+            </p:spPr>
+          </p:pic>
+        </mc:Fallback>
+      </mc:AlternateContent>
+      <p:pic>
+        <p:nvPicPr>
+          <p:cNvPr id="14" name="Billede 13">
+            <a:extLst>
+              <a:ext uri="{FF2B5EF4-FFF2-40B4-BE49-F238E27FC236}">
+                <a16:creationId xmlns:a16="http://schemas.microsoft.com/office/drawing/2014/main" id="{0696D5B4-9F72-F807-6C3F-6032A715AC08}"/>
+              </a:ext>
+            </a:extLst>
+          </p:cNvPr>
+          <p:cNvPicPr>
+            <a:picLocks noChangeAspect="1"/>
+          </p:cNvPicPr>
+          <p:nvPr/>
+        </p:nvPicPr>
+        <p:blipFill>
+          <a:blip r:embed="rId7"/>
+          <a:stretch>
+            <a:fillRect/>
+          </a:stretch>
+        </p:blipFill>
+        <p:spPr>
+          <a:xfrm>
+            <a:off x="3023373" y="4575468"/>
+            <a:ext cx="3486150" cy="342900"/>
+          </a:xfrm>
+          <a:prstGeom prst="rect">
+            <a:avLst/>
+          </a:prstGeom>
+        </p:spPr>
+      </p:pic>
+      <mc:AlternateContent xmlns:mc="http://schemas.openxmlformats.org/markup-compatibility/2006">
+        <mc:Choice xmlns:p14="http://schemas.microsoft.com/office/powerpoint/2010/main" Requires="p14">
+          <p:contentPart p14:bwMode="auto" r:id="rId8">
+            <p14:nvContentPartPr>
+              <p14:cNvPr id="17" name="Håndskrift 16">
+                <a:extLst>
+                  <a:ext uri="{FF2B5EF4-FFF2-40B4-BE49-F238E27FC236}">
+                    <a16:creationId xmlns:a16="http://schemas.microsoft.com/office/drawing/2014/main" id="{68032ABC-8D2A-8B8D-1C14-BA11DF495F4F}"/>
+                  </a:ext>
+                </a:extLst>
+              </p14:cNvPr>
+              <p14:cNvContentPartPr/>
+              <p14:nvPr/>
+            </p14:nvContentPartPr>
+            <p14:xfrm>
+              <a:off x="4029753" y="3017548"/>
+              <a:ext cx="589320" cy="321480"/>
+            </p14:xfrm>
+          </p:contentPart>
+        </mc:Choice>
+        <mc:Fallback>
+          <p:pic>
+            <p:nvPicPr>
+              <p:cNvPr id="17" name="Håndskrift 16">
+                <a:extLst>
+                  <a:ext uri="{FF2B5EF4-FFF2-40B4-BE49-F238E27FC236}">
+                    <a16:creationId xmlns:a16="http://schemas.microsoft.com/office/drawing/2014/main" id="{68032ABC-8D2A-8B8D-1C14-BA11DF495F4F}"/>
+                  </a:ext>
+                </a:extLst>
+              </p:cNvPr>
+              <p:cNvPicPr/>
+              <p:nvPr/>
+            </p:nvPicPr>
+            <p:blipFill>
+              <a:blip r:embed="rId9"/>
+              <a:stretch>
+                <a:fillRect/>
+              </a:stretch>
+            </p:blipFill>
+            <p:spPr>
+              <a:xfrm>
+                <a:off x="4020753" y="3008908"/>
+                <a:ext cx="606960" cy="339120"/>
+              </a:xfrm>
+              <a:prstGeom prst="rect">
+                <a:avLst/>
+              </a:prstGeom>
+            </p:spPr>
+          </p:pic>
+        </mc:Fallback>
+      </mc:AlternateContent>
+      <mc:AlternateContent xmlns:mc="http://schemas.openxmlformats.org/markup-compatibility/2006">
+        <mc:Choice xmlns:p14="http://schemas.microsoft.com/office/powerpoint/2010/main" Requires="p14">
+          <p:contentPart p14:bwMode="auto" r:id="rId10">
+            <p14:nvContentPartPr>
+              <p14:cNvPr id="19" name="Håndskrift 18">
+                <a:extLst>
+                  <a:ext uri="{FF2B5EF4-FFF2-40B4-BE49-F238E27FC236}">
+                    <a16:creationId xmlns:a16="http://schemas.microsoft.com/office/drawing/2014/main" id="{F0553B56-3A67-605A-29CD-922748601ABB}"/>
+                  </a:ext>
+                </a:extLst>
+              </p14:cNvPr>
+              <p14:cNvContentPartPr/>
+              <p14:nvPr/>
+            </p14:nvContentPartPr>
+            <p14:xfrm>
+              <a:off x="1143633" y="3691108"/>
+              <a:ext cx="624240" cy="375840"/>
+            </p14:xfrm>
+          </p:contentPart>
+        </mc:Choice>
+        <mc:Fallback>
+          <p:pic>
+            <p:nvPicPr>
+              <p:cNvPr id="19" name="Håndskrift 18">
+                <a:extLst>
+                  <a:ext uri="{FF2B5EF4-FFF2-40B4-BE49-F238E27FC236}">
+                    <a16:creationId xmlns:a16="http://schemas.microsoft.com/office/drawing/2014/main" id="{F0553B56-3A67-605A-29CD-922748601ABB}"/>
+                  </a:ext>
+                </a:extLst>
+              </p:cNvPr>
+              <p:cNvPicPr/>
+              <p:nvPr/>
+            </p:nvPicPr>
+            <p:blipFill>
+              <a:blip r:embed="rId11"/>
+              <a:stretch>
+                <a:fillRect/>
+              </a:stretch>
+            </p:blipFill>
+            <p:spPr>
+              <a:xfrm>
+                <a:off x="1134633" y="3682108"/>
+                <a:ext cx="641880" cy="393480"/>
+              </a:xfrm>
+              <a:prstGeom prst="rect">
+                <a:avLst/>
+              </a:prstGeom>
+            </p:spPr>
+          </p:pic>
+        </mc:Fallback>
+      </mc:AlternateContent>
+      <mc:AlternateContent xmlns:mc="http://schemas.openxmlformats.org/markup-compatibility/2006">
+        <mc:Choice xmlns:p14="http://schemas.microsoft.com/office/powerpoint/2010/main" Requires="p14">
+          <p:contentPart p14:bwMode="auto" r:id="rId12">
+            <p14:nvContentPartPr>
+              <p14:cNvPr id="20" name="Håndskrift 19">
+                <a:extLst>
+                  <a:ext uri="{FF2B5EF4-FFF2-40B4-BE49-F238E27FC236}">
+                    <a16:creationId xmlns:a16="http://schemas.microsoft.com/office/drawing/2014/main" id="{D84C1948-9D5E-4C12-C18F-EF33A86A9B5F}"/>
+                  </a:ext>
+                </a:extLst>
+              </p14:cNvPr>
+              <p14:cNvContentPartPr/>
+              <p14:nvPr/>
+            </p14:nvContentPartPr>
+            <p14:xfrm>
+              <a:off x="3868473" y="1668268"/>
+              <a:ext cx="261720" cy="446400"/>
+            </p14:xfrm>
+          </p:contentPart>
+        </mc:Choice>
+        <mc:Fallback>
+          <p:pic>
+            <p:nvPicPr>
+              <p:cNvPr id="20" name="Håndskrift 19">
+                <a:extLst>
+                  <a:ext uri="{FF2B5EF4-FFF2-40B4-BE49-F238E27FC236}">
+                    <a16:creationId xmlns:a16="http://schemas.microsoft.com/office/drawing/2014/main" id="{D84C1948-9D5E-4C12-C18F-EF33A86A9B5F}"/>
+                  </a:ext>
+                </a:extLst>
+              </p:cNvPr>
+              <p:cNvPicPr/>
+              <p:nvPr/>
+            </p:nvPicPr>
+            <p:blipFill>
+              <a:blip r:embed="rId13"/>
+              <a:stretch>
+                <a:fillRect/>
+              </a:stretch>
+            </p:blipFill>
+            <p:spPr>
+              <a:xfrm>
+                <a:off x="3859473" y="1659268"/>
+                <a:ext cx="279360" cy="464040"/>
+              </a:xfrm>
+              <a:prstGeom prst="rect">
+                <a:avLst/>
+              </a:prstGeom>
+            </p:spPr>
+          </p:pic>
+        </mc:Fallback>
+      </mc:AlternateContent>
+      <p:pic>
+        <p:nvPicPr>
+          <p:cNvPr id="22" name="Billede 21">
+            <a:extLst>
+              <a:ext uri="{FF2B5EF4-FFF2-40B4-BE49-F238E27FC236}">
+                <a16:creationId xmlns:a16="http://schemas.microsoft.com/office/drawing/2014/main" id="{D7CDD8E5-6961-733D-A79D-8F74C1DBFCE3}"/>
+              </a:ext>
+            </a:extLst>
+          </p:cNvPr>
+          <p:cNvPicPr>
+            <a:picLocks noChangeAspect="1"/>
+          </p:cNvPicPr>
+          <p:nvPr/>
+        </p:nvPicPr>
+        <p:blipFill>
+          <a:blip r:embed="rId14"/>
+          <a:stretch>
+            <a:fillRect/>
+          </a:stretch>
+        </p:blipFill>
+        <p:spPr>
+          <a:xfrm>
+            <a:off x="3023373" y="5093517"/>
+            <a:ext cx="1397707" cy="270874"/>
+          </a:xfrm>
+          <a:prstGeom prst="rect">
+            <a:avLst/>
+          </a:prstGeom>
+        </p:spPr>
+      </p:pic>
+      <mc:AlternateContent xmlns:mc="http://schemas.openxmlformats.org/markup-compatibility/2006">
+        <mc:Choice xmlns:p14="http://schemas.microsoft.com/office/powerpoint/2010/main" Requires="p14">
+          <p:contentPart p14:bwMode="auto" r:id="rId15">
+            <p14:nvContentPartPr>
+              <p14:cNvPr id="25" name="Håndskrift 24">
+                <a:extLst>
+                  <a:ext uri="{FF2B5EF4-FFF2-40B4-BE49-F238E27FC236}">
+                    <a16:creationId xmlns:a16="http://schemas.microsoft.com/office/drawing/2014/main" id="{8AAD4F0C-3DEA-6F75-0065-87C1A82054D0}"/>
+                  </a:ext>
+                </a:extLst>
+              </p14:cNvPr>
+              <p14:cNvContentPartPr/>
+              <p14:nvPr/>
+            </p14:nvContentPartPr>
+            <p14:xfrm>
+              <a:off x="1044672" y="2337332"/>
+              <a:ext cx="841680" cy="1764720"/>
+            </p14:xfrm>
+          </p:contentPart>
+        </mc:Choice>
+        <mc:Fallback>
+          <p:pic>
+            <p:nvPicPr>
+              <p:cNvPr id="25" name="Håndskrift 24">
+                <a:extLst>
+                  <a:ext uri="{FF2B5EF4-FFF2-40B4-BE49-F238E27FC236}">
+                    <a16:creationId xmlns:a16="http://schemas.microsoft.com/office/drawing/2014/main" id="{8AAD4F0C-3DEA-6F75-0065-87C1A82054D0}"/>
+                  </a:ext>
+                </a:extLst>
+              </p:cNvPr>
+              <p:cNvPicPr/>
+              <p:nvPr/>
+            </p:nvPicPr>
+            <p:blipFill>
+              <a:blip r:embed="rId16"/>
+              <a:stretch>
+                <a:fillRect/>
+              </a:stretch>
+            </p:blipFill>
+            <p:spPr>
+              <a:xfrm>
+                <a:off x="1035672" y="2328692"/>
+                <a:ext cx="859320" cy="1782360"/>
+              </a:xfrm>
+              <a:prstGeom prst="rect">
+                <a:avLst/>
+              </a:prstGeom>
+            </p:spPr>
+          </p:pic>
+        </mc:Fallback>
+      </mc:AlternateContent>
     </p:spTree>
     <p:extLst>
       <p:ext uri="{BB962C8B-B14F-4D97-AF65-F5344CB8AC3E}">
-        <p14:creationId xmlns:p14="http://schemas.microsoft.com/office/powerpoint/2010/main" val="2671771683"/>
+        <p14:creationId xmlns:p14="http://schemas.microsoft.com/office/powerpoint/2010/main" val="214219027"/>
       </p:ext>
     </p:extLst>
   </p:cSld>
   <p:clrMapOvr>
     <a:masterClrMapping/>
   </p:clrMapOvr>
+  <p:timing>
+    <p:tnLst>
+      <p:par>
+        <p:cTn id="1" dur="indefinite" restart="never" nodeType="tmRoot">
+          <p:childTnLst>
+            <p:seq concurrent="1" nextAc="seek">
+              <p:cTn id="2" dur="indefinite" nodeType="mainSeq">
+                <p:childTnLst>
+                  <p:par>
+                    <p:cTn id="3" fill="hold">
+                      <p:stCondLst>
+                        <p:cond delay="indefinite"/>
+                      </p:stCondLst>
+                      <p:childTnLst>
+                        <p:par>
+                          <p:cTn id="4" fill="hold">
+                            <p:stCondLst>
+                              <p:cond delay="0"/>
+                            </p:stCondLst>
+                            <p:childTnLst>
+                              <p:par>
+                                <p:cTn id="5" presetID="1" presetClass="entr" presetSubtype="0" fill="hold" grpId="0" nodeType="clickEffect">
+                                  <p:stCondLst>
+                                    <p:cond delay="0"/>
+                                  </p:stCondLst>
+                                  <p:childTnLst>
+                                    <p:set>
+                                      <p:cBhvr>
+                                        <p:cTn id="6" dur="1" fill="hold">
+                                          <p:stCondLst>
+                                            <p:cond delay="0"/>
+                                          </p:stCondLst>
+                                        </p:cTn>
+                                        <p:tgtEl>
+                                          <p:spTgt spid="8"/>
+                                        </p:tgtEl>
+                                        <p:attrNameLst>
+                                          <p:attrName>style.visibility</p:attrName>
+                                        </p:attrNameLst>
+                                      </p:cBhvr>
+                                      <p:to>
+                                        <p:strVal val="visible"/>
+                                      </p:to>
+                                    </p:set>
+                                  </p:childTnLst>
+                                </p:cTn>
+                              </p:par>
+                            </p:childTnLst>
+                          </p:cTn>
+                        </p:par>
+                      </p:childTnLst>
+                    </p:cTn>
+                  </p:par>
+                  <p:par>
+                    <p:cTn id="7" fill="hold">
+                      <p:stCondLst>
+                        <p:cond delay="indefinite"/>
+                      </p:stCondLst>
+                      <p:childTnLst>
+                        <p:par>
+                          <p:cTn id="8" fill="hold">
+                            <p:stCondLst>
+                              <p:cond delay="0"/>
+                            </p:stCondLst>
+                            <p:childTnLst>
+                              <p:par>
+                                <p:cTn id="9" presetID="1" presetClass="entr" presetSubtype="0" fill="hold" nodeType="clickEffect">
+                                  <p:stCondLst>
+                                    <p:cond delay="0"/>
+                                  </p:stCondLst>
+                                  <p:childTnLst>
+                                    <p:set>
+                                      <p:cBhvr>
+                                        <p:cTn id="10" dur="1" fill="hold">
+                                          <p:stCondLst>
+                                            <p:cond delay="0"/>
+                                          </p:stCondLst>
+                                        </p:cTn>
+                                        <p:tgtEl>
+                                          <p:spTgt spid="9"/>
+                                        </p:tgtEl>
+                                        <p:attrNameLst>
+                                          <p:attrName>style.visibility</p:attrName>
+                                        </p:attrNameLst>
+                                      </p:cBhvr>
+                                      <p:to>
+                                        <p:strVal val="visible"/>
+                                      </p:to>
+                                    </p:set>
+                                  </p:childTnLst>
+                                </p:cTn>
+                              </p:par>
+                            </p:childTnLst>
+                          </p:cTn>
+                        </p:par>
+                      </p:childTnLst>
+                    </p:cTn>
+                  </p:par>
+                  <p:par>
+                    <p:cTn id="11" fill="hold">
+                      <p:stCondLst>
+                        <p:cond delay="indefinite"/>
+                      </p:stCondLst>
+                      <p:childTnLst>
+                        <p:par>
+                          <p:cTn id="12" fill="hold">
+                            <p:stCondLst>
+                              <p:cond delay="0"/>
+                            </p:stCondLst>
+                            <p:childTnLst>
+                              <p:par>
+                                <p:cTn id="13" presetID="1" presetClass="entr" presetSubtype="0" fill="hold" nodeType="clickEffect">
+                                  <p:stCondLst>
+                                    <p:cond delay="0"/>
+                                  </p:stCondLst>
+                                  <p:childTnLst>
+                                    <p:set>
+                                      <p:cBhvr>
+                                        <p:cTn id="14" dur="1" fill="hold">
+                                          <p:stCondLst>
+                                            <p:cond delay="0"/>
+                                          </p:stCondLst>
+                                        </p:cTn>
+                                        <p:tgtEl>
+                                          <p:spTgt spid="12"/>
+                                        </p:tgtEl>
+                                        <p:attrNameLst>
+                                          <p:attrName>style.visibility</p:attrName>
+                                        </p:attrNameLst>
+                                      </p:cBhvr>
+                                      <p:to>
+                                        <p:strVal val="visible"/>
+                                      </p:to>
+                                    </p:set>
+                                  </p:childTnLst>
+                                </p:cTn>
+                              </p:par>
+                              <p:par>
+                                <p:cTn id="15" presetID="1" presetClass="entr" presetSubtype="0" fill="hold" nodeType="withEffect">
+                                  <p:stCondLst>
+                                    <p:cond delay="0"/>
+                                  </p:stCondLst>
+                                  <p:childTnLst>
+                                    <p:set>
+                                      <p:cBhvr>
+                                        <p:cTn id="16" dur="1" fill="hold">
+                                          <p:stCondLst>
+                                            <p:cond delay="0"/>
+                                          </p:stCondLst>
+                                        </p:cTn>
+                                        <p:tgtEl>
+                                          <p:spTgt spid="25"/>
+                                        </p:tgtEl>
+                                        <p:attrNameLst>
+                                          <p:attrName>style.visibility</p:attrName>
+                                        </p:attrNameLst>
+                                      </p:cBhvr>
+                                      <p:to>
+                                        <p:strVal val="visible"/>
+                                      </p:to>
+                                    </p:set>
+                                  </p:childTnLst>
+                                </p:cTn>
+                              </p:par>
+                            </p:childTnLst>
+                          </p:cTn>
+                        </p:par>
+                      </p:childTnLst>
+                    </p:cTn>
+                  </p:par>
+                  <p:par>
+                    <p:cTn id="17" fill="hold">
+                      <p:stCondLst>
+                        <p:cond delay="indefinite"/>
+                      </p:stCondLst>
+                      <p:childTnLst>
+                        <p:par>
+                          <p:cTn id="18" fill="hold">
+                            <p:stCondLst>
+                              <p:cond delay="0"/>
+                            </p:stCondLst>
+                            <p:childTnLst>
+                              <p:par>
+                                <p:cTn id="19" presetID="1" presetClass="entr" presetSubtype="0" fill="hold" nodeType="clickEffect">
+                                  <p:stCondLst>
+                                    <p:cond delay="0"/>
+                                  </p:stCondLst>
+                                  <p:childTnLst>
+                                    <p:set>
+                                      <p:cBhvr>
+                                        <p:cTn id="20" dur="1" fill="hold">
+                                          <p:stCondLst>
+                                            <p:cond delay="0"/>
+                                          </p:stCondLst>
+                                        </p:cTn>
+                                        <p:tgtEl>
+                                          <p:spTgt spid="14"/>
+                                        </p:tgtEl>
+                                        <p:attrNameLst>
+                                          <p:attrName>style.visibility</p:attrName>
+                                        </p:attrNameLst>
+                                      </p:cBhvr>
+                                      <p:to>
+                                        <p:strVal val="visible"/>
+                                      </p:to>
+                                    </p:set>
+                                  </p:childTnLst>
+                                </p:cTn>
+                              </p:par>
+                            </p:childTnLst>
+                          </p:cTn>
+                        </p:par>
+                      </p:childTnLst>
+                    </p:cTn>
+                  </p:par>
+                  <p:par>
+                    <p:cTn id="21" fill="hold">
+                      <p:stCondLst>
+                        <p:cond delay="indefinite"/>
+                      </p:stCondLst>
+                      <p:childTnLst>
+                        <p:par>
+                          <p:cTn id="22" fill="hold">
+                            <p:stCondLst>
+                              <p:cond delay="0"/>
+                            </p:stCondLst>
+                            <p:childTnLst>
+                              <p:par>
+                                <p:cTn id="23" presetID="1" presetClass="entr" presetSubtype="0" fill="hold" nodeType="clickEffect">
+                                  <p:stCondLst>
+                                    <p:cond delay="0"/>
+                                  </p:stCondLst>
+                                  <p:childTnLst>
+                                    <p:set>
+                                      <p:cBhvr>
+                                        <p:cTn id="24" dur="1" fill="hold">
+                                          <p:stCondLst>
+                                            <p:cond delay="0"/>
+                                          </p:stCondLst>
+                                        </p:cTn>
+                                        <p:tgtEl>
+                                          <p:spTgt spid="17"/>
+                                        </p:tgtEl>
+                                        <p:attrNameLst>
+                                          <p:attrName>style.visibility</p:attrName>
+                                        </p:attrNameLst>
+                                      </p:cBhvr>
+                                      <p:to>
+                                        <p:strVal val="visible"/>
+                                      </p:to>
+                                    </p:set>
+                                  </p:childTnLst>
+                                </p:cTn>
+                              </p:par>
+                            </p:childTnLst>
+                          </p:cTn>
+                        </p:par>
+                      </p:childTnLst>
+                    </p:cTn>
+                  </p:par>
+                  <p:par>
+                    <p:cTn id="25" fill="hold">
+                      <p:stCondLst>
+                        <p:cond delay="indefinite"/>
+                      </p:stCondLst>
+                      <p:childTnLst>
+                        <p:par>
+                          <p:cTn id="26" fill="hold">
+                            <p:stCondLst>
+                              <p:cond delay="0"/>
+                            </p:stCondLst>
+                            <p:childTnLst>
+                              <p:par>
+                                <p:cTn id="27" presetID="1" presetClass="entr" presetSubtype="0" fill="hold" nodeType="clickEffect">
+                                  <p:stCondLst>
+                                    <p:cond delay="0"/>
+                                  </p:stCondLst>
+                                  <p:childTnLst>
+                                    <p:set>
+                                      <p:cBhvr>
+                                        <p:cTn id="28" dur="1" fill="hold">
+                                          <p:stCondLst>
+                                            <p:cond delay="0"/>
+                                          </p:stCondLst>
+                                        </p:cTn>
+                                        <p:tgtEl>
+                                          <p:spTgt spid="19"/>
+                                        </p:tgtEl>
+                                        <p:attrNameLst>
+                                          <p:attrName>style.visibility</p:attrName>
+                                        </p:attrNameLst>
+                                      </p:cBhvr>
+                                      <p:to>
+                                        <p:strVal val="visible"/>
+                                      </p:to>
+                                    </p:set>
+                                  </p:childTnLst>
+                                </p:cTn>
+                              </p:par>
+                              <p:par>
+                                <p:cTn id="29" presetID="1" presetClass="entr" presetSubtype="0" fill="hold" nodeType="withEffect">
+                                  <p:stCondLst>
+                                    <p:cond delay="0"/>
+                                  </p:stCondLst>
+                                  <p:childTnLst>
+                                    <p:set>
+                                      <p:cBhvr>
+                                        <p:cTn id="30" dur="1" fill="hold">
+                                          <p:stCondLst>
+                                            <p:cond delay="0"/>
+                                          </p:stCondLst>
+                                        </p:cTn>
+                                        <p:tgtEl>
+                                          <p:spTgt spid="20"/>
+                                        </p:tgtEl>
+                                        <p:attrNameLst>
+                                          <p:attrName>style.visibility</p:attrName>
+                                        </p:attrNameLst>
+                                      </p:cBhvr>
+                                      <p:to>
+                                        <p:strVal val="visible"/>
+                                      </p:to>
+                                    </p:set>
+                                  </p:childTnLst>
+                                </p:cTn>
+                              </p:par>
+                              <p:par>
+                                <p:cTn id="31" presetID="1" presetClass="entr" presetSubtype="0" fill="hold" nodeType="withEffect">
+                                  <p:stCondLst>
+                                    <p:cond delay="0"/>
+                                  </p:stCondLst>
+                                  <p:childTnLst>
+                                    <p:set>
+                                      <p:cBhvr>
+                                        <p:cTn id="32" dur="1" fill="hold">
+                                          <p:stCondLst>
+                                            <p:cond delay="0"/>
+                                          </p:stCondLst>
+                                        </p:cTn>
+                                        <p:tgtEl>
+                                          <p:spTgt spid="22"/>
+                                        </p:tgtEl>
+                                        <p:attrNameLst>
+                                          <p:attrName>style.visibility</p:attrName>
+                                        </p:attrNameLst>
+                                      </p:cBhvr>
+                                      <p:to>
+                                        <p:strVal val="visible"/>
+                                      </p:to>
+                                    </p:set>
+                                  </p:childTnLst>
+                                </p:cTn>
+                              </p:par>
+                            </p:childTnLst>
+                          </p:cTn>
+                        </p:par>
+                      </p:childTnLst>
+                    </p:cTn>
+                  </p:par>
+                </p:childTnLst>
+              </p:cTn>
+              <p:prevCondLst>
+                <p:cond evt="onPrev" delay="0">
+                  <p:tgtEl>
+                    <p:sldTgt/>
+                  </p:tgtEl>
+                </p:cond>
+              </p:prevCondLst>
+              <p:nextCondLst>
+                <p:cond evt="onNext" delay="0">
+                  <p:tgtEl>
+                    <p:sldTgt/>
+                  </p:tgtEl>
+                </p:cond>
+              </p:nextCondLst>
+            </p:seq>
+          </p:childTnLst>
+        </p:cTn>
+      </p:par>
+    </p:tnLst>
+    <p:bldLst>
+      <p:bldP spid="8" grpId="0"/>
+    </p:bldLst>
+  </p:timing>
 </p:sld>
 </file>
 
@@ -5823,4 +9084,299 @@
     </a:ext>
   </a:extLst>
 </a:theme>
+</file>
+
+<file path=ppt/theme/theme2.xml><?xml version="1.0" encoding="utf-8"?>
+<a:theme xmlns:a="http://schemas.openxmlformats.org/drawingml/2006/main" name="Office-tema">
+  <a:themeElements>
+    <a:clrScheme name="Office">
+      <a:dk1>
+        <a:sysClr val="windowText" lastClr="000000"/>
+      </a:dk1>
+      <a:lt1>
+        <a:sysClr val="window" lastClr="FFFFFF"/>
+      </a:lt1>
+      <a:dk2>
+        <a:srgbClr val="44546A"/>
+      </a:dk2>
+      <a:lt2>
+        <a:srgbClr val="E7E6E6"/>
+      </a:lt2>
+      <a:accent1>
+        <a:srgbClr val="4472C4"/>
+      </a:accent1>
+      <a:accent2>
+        <a:srgbClr val="ED7D31"/>
+      </a:accent2>
+      <a:accent3>
+        <a:srgbClr val="A5A5A5"/>
+      </a:accent3>
+      <a:accent4>
+        <a:srgbClr val="FFC000"/>
+      </a:accent4>
+      <a:accent5>
+        <a:srgbClr val="5B9BD5"/>
+      </a:accent5>
+      <a:accent6>
+        <a:srgbClr val="70AD47"/>
+      </a:accent6>
+      <a:hlink>
+        <a:srgbClr val="0563C1"/>
+      </a:hlink>
+      <a:folHlink>
+        <a:srgbClr val="954F72"/>
+      </a:folHlink>
+    </a:clrScheme>
+    <a:fontScheme name="Office">
+      <a:majorFont>
+        <a:latin typeface="Calibri Light" panose="020F0302020204030204"/>
+        <a:ea typeface=""/>
+        <a:cs typeface=""/>
+        <a:font script="Jpan" typeface="游ゴシック Light"/>
+        <a:font script="Hang" typeface="맑은 고딕"/>
+        <a:font script="Hans" typeface="等线 Light"/>
+        <a:font script="Hant" typeface="新細明體"/>
+        <a:font script="Arab" typeface="Times New Roman"/>
+        <a:font script="Hebr" typeface="Times New Roman"/>
+        <a:font script="Thai" typeface="Angsana New"/>
+        <a:font script="Ethi" typeface="Nyala"/>
+        <a:font script="Beng" typeface="Vrinda"/>
+        <a:font script="Gujr" typeface="Shruti"/>
+        <a:font script="Khmr" typeface="MoolBoran"/>
+        <a:font script="Knda" typeface="Tunga"/>
+        <a:font script="Guru" typeface="Raavi"/>
+        <a:font script="Cans" typeface="Euphemia"/>
+        <a:font script="Cher" typeface="Plantagenet Cherokee"/>
+        <a:font script="Yiii" typeface="Microsoft Yi Baiti"/>
+        <a:font script="Tibt" typeface="Microsoft Himalaya"/>
+        <a:font script="Thaa" typeface="MV Boli"/>
+        <a:font script="Deva" typeface="Mangal"/>
+        <a:font script="Telu" typeface="Gautami"/>
+        <a:font script="Taml" typeface="Latha"/>
+        <a:font script="Syrc" typeface="Estrangelo Edessa"/>
+        <a:font script="Orya" typeface="Kalinga"/>
+        <a:font script="Mlym" typeface="Kartika"/>
+        <a:font script="Laoo" typeface="DokChampa"/>
+        <a:font script="Sinh" typeface="Iskoola Pota"/>
+        <a:font script="Mong" typeface="Mongolian Baiti"/>
+        <a:font script="Viet" typeface="Times New Roman"/>
+        <a:font script="Uigh" typeface="Microsoft Uighur"/>
+        <a:font script="Geor" typeface="Sylfaen"/>
+        <a:font script="Armn" typeface="Arial"/>
+        <a:font script="Bugi" typeface="Leelawadee UI"/>
+        <a:font script="Bopo" typeface="Microsoft JhengHei"/>
+        <a:font script="Java" typeface="Javanese Text"/>
+        <a:font script="Lisu" typeface="Segoe UI"/>
+        <a:font script="Mymr" typeface="Myanmar Text"/>
+        <a:font script="Nkoo" typeface="Ebrima"/>
+        <a:font script="Olck" typeface="Nirmala UI"/>
+        <a:font script="Osma" typeface="Ebrima"/>
+        <a:font script="Phag" typeface="Phagspa"/>
+        <a:font script="Syrn" typeface="Estrangelo Edessa"/>
+        <a:font script="Syrj" typeface="Estrangelo Edessa"/>
+        <a:font script="Syre" typeface="Estrangelo Edessa"/>
+        <a:font script="Sora" typeface="Nirmala UI"/>
+        <a:font script="Tale" typeface="Microsoft Tai Le"/>
+        <a:font script="Talu" typeface="Microsoft New Tai Lue"/>
+        <a:font script="Tfng" typeface="Ebrima"/>
+      </a:majorFont>
+      <a:minorFont>
+        <a:latin typeface="Calibri" panose="020F0502020204030204"/>
+        <a:ea typeface=""/>
+        <a:cs typeface=""/>
+        <a:font script="Jpan" typeface="游ゴシック"/>
+        <a:font script="Hang" typeface="맑은 고딕"/>
+        <a:font script="Hans" typeface="等线"/>
+        <a:font script="Hant" typeface="新細明體"/>
+        <a:font script="Arab" typeface="Arial"/>
+        <a:font script="Hebr" typeface="Arial"/>
+        <a:font script="Thai" typeface="Cordia New"/>
+        <a:font script="Ethi" typeface="Nyala"/>
+        <a:font script="Beng" typeface="Vrinda"/>
+        <a:font script="Gujr" typeface="Shruti"/>
+        <a:font script="Khmr" typeface="DaunPenh"/>
+        <a:font script="Knda" typeface="Tunga"/>
+        <a:font script="Guru" typeface="Raavi"/>
+        <a:font script="Cans" typeface="Euphemia"/>
+        <a:font script="Cher" typeface="Plantagenet Cherokee"/>
+        <a:font script="Yiii" typeface="Microsoft Yi Baiti"/>
+        <a:font script="Tibt" typeface="Microsoft Himalaya"/>
+        <a:font script="Thaa" typeface="MV Boli"/>
+        <a:font script="Deva" typeface="Mangal"/>
+        <a:font script="Telu" typeface="Gautami"/>
+        <a:font script="Taml" typeface="Latha"/>
+        <a:font script="Syrc" typeface="Estrangelo Edessa"/>
+        <a:font script="Orya" typeface="Kalinga"/>
+        <a:font script="Mlym" typeface="Kartika"/>
+        <a:font script="Laoo" typeface="DokChampa"/>
+        <a:font script="Sinh" typeface="Iskoola Pota"/>
+        <a:font script="Mong" typeface="Mongolian Baiti"/>
+        <a:font script="Viet" typeface="Arial"/>
+        <a:font script="Uigh" typeface="Microsoft Uighur"/>
+        <a:font script="Geor" typeface="Sylfaen"/>
+        <a:font script="Armn" typeface="Arial"/>
+        <a:font script="Bugi" typeface="Leelawadee UI"/>
+        <a:font script="Bopo" typeface="Microsoft JhengHei"/>
+        <a:font script="Java" typeface="Javanese Text"/>
+        <a:font script="Lisu" typeface="Segoe UI"/>
+        <a:font script="Mymr" typeface="Myanmar Text"/>
+        <a:font script="Nkoo" typeface="Ebrima"/>
+        <a:font script="Olck" typeface="Nirmala UI"/>
+        <a:font script="Osma" typeface="Ebrima"/>
+        <a:font script="Phag" typeface="Phagspa"/>
+        <a:font script="Syrn" typeface="Estrangelo Edessa"/>
+        <a:font script="Syrj" typeface="Estrangelo Edessa"/>
+        <a:font script="Syre" typeface="Estrangelo Edessa"/>
+        <a:font script="Sora" typeface="Nirmala UI"/>
+        <a:font script="Tale" typeface="Microsoft Tai Le"/>
+        <a:font script="Talu" typeface="Microsoft New Tai Lue"/>
+        <a:font script="Tfng" typeface="Ebrima"/>
+      </a:minorFont>
+    </a:fontScheme>
+    <a:fmtScheme name="Office">
+      <a:fillStyleLst>
+        <a:solidFill>
+          <a:schemeClr val="phClr"/>
+        </a:solidFill>
+        <a:gradFill rotWithShape="1">
+          <a:gsLst>
+            <a:gs pos="0">
+              <a:schemeClr val="phClr">
+                <a:lumMod val="110000"/>
+                <a:satMod val="105000"/>
+                <a:tint val="67000"/>
+              </a:schemeClr>
+            </a:gs>
+            <a:gs pos="50000">
+              <a:schemeClr val="phClr">
+                <a:lumMod val="105000"/>
+                <a:satMod val="103000"/>
+                <a:tint val="73000"/>
+              </a:schemeClr>
+            </a:gs>
+            <a:gs pos="100000">
+              <a:schemeClr val="phClr">
+                <a:lumMod val="105000"/>
+                <a:satMod val="109000"/>
+                <a:tint val="81000"/>
+              </a:schemeClr>
+            </a:gs>
+          </a:gsLst>
+          <a:lin ang="5400000" scaled="0"/>
+        </a:gradFill>
+        <a:gradFill rotWithShape="1">
+          <a:gsLst>
+            <a:gs pos="0">
+              <a:schemeClr val="phClr">
+                <a:satMod val="103000"/>
+                <a:lumMod val="102000"/>
+                <a:tint val="94000"/>
+              </a:schemeClr>
+            </a:gs>
+            <a:gs pos="50000">
+              <a:schemeClr val="phClr">
+                <a:satMod val="110000"/>
+                <a:lumMod val="100000"/>
+                <a:shade val="100000"/>
+              </a:schemeClr>
+            </a:gs>
+            <a:gs pos="100000">
+              <a:schemeClr val="phClr">
+                <a:lumMod val="99000"/>
+                <a:satMod val="120000"/>
+                <a:shade val="78000"/>
+              </a:schemeClr>
+            </a:gs>
+          </a:gsLst>
+          <a:lin ang="5400000" scaled="0"/>
+        </a:gradFill>
+      </a:fillStyleLst>
+      <a:lnStyleLst>
+        <a:ln w="6350" cap="flat" cmpd="sng" algn="ctr">
+          <a:solidFill>
+            <a:schemeClr val="phClr"/>
+          </a:solidFill>
+          <a:prstDash val="solid"/>
+          <a:miter lim="800000"/>
+        </a:ln>
+        <a:ln w="12700" cap="flat" cmpd="sng" algn="ctr">
+          <a:solidFill>
+            <a:schemeClr val="phClr"/>
+          </a:solidFill>
+          <a:prstDash val="solid"/>
+          <a:miter lim="800000"/>
+        </a:ln>
+        <a:ln w="19050" cap="flat" cmpd="sng" algn="ctr">
+          <a:solidFill>
+            <a:schemeClr val="phClr"/>
+          </a:solidFill>
+          <a:prstDash val="solid"/>
+          <a:miter lim="800000"/>
+        </a:ln>
+      </a:lnStyleLst>
+      <a:effectStyleLst>
+        <a:effectStyle>
+          <a:effectLst/>
+        </a:effectStyle>
+        <a:effectStyle>
+          <a:effectLst/>
+        </a:effectStyle>
+        <a:effectStyle>
+          <a:effectLst>
+            <a:outerShdw blurRad="57150" dist="19050" dir="5400000" algn="ctr" rotWithShape="0">
+              <a:srgbClr val="000000">
+                <a:alpha val="63000"/>
+              </a:srgbClr>
+            </a:outerShdw>
+          </a:effectLst>
+        </a:effectStyle>
+      </a:effectStyleLst>
+      <a:bgFillStyleLst>
+        <a:solidFill>
+          <a:schemeClr val="phClr"/>
+        </a:solidFill>
+        <a:solidFill>
+          <a:schemeClr val="phClr">
+            <a:tint val="95000"/>
+            <a:satMod val="170000"/>
+          </a:schemeClr>
+        </a:solidFill>
+        <a:gradFill rotWithShape="1">
+          <a:gsLst>
+            <a:gs pos="0">
+              <a:schemeClr val="phClr">
+                <a:tint val="93000"/>
+                <a:satMod val="150000"/>
+                <a:shade val="98000"/>
+                <a:lumMod val="102000"/>
+              </a:schemeClr>
+            </a:gs>
+            <a:gs pos="50000">
+              <a:schemeClr val="phClr">
+                <a:tint val="98000"/>
+                <a:satMod val="130000"/>
+                <a:shade val="90000"/>
+                <a:lumMod val="103000"/>
+              </a:schemeClr>
+            </a:gs>
+            <a:gs pos="100000">
+              <a:schemeClr val="phClr">
+                <a:shade val="63000"/>
+                <a:satMod val="120000"/>
+              </a:schemeClr>
+            </a:gs>
+          </a:gsLst>
+          <a:lin ang="5400000" scaled="0"/>
+        </a:gradFill>
+      </a:bgFillStyleLst>
+    </a:fmtScheme>
+  </a:themeElements>
+  <a:objectDefaults/>
+  <a:extraClrSchemeLst/>
+  <a:extLst>
+    <a:ext uri="{05A4C25C-085E-4340-85A3-A5531E510DB2}">
+      <thm15:themeFamily xmlns:thm15="http://schemas.microsoft.com/office/thememl/2012/main" name="Office Theme" id="{62F939B6-93AF-4DB8-9C6B-D6C7DFDC589F}" vid="{4A3C46E8-61CC-4603-A589-7422A47A8E4A}"/>
+    </a:ext>
+  </a:extLst>
+</a:theme>
 </file>